--- a/Chapter 4.pptx
+++ b/Chapter 4.pptx
@@ -22,17 +22,24 @@
     <p:sldId id="354" r:id="rId16"/>
     <p:sldId id="355" r:id="rId17"/>
     <p:sldId id="356" r:id="rId18"/>
-    <p:sldId id="357" r:id="rId19"/>
-    <p:sldId id="358" r:id="rId20"/>
-    <p:sldId id="359" r:id="rId21"/>
-    <p:sldId id="360" r:id="rId22"/>
-    <p:sldId id="361" r:id="rId23"/>
-    <p:sldId id="362" r:id="rId24"/>
-    <p:sldId id="363" r:id="rId25"/>
-    <p:sldId id="364" r:id="rId26"/>
-    <p:sldId id="365" r:id="rId27"/>
-    <p:sldId id="366" r:id="rId28"/>
-    <p:sldId id="368" r:id="rId29"/>
+    <p:sldId id="374" r:id="rId19"/>
+    <p:sldId id="375" r:id="rId20"/>
+    <p:sldId id="376" r:id="rId21"/>
+    <p:sldId id="377" r:id="rId22"/>
+    <p:sldId id="378" r:id="rId23"/>
+    <p:sldId id="379" r:id="rId24"/>
+    <p:sldId id="362" r:id="rId25"/>
+    <p:sldId id="363" r:id="rId26"/>
+    <p:sldId id="364" r:id="rId27"/>
+    <p:sldId id="365" r:id="rId28"/>
+    <p:sldId id="366" r:id="rId29"/>
+    <p:sldId id="368" r:id="rId30"/>
+    <p:sldId id="380" r:id="rId31"/>
+    <p:sldId id="381" r:id="rId32"/>
+    <p:sldId id="382" r:id="rId33"/>
+    <p:sldId id="369" r:id="rId34"/>
+    <p:sldId id="370" r:id="rId35"/>
+    <p:sldId id="373" r:id="rId36"/>
   </p:sldIdLst>
   <p:sldSz cx="12192000" cy="6858000"/>
   <p:notesSz cx="6858000" cy="9144000"/>
@@ -286,7 +293,7 @@
           <a:p>
             <a:fld id="{83CE2EB5-461B-48FA-A185-8B26B555C833}" type="datetimeFigureOut">
               <a:rPr lang="en-US" smtClean="0"/>
-              <a:t>10/4/2023</a:t>
+              <a:t>9/29/2024</a:t>
             </a:fld>
             <a:endParaRPr lang="en-US"/>
           </a:p>
@@ -484,7 +491,7 @@
           <a:p>
             <a:fld id="{83CE2EB5-461B-48FA-A185-8B26B555C833}" type="datetimeFigureOut">
               <a:rPr lang="en-US" smtClean="0"/>
-              <a:t>10/4/2023</a:t>
+              <a:t>9/29/2024</a:t>
             </a:fld>
             <a:endParaRPr lang="en-US"/>
           </a:p>
@@ -692,7 +699,7 @@
           <a:p>
             <a:fld id="{83CE2EB5-461B-48FA-A185-8B26B555C833}" type="datetimeFigureOut">
               <a:rPr lang="en-US" smtClean="0"/>
-              <a:t>10/4/2023</a:t>
+              <a:t>9/29/2024</a:t>
             </a:fld>
             <a:endParaRPr lang="en-US"/>
           </a:p>
@@ -890,7 +897,7 @@
           <a:p>
             <a:fld id="{83CE2EB5-461B-48FA-A185-8B26B555C833}" type="datetimeFigureOut">
               <a:rPr lang="en-US" smtClean="0"/>
-              <a:t>10/4/2023</a:t>
+              <a:t>9/29/2024</a:t>
             </a:fld>
             <a:endParaRPr lang="en-US"/>
           </a:p>
@@ -1165,7 +1172,7 @@
           <a:p>
             <a:fld id="{83CE2EB5-461B-48FA-A185-8B26B555C833}" type="datetimeFigureOut">
               <a:rPr lang="en-US" smtClean="0"/>
-              <a:t>10/4/2023</a:t>
+              <a:t>9/29/2024</a:t>
             </a:fld>
             <a:endParaRPr lang="en-US"/>
           </a:p>
@@ -1430,7 +1437,7 @@
           <a:p>
             <a:fld id="{83CE2EB5-461B-48FA-A185-8B26B555C833}" type="datetimeFigureOut">
               <a:rPr lang="en-US" smtClean="0"/>
-              <a:t>10/4/2023</a:t>
+              <a:t>9/29/2024</a:t>
             </a:fld>
             <a:endParaRPr lang="en-US"/>
           </a:p>
@@ -1842,7 +1849,7 @@
           <a:p>
             <a:fld id="{83CE2EB5-461B-48FA-A185-8B26B555C833}" type="datetimeFigureOut">
               <a:rPr lang="en-US" smtClean="0"/>
-              <a:t>10/4/2023</a:t>
+              <a:t>9/29/2024</a:t>
             </a:fld>
             <a:endParaRPr lang="en-US"/>
           </a:p>
@@ -1983,7 +1990,7 @@
           <a:p>
             <a:fld id="{83CE2EB5-461B-48FA-A185-8B26B555C833}" type="datetimeFigureOut">
               <a:rPr lang="en-US" smtClean="0"/>
-              <a:t>10/4/2023</a:t>
+              <a:t>9/29/2024</a:t>
             </a:fld>
             <a:endParaRPr lang="en-US"/>
           </a:p>
@@ -2096,7 +2103,7 @@
           <a:p>
             <a:fld id="{83CE2EB5-461B-48FA-A185-8B26B555C833}" type="datetimeFigureOut">
               <a:rPr lang="en-US" smtClean="0"/>
-              <a:t>10/4/2023</a:t>
+              <a:t>9/29/2024</a:t>
             </a:fld>
             <a:endParaRPr lang="en-US"/>
           </a:p>
@@ -2407,7 +2414,7 @@
           <a:p>
             <a:fld id="{83CE2EB5-461B-48FA-A185-8B26B555C833}" type="datetimeFigureOut">
               <a:rPr lang="en-US" smtClean="0"/>
-              <a:t>10/4/2023</a:t>
+              <a:t>9/29/2024</a:t>
             </a:fld>
             <a:endParaRPr lang="en-US"/>
           </a:p>
@@ -2695,7 +2702,7 @@
           <a:p>
             <a:fld id="{83CE2EB5-461B-48FA-A185-8B26B555C833}" type="datetimeFigureOut">
               <a:rPr lang="en-US" smtClean="0"/>
-              <a:t>10/4/2023</a:t>
+              <a:t>9/29/2024</a:t>
             </a:fld>
             <a:endParaRPr lang="en-US"/>
           </a:p>
@@ -2936,7 +2943,7 @@
           <a:p>
             <a:fld id="{83CE2EB5-461B-48FA-A185-8B26B555C833}" type="datetimeFigureOut">
               <a:rPr lang="en-US" smtClean="0"/>
-              <a:t>10/4/2023</a:t>
+              <a:t>9/29/2024</a:t>
             </a:fld>
             <a:endParaRPr lang="en-US"/>
           </a:p>
@@ -6805,60 +6812,6 @@
       </p:grpSpPr>
       <p:sp>
         <p:nvSpPr>
-          <p:cNvPr id="3" name="Content Placeholder 2">
-            <a:extLst>
-              <a:ext uri="{FF2B5EF4-FFF2-40B4-BE49-F238E27FC236}">
-                <a16:creationId xmlns:a16="http://schemas.microsoft.com/office/drawing/2014/main" id="{3A0C6CDF-3482-5F76-5D2E-95ED11BDEC4D}"/>
-              </a:ext>
-            </a:extLst>
-          </p:cNvPr>
-          <p:cNvSpPr>
-            <a:spLocks noGrp="1"/>
-          </p:cNvSpPr>
-          <p:nvPr>
-            <p:ph idx="1"/>
-          </p:nvPr>
-        </p:nvSpPr>
-        <p:spPr>
-          <a:xfrm>
-            <a:off x="838200" y="1138688"/>
-            <a:ext cx="10515600" cy="5038275"/>
-          </a:xfrm>
-        </p:spPr>
-        <p:txBody>
-          <a:bodyPr>
-            <a:normAutofit/>
-          </a:bodyPr>
-          <a:lstStyle/>
-          <a:p>
-            <a:pPr marL="0" indent="0" algn="just">
-              <a:lnSpc>
-                <a:spcPct val="100000"/>
-              </a:lnSpc>
-              <a:buNone/>
-            </a:pPr>
-            <a:r>
-              <a:rPr lang="en-US" sz="2000" dirty="0">
-                <a:latin typeface="Georgia" panose="02040502050405020303" pitchFamily="18" charset="0"/>
-              </a:rPr>
-              <a:t>The following examples show ways to vary the control variable in a for statement.</a:t>
-            </a:r>
-          </a:p>
-          <a:p>
-            <a:pPr marL="0" indent="0">
-              <a:lnSpc>
-                <a:spcPct val="100000"/>
-              </a:lnSpc>
-              <a:buNone/>
-            </a:pPr>
-            <a:endParaRPr lang="en-US" sz="2000" dirty="0">
-              <a:latin typeface="Georgia" panose="02040502050405020303" pitchFamily="18" charset="0"/>
-            </a:endParaRPr>
-          </a:p>
-        </p:txBody>
-      </p:sp>
-      <p:sp>
-        <p:nvSpPr>
           <p:cNvPr id="6" name="Title 1">
             <a:extLst>
               <a:ext uri="{FF2B5EF4-FFF2-40B4-BE49-F238E27FC236}">
@@ -6918,10 +6871,10 @@
       </p:sp>
       <p:pic>
         <p:nvPicPr>
-          <p:cNvPr id="4" name="Picture 3">
-            <a:extLst>
-              <a:ext uri="{FF2B5EF4-FFF2-40B4-BE49-F238E27FC236}">
-                <a16:creationId xmlns:a16="http://schemas.microsoft.com/office/drawing/2014/main" id="{5FDE2B33-01B5-448B-A1F3-6E753ED7F51F}"/>
+          <p:cNvPr id="8" name="Picture 7">
+            <a:extLst>
+              <a:ext uri="{FF2B5EF4-FFF2-40B4-BE49-F238E27FC236}">
+                <a16:creationId xmlns:a16="http://schemas.microsoft.com/office/drawing/2014/main" id="{78AEE158-06A7-1A2C-6DE8-6826D86F9215}"/>
               </a:ext>
             </a:extLst>
           </p:cNvPr>
@@ -6930,15 +6883,15 @@
           </p:cNvPicPr>
           <p:nvPr/>
         </p:nvPicPr>
-        <p:blipFill rotWithShape="1">
+        <p:blipFill>
           <a:blip r:embed="rId2"/>
-          <a:srcRect t="1" b="83530"/>
+          <a:srcRect b="91803"/>
           <a:stretch/>
         </p:blipFill>
         <p:spPr>
           <a:xfrm>
-            <a:off x="1270000" y="1615999"/>
-            <a:ext cx="9652000" cy="822960"/>
+            <a:off x="1389529" y="1138689"/>
+            <a:ext cx="9412941" cy="412206"/>
           </a:xfrm>
           <a:prstGeom prst="rect">
             <a:avLst/>
@@ -6967,188 +6920,6 @@
       </p:transition>
     </mc:Fallback>
   </mc:AlternateContent>
-  <p:timing>
-    <p:tnLst>
-      <p:par>
-        <p:cTn id="1" dur="indefinite" restart="never" nodeType="tmRoot">
-          <p:childTnLst>
-            <p:seq concurrent="1" nextAc="seek">
-              <p:cTn id="2" dur="indefinite" nodeType="mainSeq">
-                <p:childTnLst>
-                  <p:par>
-                    <p:cTn id="3" fill="hold">
-                      <p:stCondLst>
-                        <p:cond delay="indefinite"/>
-                      </p:stCondLst>
-                      <p:childTnLst>
-                        <p:par>
-                          <p:cTn id="4" fill="hold">
-                            <p:stCondLst>
-                              <p:cond delay="0"/>
-                            </p:stCondLst>
-                            <p:childTnLst>
-                              <p:par>
-                                <p:cTn id="5" presetID="10" presetClass="entr" presetSubtype="0" fill="hold" nodeType="clickEffect">
-                                  <p:stCondLst>
-                                    <p:cond delay="0"/>
-                                  </p:stCondLst>
-                                  <p:childTnLst>
-                                    <p:set>
-                                      <p:cBhvr>
-                                        <p:cTn id="6" dur="1" fill="hold">
-                                          <p:stCondLst>
-                                            <p:cond delay="0"/>
-                                          </p:stCondLst>
-                                        </p:cTn>
-                                        <p:tgtEl>
-                                          <p:spTgt spid="3">
-                                            <p:txEl>
-                                              <p:pRg st="0" end="0"/>
-                                            </p:txEl>
-                                          </p:spTgt>
-                                        </p:tgtEl>
-                                        <p:attrNameLst>
-                                          <p:attrName>style.visibility</p:attrName>
-                                        </p:attrNameLst>
-                                      </p:cBhvr>
-                                      <p:to>
-                                        <p:strVal val="visible"/>
-                                      </p:to>
-                                    </p:set>
-                                    <p:animEffect transition="in" filter="fade">
-                                      <p:cBhvr>
-                                        <p:cTn id="7" dur="500"/>
-                                        <p:tgtEl>
-                                          <p:spTgt spid="3">
-                                            <p:txEl>
-                                              <p:pRg st="0" end="0"/>
-                                            </p:txEl>
-                                          </p:spTgt>
-                                        </p:tgtEl>
-                                      </p:cBhvr>
-                                    </p:animEffect>
-                                  </p:childTnLst>
-                                </p:cTn>
-                              </p:par>
-                            </p:childTnLst>
-                          </p:cTn>
-                        </p:par>
-                      </p:childTnLst>
-                    </p:cTn>
-                  </p:par>
-                  <p:par>
-                    <p:cTn id="8" fill="hold">
-                      <p:stCondLst>
-                        <p:cond delay="indefinite"/>
-                      </p:stCondLst>
-                      <p:childTnLst>
-                        <p:par>
-                          <p:cTn id="9" fill="hold">
-                            <p:stCondLst>
-                              <p:cond delay="0"/>
-                            </p:stCondLst>
-                            <p:childTnLst>
-                              <p:par>
-                                <p:cTn id="10" presetID="2" presetClass="entr" presetSubtype="4" fill="hold" nodeType="clickEffect">
-                                  <p:stCondLst>
-                                    <p:cond delay="0"/>
-                                  </p:stCondLst>
-                                  <p:childTnLst>
-                                    <p:set>
-                                      <p:cBhvr>
-                                        <p:cTn id="11" dur="1" fill="hold">
-                                          <p:stCondLst>
-                                            <p:cond delay="0"/>
-                                          </p:stCondLst>
-                                        </p:cTn>
-                                        <p:tgtEl>
-                                          <p:spTgt spid="4"/>
-                                        </p:tgtEl>
-                                        <p:attrNameLst>
-                                          <p:attrName>style.visibility</p:attrName>
-                                        </p:attrNameLst>
-                                      </p:cBhvr>
-                                      <p:to>
-                                        <p:strVal val="visible"/>
-                                      </p:to>
-                                    </p:set>
-                                    <p:anim calcmode="lin" valueType="num">
-                                      <p:cBhvr additive="base">
-                                        <p:cTn id="12" dur="500" fill="hold"/>
-                                        <p:tgtEl>
-                                          <p:spTgt spid="4"/>
-                                        </p:tgtEl>
-                                        <p:attrNameLst>
-                                          <p:attrName>ppt_x</p:attrName>
-                                        </p:attrNameLst>
-                                      </p:cBhvr>
-                                      <p:tavLst>
-                                        <p:tav tm="0">
-                                          <p:val>
-                                            <p:strVal val="#ppt_x"/>
-                                          </p:val>
-                                        </p:tav>
-                                        <p:tav tm="100000">
-                                          <p:val>
-                                            <p:strVal val="#ppt_x"/>
-                                          </p:val>
-                                        </p:tav>
-                                      </p:tavLst>
-                                    </p:anim>
-                                    <p:anim calcmode="lin" valueType="num">
-                                      <p:cBhvr additive="base">
-                                        <p:cTn id="13" dur="500" fill="hold"/>
-                                        <p:tgtEl>
-                                          <p:spTgt spid="4"/>
-                                        </p:tgtEl>
-                                        <p:attrNameLst>
-                                          <p:attrName>ppt_y</p:attrName>
-                                        </p:attrNameLst>
-                                      </p:cBhvr>
-                                      <p:tavLst>
-                                        <p:tav tm="0">
-                                          <p:val>
-                                            <p:strVal val="1+#ppt_h/2"/>
-                                          </p:val>
-                                        </p:tav>
-                                        <p:tav tm="100000">
-                                          <p:val>
-                                            <p:strVal val="#ppt_y"/>
-                                          </p:val>
-                                        </p:tav>
-                                      </p:tavLst>
-                                    </p:anim>
-                                  </p:childTnLst>
-                                </p:cTn>
-                              </p:par>
-                            </p:childTnLst>
-                          </p:cTn>
-                        </p:par>
-                      </p:childTnLst>
-                    </p:cTn>
-                  </p:par>
-                </p:childTnLst>
-              </p:cTn>
-              <p:prevCondLst>
-                <p:cond evt="onPrev" delay="0">
-                  <p:tgtEl>
-                    <p:sldTgt/>
-                  </p:tgtEl>
-                </p:cond>
-              </p:prevCondLst>
-              <p:nextCondLst>
-                <p:cond evt="onNext" delay="0">
-                  <p:tgtEl>
-                    <p:sldTgt/>
-                  </p:tgtEl>
-                </p:cond>
-              </p:nextCondLst>
-            </p:seq>
-          </p:childTnLst>
-        </p:cTn>
-      </p:par>
-    </p:tnLst>
-  </p:timing>
 </p:sld>
 </file>
 
@@ -7171,60 +6942,6 @@
       </p:grpSpPr>
       <p:sp>
         <p:nvSpPr>
-          <p:cNvPr id="3" name="Content Placeholder 2">
-            <a:extLst>
-              <a:ext uri="{FF2B5EF4-FFF2-40B4-BE49-F238E27FC236}">
-                <a16:creationId xmlns:a16="http://schemas.microsoft.com/office/drawing/2014/main" id="{3A0C6CDF-3482-5F76-5D2E-95ED11BDEC4D}"/>
-              </a:ext>
-            </a:extLst>
-          </p:cNvPr>
-          <p:cNvSpPr>
-            <a:spLocks noGrp="1"/>
-          </p:cNvSpPr>
-          <p:nvPr>
-            <p:ph idx="1"/>
-          </p:nvPr>
-        </p:nvSpPr>
-        <p:spPr>
-          <a:xfrm>
-            <a:off x="838200" y="1138688"/>
-            <a:ext cx="10515600" cy="5038275"/>
-          </a:xfrm>
-        </p:spPr>
-        <p:txBody>
-          <a:bodyPr>
-            <a:normAutofit/>
-          </a:bodyPr>
-          <a:lstStyle/>
-          <a:p>
-            <a:pPr marL="0" indent="0" algn="just">
-              <a:lnSpc>
-                <a:spcPct val="100000"/>
-              </a:lnSpc>
-              <a:buNone/>
-            </a:pPr>
-            <a:r>
-              <a:rPr lang="en-US" sz="2000" dirty="0">
-                <a:latin typeface="Georgia" panose="02040502050405020303" pitchFamily="18" charset="0"/>
-              </a:rPr>
-              <a:t>The following examples show ways to vary the control variable in a for statement.</a:t>
-            </a:r>
-          </a:p>
-          <a:p>
-            <a:pPr marL="0" indent="0">
-              <a:lnSpc>
-                <a:spcPct val="100000"/>
-              </a:lnSpc>
-              <a:buNone/>
-            </a:pPr>
-            <a:endParaRPr lang="en-US" sz="2000" dirty="0">
-              <a:latin typeface="Georgia" panose="02040502050405020303" pitchFamily="18" charset="0"/>
-            </a:endParaRPr>
-          </a:p>
-        </p:txBody>
-      </p:sp>
-      <p:sp>
-        <p:nvSpPr>
           <p:cNvPr id="6" name="Title 1">
             <a:extLst>
               <a:ext uri="{FF2B5EF4-FFF2-40B4-BE49-F238E27FC236}">
@@ -7284,10 +7001,10 @@
       </p:sp>
       <p:pic>
         <p:nvPicPr>
-          <p:cNvPr id="4" name="Picture 3">
-            <a:extLst>
-              <a:ext uri="{FF2B5EF4-FFF2-40B4-BE49-F238E27FC236}">
-                <a16:creationId xmlns:a16="http://schemas.microsoft.com/office/drawing/2014/main" id="{5FDE2B33-01B5-448B-A1F3-6E753ED7F51F}"/>
+          <p:cNvPr id="8" name="Picture 7">
+            <a:extLst>
+              <a:ext uri="{FF2B5EF4-FFF2-40B4-BE49-F238E27FC236}">
+                <a16:creationId xmlns:a16="http://schemas.microsoft.com/office/drawing/2014/main" id="{78AEE158-06A7-1A2C-6DE8-6826D86F9215}"/>
               </a:ext>
             </a:extLst>
           </p:cNvPr>
@@ -7296,15 +7013,15 @@
           </p:cNvPicPr>
           <p:nvPr/>
         </p:nvPicPr>
-        <p:blipFill rotWithShape="1">
+        <p:blipFill>
           <a:blip r:embed="rId2"/>
-          <a:srcRect t="-2" b="67063"/>
+          <a:srcRect t="-1" b="76651"/>
           <a:stretch/>
         </p:blipFill>
         <p:spPr>
           <a:xfrm>
-            <a:off x="1270000" y="1615999"/>
-            <a:ext cx="9652000" cy="1645920"/>
+            <a:off x="1389529" y="1138688"/>
+            <a:ext cx="9412941" cy="1174205"/>
           </a:xfrm>
           <a:prstGeom prst="rect">
             <a:avLst/>
@@ -7314,20 +7031,20 @@
     </p:spTree>
     <p:extLst>
       <p:ext uri="{BB962C8B-B14F-4D97-AF65-F5344CB8AC3E}">
-        <p14:creationId xmlns:p14="http://schemas.microsoft.com/office/powerpoint/2010/main" val="36386889"/>
+        <p14:creationId xmlns:p14="http://schemas.microsoft.com/office/powerpoint/2010/main" val="3916528954"/>
       </p:ext>
     </p:extLst>
   </p:cSld>
   <p:clrMapOvr>
     <a:masterClrMapping/>
   </p:clrMapOvr>
-  <mc:AlternateContent xmlns:mc="http://schemas.openxmlformats.org/markup-compatibility/2006" xmlns:p159="http://schemas.microsoft.com/office/powerpoint/2015/09/main">
-    <mc:Choice Requires="p159">
+  <mc:AlternateContent xmlns:mc="http://schemas.openxmlformats.org/markup-compatibility/2006">
+    <mc:Choice xmlns:p159="http://schemas.microsoft.com/office/powerpoint/2015/09/main" Requires="p159">
       <p:transition xmlns:p14="http://schemas.microsoft.com/office/powerpoint/2010/main" spd="slow" p14:dur="2000" advClick="0">
         <p159:morph option="byObject"/>
       </p:transition>
     </mc:Choice>
-    <mc:Fallback xmlns="">
+    <mc:Fallback>
       <p:transition spd="slow" advClick="0">
         <p:fade/>
       </p:transition>
@@ -7355,60 +7072,6 @@
       </p:grpSpPr>
       <p:sp>
         <p:nvSpPr>
-          <p:cNvPr id="3" name="Content Placeholder 2">
-            <a:extLst>
-              <a:ext uri="{FF2B5EF4-FFF2-40B4-BE49-F238E27FC236}">
-                <a16:creationId xmlns:a16="http://schemas.microsoft.com/office/drawing/2014/main" id="{3A0C6CDF-3482-5F76-5D2E-95ED11BDEC4D}"/>
-              </a:ext>
-            </a:extLst>
-          </p:cNvPr>
-          <p:cNvSpPr>
-            <a:spLocks noGrp="1"/>
-          </p:cNvSpPr>
-          <p:nvPr>
-            <p:ph idx="1"/>
-          </p:nvPr>
-        </p:nvSpPr>
-        <p:spPr>
-          <a:xfrm>
-            <a:off x="838200" y="1138688"/>
-            <a:ext cx="10515600" cy="5038275"/>
-          </a:xfrm>
-        </p:spPr>
-        <p:txBody>
-          <a:bodyPr>
-            <a:normAutofit/>
-          </a:bodyPr>
-          <a:lstStyle/>
-          <a:p>
-            <a:pPr marL="0" indent="0" algn="just">
-              <a:lnSpc>
-                <a:spcPct val="100000"/>
-              </a:lnSpc>
-              <a:buNone/>
-            </a:pPr>
-            <a:r>
-              <a:rPr lang="en-US" sz="2000" dirty="0">
-                <a:latin typeface="Georgia" panose="02040502050405020303" pitchFamily="18" charset="0"/>
-              </a:rPr>
-              <a:t>The following examples show ways to vary the control variable in a for statement.</a:t>
-            </a:r>
-          </a:p>
-          <a:p>
-            <a:pPr marL="0" indent="0">
-              <a:lnSpc>
-                <a:spcPct val="100000"/>
-              </a:lnSpc>
-              <a:buNone/>
-            </a:pPr>
-            <a:endParaRPr lang="en-US" sz="2000" dirty="0">
-              <a:latin typeface="Georgia" panose="02040502050405020303" pitchFamily="18" charset="0"/>
-            </a:endParaRPr>
-          </a:p>
-        </p:txBody>
-      </p:sp>
-      <p:sp>
-        <p:nvSpPr>
           <p:cNvPr id="6" name="Title 1">
             <a:extLst>
               <a:ext uri="{FF2B5EF4-FFF2-40B4-BE49-F238E27FC236}">
@@ -7468,10 +7131,10 @@
       </p:sp>
       <p:pic>
         <p:nvPicPr>
-          <p:cNvPr id="4" name="Picture 3">
-            <a:extLst>
-              <a:ext uri="{FF2B5EF4-FFF2-40B4-BE49-F238E27FC236}">
-                <a16:creationId xmlns:a16="http://schemas.microsoft.com/office/drawing/2014/main" id="{5FDE2B33-01B5-448B-A1F3-6E753ED7F51F}"/>
+          <p:cNvPr id="8" name="Picture 7">
+            <a:extLst>
+              <a:ext uri="{FF2B5EF4-FFF2-40B4-BE49-F238E27FC236}">
+                <a16:creationId xmlns:a16="http://schemas.microsoft.com/office/drawing/2014/main" id="{78AEE158-06A7-1A2C-6DE8-6826D86F9215}"/>
               </a:ext>
             </a:extLst>
           </p:cNvPr>
@@ -7480,15 +7143,15 @@
           </p:cNvPicPr>
           <p:nvPr/>
         </p:nvPicPr>
-        <p:blipFill rotWithShape="1">
+        <p:blipFill>
           <a:blip r:embed="rId2"/>
-          <a:srcRect t="-3" b="50594"/>
+          <a:srcRect t="-1" b="61498"/>
           <a:stretch/>
         </p:blipFill>
         <p:spPr>
           <a:xfrm>
-            <a:off x="1270000" y="1615999"/>
-            <a:ext cx="9652000" cy="2468880"/>
+            <a:off x="1389529" y="1138688"/>
+            <a:ext cx="9412941" cy="1936206"/>
           </a:xfrm>
           <a:prstGeom prst="rect">
             <a:avLst/>
@@ -7498,20 +7161,20 @@
     </p:spTree>
     <p:extLst>
       <p:ext uri="{BB962C8B-B14F-4D97-AF65-F5344CB8AC3E}">
-        <p14:creationId xmlns:p14="http://schemas.microsoft.com/office/powerpoint/2010/main" val="113151844"/>
+        <p14:creationId xmlns:p14="http://schemas.microsoft.com/office/powerpoint/2010/main" val="1877609773"/>
       </p:ext>
     </p:extLst>
   </p:cSld>
   <p:clrMapOvr>
     <a:masterClrMapping/>
   </p:clrMapOvr>
-  <mc:AlternateContent xmlns:mc="http://schemas.openxmlformats.org/markup-compatibility/2006" xmlns:p159="http://schemas.microsoft.com/office/powerpoint/2015/09/main">
-    <mc:Choice Requires="p159">
+  <mc:AlternateContent xmlns:mc="http://schemas.openxmlformats.org/markup-compatibility/2006">
+    <mc:Choice xmlns:p159="http://schemas.microsoft.com/office/powerpoint/2015/09/main" Requires="p159">
       <p:transition xmlns:p14="http://schemas.microsoft.com/office/powerpoint/2010/main" spd="slow" p14:dur="2000" advClick="0">
         <p159:morph option="byObject"/>
       </p:transition>
     </mc:Choice>
-    <mc:Fallback xmlns="">
+    <mc:Fallback>
       <p:transition spd="slow" advClick="0">
         <p:fade/>
       </p:transition>
@@ -8344,60 +8007,6 @@
       </p:grpSpPr>
       <p:sp>
         <p:nvSpPr>
-          <p:cNvPr id="3" name="Content Placeholder 2">
-            <a:extLst>
-              <a:ext uri="{FF2B5EF4-FFF2-40B4-BE49-F238E27FC236}">
-                <a16:creationId xmlns:a16="http://schemas.microsoft.com/office/drawing/2014/main" id="{3A0C6CDF-3482-5F76-5D2E-95ED11BDEC4D}"/>
-              </a:ext>
-            </a:extLst>
-          </p:cNvPr>
-          <p:cNvSpPr>
-            <a:spLocks noGrp="1"/>
-          </p:cNvSpPr>
-          <p:nvPr>
-            <p:ph idx="1"/>
-          </p:nvPr>
-        </p:nvSpPr>
-        <p:spPr>
-          <a:xfrm>
-            <a:off x="838200" y="1138688"/>
-            <a:ext cx="10515600" cy="5038275"/>
-          </a:xfrm>
-        </p:spPr>
-        <p:txBody>
-          <a:bodyPr>
-            <a:normAutofit/>
-          </a:bodyPr>
-          <a:lstStyle/>
-          <a:p>
-            <a:pPr marL="0" indent="0" algn="just">
-              <a:lnSpc>
-                <a:spcPct val="100000"/>
-              </a:lnSpc>
-              <a:buNone/>
-            </a:pPr>
-            <a:r>
-              <a:rPr lang="en-US" sz="2000" dirty="0">
-                <a:latin typeface="Georgia" panose="02040502050405020303" pitchFamily="18" charset="0"/>
-              </a:rPr>
-              <a:t>The following examples show ways to vary the control variable in a for statement.</a:t>
-            </a:r>
-          </a:p>
-          <a:p>
-            <a:pPr marL="0" indent="0">
-              <a:lnSpc>
-                <a:spcPct val="100000"/>
-              </a:lnSpc>
-              <a:buNone/>
-            </a:pPr>
-            <a:endParaRPr lang="en-US" sz="2000" dirty="0">
-              <a:latin typeface="Georgia" panose="02040502050405020303" pitchFamily="18" charset="0"/>
-            </a:endParaRPr>
-          </a:p>
-        </p:txBody>
-      </p:sp>
-      <p:sp>
-        <p:nvSpPr>
           <p:cNvPr id="6" name="Title 1">
             <a:extLst>
               <a:ext uri="{FF2B5EF4-FFF2-40B4-BE49-F238E27FC236}">
@@ -8457,10 +8066,10 @@
       </p:sp>
       <p:pic>
         <p:nvPicPr>
-          <p:cNvPr id="4" name="Picture 3">
-            <a:extLst>
-              <a:ext uri="{FF2B5EF4-FFF2-40B4-BE49-F238E27FC236}">
-                <a16:creationId xmlns:a16="http://schemas.microsoft.com/office/drawing/2014/main" id="{5FDE2B33-01B5-448B-A1F3-6E753ED7F51F}"/>
+          <p:cNvPr id="8" name="Picture 7">
+            <a:extLst>
+              <a:ext uri="{FF2B5EF4-FFF2-40B4-BE49-F238E27FC236}">
+                <a16:creationId xmlns:a16="http://schemas.microsoft.com/office/drawing/2014/main" id="{78AEE158-06A7-1A2C-6DE8-6826D86F9215}"/>
               </a:ext>
             </a:extLst>
           </p:cNvPr>
@@ -8469,15 +8078,15 @@
           </p:cNvPicPr>
           <p:nvPr/>
         </p:nvPicPr>
-        <p:blipFill rotWithShape="1">
+        <p:blipFill>
           <a:blip r:embed="rId2"/>
-          <a:srcRect t="-1" b="34124"/>
+          <a:srcRect t="-2" b="45633"/>
           <a:stretch/>
         </p:blipFill>
         <p:spPr>
           <a:xfrm>
-            <a:off x="1270000" y="1615999"/>
-            <a:ext cx="9652000" cy="3291840"/>
+            <a:off x="1389529" y="1138687"/>
+            <a:ext cx="9412941" cy="2734065"/>
           </a:xfrm>
           <a:prstGeom prst="rect">
             <a:avLst/>
@@ -8487,20 +8096,20 @@
     </p:spTree>
     <p:extLst>
       <p:ext uri="{BB962C8B-B14F-4D97-AF65-F5344CB8AC3E}">
-        <p14:creationId xmlns:p14="http://schemas.microsoft.com/office/powerpoint/2010/main" val="1288073530"/>
+        <p14:creationId xmlns:p14="http://schemas.microsoft.com/office/powerpoint/2010/main" val="1437322408"/>
       </p:ext>
     </p:extLst>
   </p:cSld>
   <p:clrMapOvr>
     <a:masterClrMapping/>
   </p:clrMapOvr>
-  <mc:AlternateContent xmlns:mc="http://schemas.openxmlformats.org/markup-compatibility/2006" xmlns:p159="http://schemas.microsoft.com/office/powerpoint/2015/09/main">
-    <mc:Choice Requires="p159">
+  <mc:AlternateContent xmlns:mc="http://schemas.openxmlformats.org/markup-compatibility/2006">
+    <mc:Choice xmlns:p159="http://schemas.microsoft.com/office/powerpoint/2015/09/main" Requires="p159">
       <p:transition xmlns:p14="http://schemas.microsoft.com/office/powerpoint/2010/main" spd="slow" p14:dur="2000" advClick="0">
         <p159:morph option="byObject"/>
       </p:transition>
     </mc:Choice>
-    <mc:Fallback xmlns="">
+    <mc:Fallback>
       <p:transition spd="slow" advClick="0">
         <p:fade/>
       </p:transition>
@@ -8528,60 +8137,6 @@
       </p:grpSpPr>
       <p:sp>
         <p:nvSpPr>
-          <p:cNvPr id="3" name="Content Placeholder 2">
-            <a:extLst>
-              <a:ext uri="{FF2B5EF4-FFF2-40B4-BE49-F238E27FC236}">
-                <a16:creationId xmlns:a16="http://schemas.microsoft.com/office/drawing/2014/main" id="{3A0C6CDF-3482-5F76-5D2E-95ED11BDEC4D}"/>
-              </a:ext>
-            </a:extLst>
-          </p:cNvPr>
-          <p:cNvSpPr>
-            <a:spLocks noGrp="1"/>
-          </p:cNvSpPr>
-          <p:nvPr>
-            <p:ph idx="1"/>
-          </p:nvPr>
-        </p:nvSpPr>
-        <p:spPr>
-          <a:xfrm>
-            <a:off x="838200" y="1138688"/>
-            <a:ext cx="10515600" cy="5038275"/>
-          </a:xfrm>
-        </p:spPr>
-        <p:txBody>
-          <a:bodyPr>
-            <a:normAutofit/>
-          </a:bodyPr>
-          <a:lstStyle/>
-          <a:p>
-            <a:pPr marL="0" indent="0" algn="just">
-              <a:lnSpc>
-                <a:spcPct val="100000"/>
-              </a:lnSpc>
-              <a:buNone/>
-            </a:pPr>
-            <a:r>
-              <a:rPr lang="en-US" sz="2000" dirty="0">
-                <a:latin typeface="TimesNewRomanPS"/>
-              </a:rPr>
-              <a:t>The following examples show ways to vary the control variable in a for statement.</a:t>
-            </a:r>
-          </a:p>
-          <a:p>
-            <a:pPr marL="0" indent="0">
-              <a:lnSpc>
-                <a:spcPct val="100000"/>
-              </a:lnSpc>
-              <a:buNone/>
-            </a:pPr>
-            <a:endParaRPr lang="en-US" sz="2000" dirty="0">
-              <a:latin typeface="Georgia" panose="02040502050405020303" pitchFamily="18" charset="0"/>
-            </a:endParaRPr>
-          </a:p>
-        </p:txBody>
-      </p:sp>
-      <p:sp>
-        <p:nvSpPr>
           <p:cNvPr id="6" name="Title 1">
             <a:extLst>
               <a:ext uri="{FF2B5EF4-FFF2-40B4-BE49-F238E27FC236}">
@@ -8641,10 +8196,10 @@
       </p:sp>
       <p:pic>
         <p:nvPicPr>
-          <p:cNvPr id="4" name="Picture 3">
-            <a:extLst>
-              <a:ext uri="{FF2B5EF4-FFF2-40B4-BE49-F238E27FC236}">
-                <a16:creationId xmlns:a16="http://schemas.microsoft.com/office/drawing/2014/main" id="{5FDE2B33-01B5-448B-A1F3-6E753ED7F51F}"/>
+          <p:cNvPr id="8" name="Picture 7">
+            <a:extLst>
+              <a:ext uri="{FF2B5EF4-FFF2-40B4-BE49-F238E27FC236}">
+                <a16:creationId xmlns:a16="http://schemas.microsoft.com/office/drawing/2014/main" id="{78AEE158-06A7-1A2C-6DE8-6826D86F9215}"/>
               </a:ext>
             </a:extLst>
           </p:cNvPr>
@@ -8653,15 +8208,15 @@
           </p:cNvPicPr>
           <p:nvPr/>
         </p:nvPicPr>
-        <p:blipFill rotWithShape="1">
+        <p:blipFill>
           <a:blip r:embed="rId2"/>
-          <a:srcRect t="-1" b="17657"/>
+          <a:srcRect t="-2" b="30480"/>
           <a:stretch/>
         </p:blipFill>
         <p:spPr>
           <a:xfrm>
-            <a:off x="1270000" y="1615999"/>
-            <a:ext cx="9652000" cy="4114800"/>
+            <a:off x="1389529" y="1138687"/>
+            <a:ext cx="9412941" cy="3496066"/>
           </a:xfrm>
           <a:prstGeom prst="rect">
             <a:avLst/>
@@ -8671,20 +8226,20 @@
     </p:spTree>
     <p:extLst>
       <p:ext uri="{BB962C8B-B14F-4D97-AF65-F5344CB8AC3E}">
-        <p14:creationId xmlns:p14="http://schemas.microsoft.com/office/powerpoint/2010/main" val="1183911522"/>
+        <p14:creationId xmlns:p14="http://schemas.microsoft.com/office/powerpoint/2010/main" val="2450004183"/>
       </p:ext>
     </p:extLst>
   </p:cSld>
   <p:clrMapOvr>
     <a:masterClrMapping/>
   </p:clrMapOvr>
-  <mc:AlternateContent xmlns:mc="http://schemas.openxmlformats.org/markup-compatibility/2006" xmlns:p159="http://schemas.microsoft.com/office/powerpoint/2015/09/main">
-    <mc:Choice Requires="p159">
+  <mc:AlternateContent xmlns:mc="http://schemas.openxmlformats.org/markup-compatibility/2006">
+    <mc:Choice xmlns:p159="http://schemas.microsoft.com/office/powerpoint/2015/09/main" Requires="p159">
       <p:transition xmlns:p14="http://schemas.microsoft.com/office/powerpoint/2010/main" spd="slow" p14:dur="2000" advClick="0">
         <p159:morph option="byObject"/>
       </p:transition>
     </mc:Choice>
-    <mc:Fallback xmlns="">
+    <mc:Fallback>
       <p:transition spd="slow" advClick="0">
         <p:fade/>
       </p:transition>
@@ -8712,72 +8267,6 @@
       </p:grpSpPr>
       <p:sp>
         <p:nvSpPr>
-          <p:cNvPr id="3" name="Content Placeholder 2">
-            <a:extLst>
-              <a:ext uri="{FF2B5EF4-FFF2-40B4-BE49-F238E27FC236}">
-                <a16:creationId xmlns:a16="http://schemas.microsoft.com/office/drawing/2014/main" id="{3A0C6CDF-3482-5F76-5D2E-95ED11BDEC4D}"/>
-              </a:ext>
-            </a:extLst>
-          </p:cNvPr>
-          <p:cNvSpPr>
-            <a:spLocks noGrp="1"/>
-          </p:cNvSpPr>
-          <p:nvPr>
-            <p:ph idx="1"/>
-          </p:nvPr>
-        </p:nvSpPr>
-        <p:spPr>
-          <a:xfrm>
-            <a:off x="838200" y="1138688"/>
-            <a:ext cx="10515600" cy="5038275"/>
-          </a:xfrm>
-        </p:spPr>
-        <p:txBody>
-          <a:bodyPr>
-            <a:normAutofit/>
-          </a:bodyPr>
-          <a:lstStyle/>
-          <a:p>
-            <a:pPr marL="0" indent="0" algn="just">
-              <a:lnSpc>
-                <a:spcPct val="100000"/>
-              </a:lnSpc>
-              <a:buNone/>
-            </a:pPr>
-            <a:r>
-              <a:rPr lang="en-US" sz="2000" i="1" dirty="0">
-                <a:latin typeface="TimesNewRomanPS-ItalicMT"/>
-              </a:rPr>
-              <a:t>The following examples </a:t>
-            </a:r>
-            <a:r>
-              <a:rPr lang="en-US" sz="2000" dirty="0">
-                <a:latin typeface="TimesNewRomanPS-ItalicMT"/>
-              </a:rPr>
-              <a:t>show</a:t>
-            </a:r>
-            <a:r>
-              <a:rPr lang="en-US" sz="2000" i="1" dirty="0">
-                <a:latin typeface="TimesNewRomanPS-ItalicMT"/>
-              </a:rPr>
-              <a:t> ways to vary the control variable in a for statement.</a:t>
-            </a:r>
-          </a:p>
-          <a:p>
-            <a:pPr marL="0" indent="0">
-              <a:lnSpc>
-                <a:spcPct val="100000"/>
-              </a:lnSpc>
-              <a:buNone/>
-            </a:pPr>
-            <a:endParaRPr lang="en-US" sz="2000" dirty="0">
-              <a:latin typeface="Georgia" panose="02040502050405020303" pitchFamily="18" charset="0"/>
-            </a:endParaRPr>
-          </a:p>
-        </p:txBody>
-      </p:sp>
-      <p:sp>
-        <p:nvSpPr>
           <p:cNvPr id="6" name="Title 1">
             <a:extLst>
               <a:ext uri="{FF2B5EF4-FFF2-40B4-BE49-F238E27FC236}">
@@ -8837,10 +8326,10 @@
       </p:sp>
       <p:pic>
         <p:nvPicPr>
-          <p:cNvPr id="4" name="Picture 3">
-            <a:extLst>
-              <a:ext uri="{FF2B5EF4-FFF2-40B4-BE49-F238E27FC236}">
-                <a16:creationId xmlns:a16="http://schemas.microsoft.com/office/drawing/2014/main" id="{5FDE2B33-01B5-448B-A1F3-6E753ED7F51F}"/>
+          <p:cNvPr id="8" name="Picture 7">
+            <a:extLst>
+              <a:ext uri="{FF2B5EF4-FFF2-40B4-BE49-F238E27FC236}">
+                <a16:creationId xmlns:a16="http://schemas.microsoft.com/office/drawing/2014/main" id="{78AEE158-06A7-1A2C-6DE8-6826D86F9215}"/>
               </a:ext>
             </a:extLst>
           </p:cNvPr>
@@ -8849,15 +8338,15 @@
           </p:cNvPicPr>
           <p:nvPr/>
         </p:nvPicPr>
-        <p:blipFill rotWithShape="1">
+        <p:blipFill>
           <a:blip r:embed="rId2"/>
-          <a:srcRect t="-1" b="-641"/>
+          <a:srcRect t="-3" b="15149"/>
           <a:stretch/>
         </p:blipFill>
         <p:spPr>
           <a:xfrm>
-            <a:off x="1270000" y="1615999"/>
-            <a:ext cx="9652000" cy="5029200"/>
+            <a:off x="1389529" y="1138686"/>
+            <a:ext cx="9412941" cy="4267031"/>
           </a:xfrm>
           <a:prstGeom prst="rect">
             <a:avLst/>
@@ -8867,20 +8356,20 @@
     </p:spTree>
     <p:extLst>
       <p:ext uri="{BB962C8B-B14F-4D97-AF65-F5344CB8AC3E}">
-        <p14:creationId xmlns:p14="http://schemas.microsoft.com/office/powerpoint/2010/main" val="2507532576"/>
+        <p14:creationId xmlns:p14="http://schemas.microsoft.com/office/powerpoint/2010/main" val="544700823"/>
       </p:ext>
     </p:extLst>
   </p:cSld>
   <p:clrMapOvr>
     <a:masterClrMapping/>
   </p:clrMapOvr>
-  <mc:AlternateContent xmlns:mc="http://schemas.openxmlformats.org/markup-compatibility/2006" xmlns:p159="http://schemas.microsoft.com/office/powerpoint/2015/09/main">
-    <mc:Choice Requires="p159">
+  <mc:AlternateContent xmlns:mc="http://schemas.openxmlformats.org/markup-compatibility/2006">
+    <mc:Choice xmlns:p159="http://schemas.microsoft.com/office/powerpoint/2015/09/main" Requires="p159">
       <p:transition xmlns:p14="http://schemas.microsoft.com/office/powerpoint/2010/main" spd="slow" p14:dur="2000" advClick="0">
         <p159:morph option="byObject"/>
       </p:transition>
     </mc:Choice>
-    <mc:Fallback xmlns="">
+    <mc:Fallback>
       <p:transition spd="slow" advClick="0">
         <p:fade/>
       </p:transition>
@@ -8890,6 +8379,136 @@
 </file>
 
 <file path=ppt/slides/slide23.xml><?xml version="1.0" encoding="utf-8"?>
+<p:sld xmlns:a="http://schemas.openxmlformats.org/drawingml/2006/main" xmlns:r="http://schemas.openxmlformats.org/officeDocument/2006/relationships" xmlns:p="http://schemas.openxmlformats.org/presentationml/2006/main">
+  <p:cSld>
+    <p:spTree>
+      <p:nvGrpSpPr>
+        <p:cNvPr id="1" name=""/>
+        <p:cNvGrpSpPr/>
+        <p:nvPr/>
+      </p:nvGrpSpPr>
+      <p:grpSpPr>
+        <a:xfrm>
+          <a:off x="0" y="0"/>
+          <a:ext cx="0" cy="0"/>
+          <a:chOff x="0" y="0"/>
+          <a:chExt cx="0" cy="0"/>
+        </a:xfrm>
+      </p:grpSpPr>
+      <p:sp>
+        <p:nvSpPr>
+          <p:cNvPr id="6" name="Title 1">
+            <a:extLst>
+              <a:ext uri="{FF2B5EF4-FFF2-40B4-BE49-F238E27FC236}">
+                <a16:creationId xmlns:a16="http://schemas.microsoft.com/office/drawing/2014/main" id="{190D3095-8030-4D63-B587-B30805D8C0AA}"/>
+              </a:ext>
+            </a:extLst>
+          </p:cNvPr>
+          <p:cNvSpPr>
+            <a:spLocks noGrp="1"/>
+          </p:cNvSpPr>
+          <p:nvPr>
+            <p:ph type="title"/>
+          </p:nvPr>
+        </p:nvSpPr>
+        <p:spPr>
+          <a:xfrm>
+            <a:off x="838200" y="365126"/>
+            <a:ext cx="10515600" cy="773562"/>
+          </a:xfrm>
+        </p:spPr>
+        <p:txBody>
+          <a:bodyPr>
+            <a:normAutofit/>
+          </a:bodyPr>
+          <a:lstStyle/>
+          <a:p>
+            <a:r>
+              <a:rPr lang="en-US" sz="4400" b="1" i="0" u="none" strike="noStrike" baseline="0" dirty="0">
+                <a:solidFill>
+                  <a:srgbClr val="A245C7"/>
+                </a:solidFill>
+                <a:latin typeface="GoudySans-Bold"/>
+              </a:rPr>
+              <a:t>4.5</a:t>
+            </a:r>
+            <a:r>
+              <a:rPr lang="en-US" sz="4400" b="1" i="0" u="none" strike="noStrike" baseline="0" dirty="0">
+                <a:solidFill>
+                  <a:srgbClr val="5200FF"/>
+                </a:solidFill>
+                <a:latin typeface="GoudySans-Bold"/>
+              </a:rPr>
+              <a:t> </a:t>
+            </a:r>
+            <a:r>
+              <a:rPr lang="en-US" b="1" dirty="0">
+                <a:solidFill>
+                  <a:srgbClr val="FF0A44"/>
+                </a:solidFill>
+                <a:latin typeface="GoudySans-Bold"/>
+              </a:rPr>
+              <a:t>Examples Using the for Statement</a:t>
+            </a:r>
+            <a:endParaRPr lang="en-US" dirty="0"/>
+          </a:p>
+        </p:txBody>
+      </p:sp>
+      <p:pic>
+        <p:nvPicPr>
+          <p:cNvPr id="8" name="Picture 7">
+            <a:extLst>
+              <a:ext uri="{FF2B5EF4-FFF2-40B4-BE49-F238E27FC236}">
+                <a16:creationId xmlns:a16="http://schemas.microsoft.com/office/drawing/2014/main" id="{78AEE158-06A7-1A2C-6DE8-6826D86F9215}"/>
+              </a:ext>
+            </a:extLst>
+          </p:cNvPr>
+          <p:cNvPicPr>
+            <a:picLocks noChangeAspect="1"/>
+          </p:cNvPicPr>
+          <p:nvPr/>
+        </p:nvPicPr>
+        <p:blipFill>
+          <a:blip r:embed="rId2"/>
+          <a:srcRect t="-3" b="-1431"/>
+          <a:stretch/>
+        </p:blipFill>
+        <p:spPr>
+          <a:xfrm>
+            <a:off x="1389529" y="1138686"/>
+            <a:ext cx="9412941" cy="5100749"/>
+          </a:xfrm>
+          <a:prstGeom prst="rect">
+            <a:avLst/>
+          </a:prstGeom>
+        </p:spPr>
+      </p:pic>
+    </p:spTree>
+    <p:extLst>
+      <p:ext uri="{BB962C8B-B14F-4D97-AF65-F5344CB8AC3E}">
+        <p14:creationId xmlns:p14="http://schemas.microsoft.com/office/powerpoint/2010/main" val="1988919885"/>
+      </p:ext>
+    </p:extLst>
+  </p:cSld>
+  <p:clrMapOvr>
+    <a:masterClrMapping/>
+  </p:clrMapOvr>
+  <mc:AlternateContent xmlns:mc="http://schemas.openxmlformats.org/markup-compatibility/2006">
+    <mc:Choice xmlns:p159="http://schemas.microsoft.com/office/powerpoint/2015/09/main" Requires="p159">
+      <p:transition xmlns:p14="http://schemas.microsoft.com/office/powerpoint/2010/main" spd="slow" p14:dur="2000" advClick="0">
+        <p159:morph option="byObject"/>
+      </p:transition>
+    </mc:Choice>
+    <mc:Fallback>
+      <p:transition spd="slow" advClick="0">
+        <p:fade/>
+      </p:transition>
+    </mc:Fallback>
+  </mc:AlternateContent>
+</p:sld>
+</file>
+
+<file path=ppt/slides/slide24.xml><?xml version="1.0" encoding="utf-8"?>
 <p:sld xmlns:a="http://schemas.openxmlformats.org/drawingml/2006/main" xmlns:r="http://schemas.openxmlformats.org/officeDocument/2006/relationships" xmlns:p="http://schemas.openxmlformats.org/presentationml/2006/main">
   <p:cSld>
     <p:spTree>
@@ -9105,7 +8724,7 @@
 </p:sld>
 </file>
 
-<file path=ppt/slides/slide24.xml><?xml version="1.0" encoding="utf-8"?>
+<file path=ppt/slides/slide25.xml><?xml version="1.0" encoding="utf-8"?>
 <p:sld xmlns:a="http://schemas.openxmlformats.org/drawingml/2006/main" xmlns:r="http://schemas.openxmlformats.org/officeDocument/2006/relationships" xmlns:p="http://schemas.openxmlformats.org/presentationml/2006/main">
   <p:cSld>
     <p:spTree>
@@ -9343,13 +8962,13 @@
   <p:clrMapOvr>
     <a:masterClrMapping/>
   </p:clrMapOvr>
-  <mc:AlternateContent xmlns:mc="http://schemas.openxmlformats.org/markup-compatibility/2006">
-    <mc:Choice xmlns:p159="http://schemas.microsoft.com/office/powerpoint/2015/09/main" Requires="p159">
+  <mc:AlternateContent xmlns:mc="http://schemas.openxmlformats.org/markup-compatibility/2006" xmlns:p159="http://schemas.microsoft.com/office/powerpoint/2015/09/main">
+    <mc:Choice Requires="p159">
       <p:transition xmlns:p14="http://schemas.microsoft.com/office/powerpoint/2010/main" spd="slow" p14:dur="2000" advClick="0">
         <p159:morph option="byObject"/>
       </p:transition>
     </mc:Choice>
-    <mc:Fallback>
+    <mc:Fallback xmlns="">
       <p:transition spd="slow" advClick="0">
         <p:fade/>
       </p:transition>
@@ -9358,7 +8977,7 @@
 </p:sld>
 </file>
 
-<file path=ppt/slides/slide25.xml><?xml version="1.0" encoding="utf-8"?>
+<file path=ppt/slides/slide26.xml><?xml version="1.0" encoding="utf-8"?>
 <p:sld xmlns:a="http://schemas.openxmlformats.org/drawingml/2006/main" xmlns:r="http://schemas.openxmlformats.org/officeDocument/2006/relationships" xmlns:p="http://schemas.openxmlformats.org/presentationml/2006/main">
   <p:cSld>
     <p:spTree>
@@ -9559,13 +9178,13 @@
   <p:clrMapOvr>
     <a:masterClrMapping/>
   </p:clrMapOvr>
-  <mc:AlternateContent xmlns:mc="http://schemas.openxmlformats.org/markup-compatibility/2006">
-    <mc:Choice xmlns:p159="http://schemas.microsoft.com/office/powerpoint/2015/09/main" Requires="p159">
+  <mc:AlternateContent xmlns:mc="http://schemas.openxmlformats.org/markup-compatibility/2006" xmlns:p159="http://schemas.microsoft.com/office/powerpoint/2015/09/main">
+    <mc:Choice Requires="p159">
       <p:transition xmlns:p14="http://schemas.microsoft.com/office/powerpoint/2010/main" spd="slow" p14:dur="2000" advClick="0">
         <p159:morph option="byObject"/>
       </p:transition>
     </mc:Choice>
-    <mc:Fallback>
+    <mc:Fallback xmlns="">
       <p:transition spd="slow" advClick="0">
         <p:fade/>
       </p:transition>
@@ -9574,7 +9193,7 @@
 </p:sld>
 </file>
 
-<file path=ppt/slides/slide26.xml><?xml version="1.0" encoding="utf-8"?>
+<file path=ppt/slides/slide27.xml><?xml version="1.0" encoding="utf-8"?>
 <p:sld xmlns:a="http://schemas.openxmlformats.org/drawingml/2006/main" xmlns:r="http://schemas.openxmlformats.org/officeDocument/2006/relationships" xmlns:p="http://schemas.openxmlformats.org/presentationml/2006/main">
   <p:cSld>
     <p:spTree>
@@ -9870,13 +9489,13 @@
   <p:clrMapOvr>
     <a:masterClrMapping/>
   </p:clrMapOvr>
-  <mc:AlternateContent xmlns:mc="http://schemas.openxmlformats.org/markup-compatibility/2006">
-    <mc:Choice xmlns:p159="http://schemas.microsoft.com/office/powerpoint/2015/09/main" Requires="p159">
+  <mc:AlternateContent xmlns:mc="http://schemas.openxmlformats.org/markup-compatibility/2006" xmlns:p159="http://schemas.microsoft.com/office/powerpoint/2015/09/main">
+    <mc:Choice Requires="p159">
       <p:transition xmlns:p14="http://schemas.microsoft.com/office/powerpoint/2010/main" spd="slow" p14:dur="2000" advClick="0">
         <p159:morph option="byObject"/>
       </p:transition>
     </mc:Choice>
-    <mc:Fallback>
+    <mc:Fallback xmlns="">
       <p:transition spd="slow" advClick="0">
         <p:fade/>
       </p:transition>
@@ -9885,7 +9504,7 @@
 </p:sld>
 </file>
 
-<file path=ppt/slides/slide27.xml><?xml version="1.0" encoding="utf-8"?>
+<file path=ppt/slides/slide28.xml><?xml version="1.0" encoding="utf-8"?>
 <p:sld xmlns:a="http://schemas.openxmlformats.org/drawingml/2006/main" xmlns:r="http://schemas.openxmlformats.org/officeDocument/2006/relationships" xmlns:p="http://schemas.openxmlformats.org/presentationml/2006/main">
   <p:cSld>
     <p:spTree>
@@ -10030,13 +9649,13 @@
   <p:clrMapOvr>
     <a:masterClrMapping/>
   </p:clrMapOvr>
-  <mc:AlternateContent xmlns:mc="http://schemas.openxmlformats.org/markup-compatibility/2006">
-    <mc:Choice xmlns:p159="http://schemas.microsoft.com/office/powerpoint/2015/09/main" Requires="p159">
+  <mc:AlternateContent xmlns:mc="http://schemas.openxmlformats.org/markup-compatibility/2006" xmlns:p159="http://schemas.microsoft.com/office/powerpoint/2015/09/main">
+    <mc:Choice Requires="p159">
       <p:transition xmlns:p14="http://schemas.microsoft.com/office/powerpoint/2010/main" spd="slow" p14:dur="2000" advClick="0">
         <p159:morph option="byObject"/>
       </p:transition>
     </mc:Choice>
-    <mc:Fallback>
+    <mc:Fallback xmlns="">
       <p:transition spd="slow" advClick="0">
         <p:fade/>
       </p:transition>
@@ -10045,7 +9664,7 @@
 </p:sld>
 </file>
 
-<file path=ppt/slides/slide28.xml><?xml version="1.0" encoding="utf-8"?>
+<file path=ppt/slides/slide29.xml><?xml version="1.0" encoding="utf-8"?>
 <p:sld xmlns:a="http://schemas.openxmlformats.org/drawingml/2006/main" xmlns:r="http://schemas.openxmlformats.org/officeDocument/2006/relationships" xmlns:p="http://schemas.openxmlformats.org/presentationml/2006/main">
   <p:cSld>
     <p:spTree>
@@ -10160,13 +9779,13 @@
   <p:clrMapOvr>
     <a:masterClrMapping/>
   </p:clrMapOvr>
-  <mc:AlternateContent xmlns:mc="http://schemas.openxmlformats.org/markup-compatibility/2006">
-    <mc:Choice xmlns:p159="http://schemas.microsoft.com/office/powerpoint/2015/09/main" Requires="p159">
+  <mc:AlternateContent xmlns:mc="http://schemas.openxmlformats.org/markup-compatibility/2006" xmlns:p159="http://schemas.microsoft.com/office/powerpoint/2015/09/main">
+    <mc:Choice Requires="p159">
       <p:transition xmlns:p14="http://schemas.microsoft.com/office/powerpoint/2010/main" spd="slow" p14:dur="2000" advClick="0">
         <p159:morph option="byObject"/>
       </p:transition>
     </mc:Choice>
-    <mc:Fallback>
+    <mc:Fallback xmlns="">
       <p:transition spd="slow" advClick="0">
         <p:fade/>
       </p:transition>
@@ -10937,6 +10556,3935 @@
     <p:bldLst>
       <p:bldP spid="3" grpId="0" build="p"/>
     </p:bldLst>
+  </p:timing>
+</p:sld>
+</file>
+
+<file path=ppt/slides/slide30.xml><?xml version="1.0" encoding="utf-8"?>
+<p:sld xmlns:a="http://schemas.openxmlformats.org/drawingml/2006/main" xmlns:r="http://schemas.openxmlformats.org/officeDocument/2006/relationships" xmlns:p="http://schemas.openxmlformats.org/presentationml/2006/main">
+  <p:cSld>
+    <p:spTree>
+      <p:nvGrpSpPr>
+        <p:cNvPr id="1" name=""/>
+        <p:cNvGrpSpPr/>
+        <p:nvPr/>
+      </p:nvGrpSpPr>
+      <p:grpSpPr>
+        <a:xfrm>
+          <a:off x="0" y="0"/>
+          <a:ext cx="0" cy="0"/>
+          <a:chOff x="0" y="0"/>
+          <a:chExt cx="0" cy="0"/>
+        </a:xfrm>
+      </p:grpSpPr>
+      <p:pic>
+        <p:nvPicPr>
+          <p:cNvPr id="7" name="Picture 6">
+            <a:extLst>
+              <a:ext uri="{FF2B5EF4-FFF2-40B4-BE49-F238E27FC236}">
+                <a16:creationId xmlns:a16="http://schemas.microsoft.com/office/drawing/2014/main" id="{05DF0633-7D8B-6417-1748-9813CF886F25}"/>
+              </a:ext>
+            </a:extLst>
+          </p:cNvPr>
+          <p:cNvPicPr>
+            <a:picLocks noChangeAspect="1"/>
+          </p:cNvPicPr>
+          <p:nvPr/>
+        </p:nvPicPr>
+        <p:blipFill>
+          <a:blip r:embed="rId2"/>
+          <a:stretch>
+            <a:fillRect/>
+          </a:stretch>
+        </p:blipFill>
+        <p:spPr>
+          <a:xfrm>
+            <a:off x="3622024" y="1138688"/>
+            <a:ext cx="5771172" cy="5719312"/>
+          </a:xfrm>
+          <a:prstGeom prst="rect">
+            <a:avLst/>
+          </a:prstGeom>
+        </p:spPr>
+      </p:pic>
+      <p:sp>
+        <p:nvSpPr>
+          <p:cNvPr id="6" name="Title 1">
+            <a:extLst>
+              <a:ext uri="{FF2B5EF4-FFF2-40B4-BE49-F238E27FC236}">
+                <a16:creationId xmlns:a16="http://schemas.microsoft.com/office/drawing/2014/main" id="{190D3095-8030-4D63-B587-B30805D8C0AA}"/>
+              </a:ext>
+            </a:extLst>
+          </p:cNvPr>
+          <p:cNvSpPr>
+            <a:spLocks noGrp="1"/>
+          </p:cNvSpPr>
+          <p:nvPr>
+            <p:ph type="title"/>
+          </p:nvPr>
+        </p:nvSpPr>
+        <p:spPr>
+          <a:xfrm>
+            <a:off x="838200" y="365126"/>
+            <a:ext cx="10515600" cy="773562"/>
+          </a:xfrm>
+        </p:spPr>
+        <p:txBody>
+          <a:bodyPr>
+            <a:normAutofit/>
+          </a:bodyPr>
+          <a:lstStyle/>
+          <a:p>
+            <a:r>
+              <a:rPr lang="en-US" sz="4400" b="1" i="0" u="none" strike="noStrike" baseline="0" dirty="0">
+                <a:solidFill>
+                  <a:srgbClr val="A245C7"/>
+                </a:solidFill>
+                <a:latin typeface="GoudySans-Bold"/>
+              </a:rPr>
+              <a:t>4.6</a:t>
+            </a:r>
+            <a:r>
+              <a:rPr lang="en-US" sz="4400" b="1" i="0" u="none" strike="noStrike" baseline="0" dirty="0">
+                <a:solidFill>
+                  <a:srgbClr val="5200FF"/>
+                </a:solidFill>
+                <a:latin typeface="GoudySans-Bold"/>
+              </a:rPr>
+              <a:t> </a:t>
+            </a:r>
+            <a:r>
+              <a:rPr lang="en-US" b="1" dirty="0">
+                <a:solidFill>
+                  <a:srgbClr val="FF0A44"/>
+                </a:solidFill>
+                <a:latin typeface="GoudySans-Bold"/>
+              </a:rPr>
+              <a:t>switch Multiple-Selection Statement</a:t>
+            </a:r>
+            <a:endParaRPr lang="en-US" dirty="0"/>
+          </a:p>
+        </p:txBody>
+      </p:sp>
+      <p:sp>
+        <p:nvSpPr>
+          <p:cNvPr id="3" name="Content Placeholder 2">
+            <a:extLst>
+              <a:ext uri="{FF2B5EF4-FFF2-40B4-BE49-F238E27FC236}">
+                <a16:creationId xmlns:a16="http://schemas.microsoft.com/office/drawing/2014/main" id="{D5663879-FD33-3BC2-ABB2-C5B4108385CD}"/>
+              </a:ext>
+            </a:extLst>
+          </p:cNvPr>
+          <p:cNvSpPr>
+            <a:spLocks noGrp="1"/>
+          </p:cNvSpPr>
+          <p:nvPr>
+            <p:ph idx="1"/>
+          </p:nvPr>
+        </p:nvSpPr>
+        <p:spPr>
+          <a:xfrm>
+            <a:off x="838200" y="1219497"/>
+            <a:ext cx="10515600" cy="334869"/>
+          </a:xfrm>
+        </p:spPr>
+        <p:txBody>
+          <a:bodyPr>
+            <a:normAutofit fontScale="92500" lnSpcReduction="10000"/>
+          </a:bodyPr>
+          <a:lstStyle/>
+          <a:p>
+            <a:pPr marL="0" indent="0">
+              <a:buNone/>
+            </a:pPr>
+            <a:r>
+              <a:rPr lang="en-US" sz="2000" b="1" dirty="0">
+                <a:solidFill>
+                  <a:srgbClr val="2FA9FF"/>
+                </a:solidFill>
+                <a:latin typeface="Georgia" panose="02040502050405020303" pitchFamily="18" charset="0"/>
+              </a:rPr>
+              <a:t>switch Statement Flowchart</a:t>
+            </a:r>
+            <a:endParaRPr lang="en-US" sz="2000" dirty="0"/>
+          </a:p>
+        </p:txBody>
+      </p:sp>
+    </p:spTree>
+    <p:extLst>
+      <p:ext uri="{BB962C8B-B14F-4D97-AF65-F5344CB8AC3E}">
+        <p14:creationId xmlns:p14="http://schemas.microsoft.com/office/powerpoint/2010/main" val="4061671723"/>
+      </p:ext>
+    </p:extLst>
+  </p:cSld>
+  <p:clrMapOvr>
+    <a:masterClrMapping/>
+  </p:clrMapOvr>
+  <mc:AlternateContent xmlns:mc="http://schemas.openxmlformats.org/markup-compatibility/2006">
+    <mc:Choice xmlns:p159="http://schemas.microsoft.com/office/powerpoint/2015/09/main" Requires="p159">
+      <p:transition xmlns:p14="http://schemas.microsoft.com/office/powerpoint/2010/main" spd="slow" p14:dur="2000" advClick="0">
+        <p159:morph option="byObject"/>
+      </p:transition>
+    </mc:Choice>
+    <mc:Fallback>
+      <p:transition spd="slow" advClick="0">
+        <p:fade/>
+      </p:transition>
+    </mc:Fallback>
+  </mc:AlternateContent>
+</p:sld>
+</file>
+
+<file path=ppt/slides/slide31.xml><?xml version="1.0" encoding="utf-8"?>
+<p:sld xmlns:a="http://schemas.openxmlformats.org/drawingml/2006/main" xmlns:r="http://schemas.openxmlformats.org/officeDocument/2006/relationships" xmlns:p="http://schemas.openxmlformats.org/presentationml/2006/main">
+  <p:cSld>
+    <p:spTree>
+      <p:nvGrpSpPr>
+        <p:cNvPr id="1" name=""/>
+        <p:cNvGrpSpPr/>
+        <p:nvPr/>
+      </p:nvGrpSpPr>
+      <p:grpSpPr>
+        <a:xfrm>
+          <a:off x="0" y="0"/>
+          <a:ext cx="0" cy="0"/>
+          <a:chOff x="0" y="0"/>
+          <a:chExt cx="0" cy="0"/>
+        </a:xfrm>
+      </p:grpSpPr>
+      <p:sp>
+        <p:nvSpPr>
+          <p:cNvPr id="6" name="Title 1">
+            <a:extLst>
+              <a:ext uri="{FF2B5EF4-FFF2-40B4-BE49-F238E27FC236}">
+                <a16:creationId xmlns:a16="http://schemas.microsoft.com/office/drawing/2014/main" id="{190D3095-8030-4D63-B587-B30805D8C0AA}"/>
+              </a:ext>
+            </a:extLst>
+          </p:cNvPr>
+          <p:cNvSpPr>
+            <a:spLocks noGrp="1"/>
+          </p:cNvSpPr>
+          <p:nvPr>
+            <p:ph type="title"/>
+          </p:nvPr>
+        </p:nvSpPr>
+        <p:spPr>
+          <a:xfrm>
+            <a:off x="838200" y="365126"/>
+            <a:ext cx="10515600" cy="773562"/>
+          </a:xfrm>
+        </p:spPr>
+        <p:txBody>
+          <a:bodyPr>
+            <a:normAutofit/>
+          </a:bodyPr>
+          <a:lstStyle/>
+          <a:p>
+            <a:r>
+              <a:rPr lang="en-US" sz="4400" b="1" i="0" u="none" strike="noStrike" baseline="0" dirty="0">
+                <a:solidFill>
+                  <a:srgbClr val="A245C7"/>
+                </a:solidFill>
+                <a:latin typeface="GoudySans-Bold"/>
+              </a:rPr>
+              <a:t>4.7</a:t>
+            </a:r>
+            <a:r>
+              <a:rPr lang="en-US" sz="4400" b="1" i="0" u="none" strike="noStrike" baseline="0" dirty="0">
+                <a:solidFill>
+                  <a:srgbClr val="5200FF"/>
+                </a:solidFill>
+                <a:latin typeface="GoudySans-Bold"/>
+              </a:rPr>
+              <a:t> </a:t>
+            </a:r>
+            <a:r>
+              <a:rPr lang="en-US" b="1" dirty="0">
+                <a:solidFill>
+                  <a:srgbClr val="FF0A44"/>
+                </a:solidFill>
+                <a:latin typeface="GoudySans-Bold"/>
+              </a:rPr>
+              <a:t>do…while Iteration Statement</a:t>
+            </a:r>
+            <a:endParaRPr lang="en-US" dirty="0"/>
+          </a:p>
+        </p:txBody>
+      </p:sp>
+      <p:sp>
+        <p:nvSpPr>
+          <p:cNvPr id="3" name="Content Placeholder 2">
+            <a:extLst>
+              <a:ext uri="{FF2B5EF4-FFF2-40B4-BE49-F238E27FC236}">
+                <a16:creationId xmlns:a16="http://schemas.microsoft.com/office/drawing/2014/main" id="{D5663879-FD33-3BC2-ABB2-C5B4108385CD}"/>
+              </a:ext>
+            </a:extLst>
+          </p:cNvPr>
+          <p:cNvSpPr>
+            <a:spLocks noGrp="1"/>
+          </p:cNvSpPr>
+          <p:nvPr>
+            <p:ph idx="1"/>
+          </p:nvPr>
+        </p:nvSpPr>
+        <p:spPr>
+          <a:xfrm>
+            <a:off x="282388" y="1138689"/>
+            <a:ext cx="11712388" cy="1763624"/>
+          </a:xfrm>
+        </p:spPr>
+        <p:txBody>
+          <a:bodyPr>
+            <a:normAutofit/>
+          </a:bodyPr>
+          <a:lstStyle/>
+          <a:p>
+            <a:pPr marL="169863" indent="-169863" algn="l">
+              <a:lnSpc>
+                <a:spcPct val="100000"/>
+              </a:lnSpc>
+              <a:spcBef>
+                <a:spcPts val="0"/>
+              </a:spcBef>
+              <a:buFont typeface="Arial" panose="020B0604020202020204" pitchFamily="34" charset="0"/>
+              <a:buChar char="•"/>
+            </a:pPr>
+            <a:r>
+              <a:rPr lang="en-US" sz="2000" b="0" i="0" u="none" strike="noStrike" baseline="0" dirty="0">
+                <a:latin typeface="AGaramond-Regular" panose="02020500000000000000" pitchFamily="18" charset="0"/>
+              </a:rPr>
+              <a:t>The </a:t>
+            </a:r>
+            <a:r>
+              <a:rPr lang="en-US" sz="1800" b="0" i="0" u="none" strike="noStrike" baseline="0" dirty="0">
+                <a:latin typeface="LucidaSansTypewriter"/>
+              </a:rPr>
+              <a:t>do</a:t>
+            </a:r>
+            <a:r>
+              <a:rPr lang="en-US" sz="3200" b="0" i="0" u="none" strike="noStrike" baseline="0" dirty="0">
+                <a:latin typeface="AGaramond-Regular" panose="02020500000000000000" pitchFamily="18" charset="0"/>
+              </a:rPr>
+              <a:t>…</a:t>
+            </a:r>
+            <a:r>
+              <a:rPr lang="en-US" sz="1800" b="0" i="0" u="none" strike="noStrike" baseline="0" dirty="0">
+                <a:latin typeface="LucidaSansTypewriter"/>
+              </a:rPr>
+              <a:t>while</a:t>
+            </a:r>
+            <a:r>
+              <a:rPr lang="en-US" sz="1200" b="0" i="0" u="none" strike="noStrike" baseline="0" dirty="0">
+                <a:latin typeface="LucidaSansTypewriter"/>
+              </a:rPr>
+              <a:t> </a:t>
+            </a:r>
+            <a:r>
+              <a:rPr lang="en-US" sz="2000" b="0" i="0" u="none" strike="noStrike" baseline="0" dirty="0">
+                <a:latin typeface="AGaramond-Regular" panose="02020500000000000000" pitchFamily="18" charset="0"/>
+              </a:rPr>
+              <a:t>iteration statement is like the </a:t>
+            </a:r>
+            <a:r>
+              <a:rPr lang="en-US" sz="1800" b="0" i="0" u="none" strike="noStrike" baseline="0" dirty="0">
+                <a:latin typeface="LucidaSansTypewriter"/>
+              </a:rPr>
+              <a:t>while</a:t>
+            </a:r>
+            <a:r>
+              <a:rPr lang="en-US" sz="1200" b="0" i="0" u="none" strike="noStrike" baseline="0" dirty="0">
+                <a:latin typeface="LucidaSansTypewriter"/>
+              </a:rPr>
+              <a:t> </a:t>
+            </a:r>
+            <a:r>
+              <a:rPr lang="en-US" sz="2000" b="0" i="0" u="none" strike="noStrike" baseline="0" dirty="0">
+                <a:latin typeface="AGaramond-Regular" panose="02020500000000000000" pitchFamily="18" charset="0"/>
+              </a:rPr>
+              <a:t>statement. </a:t>
+            </a:r>
+          </a:p>
+          <a:p>
+            <a:pPr marL="169863" indent="-169863" algn="l">
+              <a:lnSpc>
+                <a:spcPct val="100000"/>
+              </a:lnSpc>
+              <a:spcBef>
+                <a:spcPts val="0"/>
+              </a:spcBef>
+              <a:buFont typeface="Arial" panose="020B0604020202020204" pitchFamily="34" charset="0"/>
+              <a:buChar char="•"/>
+            </a:pPr>
+            <a:r>
+              <a:rPr lang="en-US" sz="2000" b="0" i="0" u="none" strike="noStrike" baseline="0" dirty="0">
+                <a:latin typeface="AGaramond-Regular" panose="02020500000000000000" pitchFamily="18" charset="0"/>
+              </a:rPr>
+              <a:t>The </a:t>
+            </a:r>
+            <a:r>
+              <a:rPr lang="en-US" sz="1800" b="0" i="0" u="none" strike="noStrike" baseline="0" dirty="0">
+                <a:latin typeface="LucidaSansTypewriter"/>
+              </a:rPr>
+              <a:t>while</a:t>
+            </a:r>
+            <a:r>
+              <a:rPr lang="en-US" sz="1200" b="0" i="0" u="none" strike="noStrike" baseline="0" dirty="0">
+                <a:latin typeface="LucidaSansTypewriter"/>
+              </a:rPr>
+              <a:t> </a:t>
+            </a:r>
+            <a:r>
+              <a:rPr lang="en-US" sz="2000" b="0" i="0" u="none" strike="noStrike" baseline="0" dirty="0">
+                <a:latin typeface="AGaramond-Regular" panose="02020500000000000000" pitchFamily="18" charset="0"/>
+              </a:rPr>
+              <a:t>statement tests its loop-continuation condition before executing the loop body. </a:t>
+            </a:r>
+          </a:p>
+          <a:p>
+            <a:pPr marL="169863" indent="-169863" algn="l">
+              <a:lnSpc>
+                <a:spcPct val="100000"/>
+              </a:lnSpc>
+              <a:spcBef>
+                <a:spcPts val="0"/>
+              </a:spcBef>
+              <a:buFont typeface="Arial" panose="020B0604020202020204" pitchFamily="34" charset="0"/>
+              <a:buChar char="•"/>
+            </a:pPr>
+            <a:r>
+              <a:rPr lang="en-US" sz="2000" b="0" i="0" u="none" strike="noStrike" baseline="0" dirty="0">
+                <a:latin typeface="AGaramond-Regular" panose="02020500000000000000" pitchFamily="18" charset="0"/>
+              </a:rPr>
+              <a:t>The </a:t>
+            </a:r>
+            <a:r>
+              <a:rPr lang="en-US" sz="1800" b="0" i="0" u="none" strike="noStrike" baseline="0" dirty="0">
+                <a:latin typeface="LucidaSansTypewriter"/>
+              </a:rPr>
+              <a:t>do</a:t>
+            </a:r>
+            <a:r>
+              <a:rPr lang="en-US" sz="3200" b="0" i="0" u="none" strike="noStrike" baseline="0" dirty="0">
+                <a:latin typeface="AGaramond-Regular" panose="02020500000000000000" pitchFamily="18" charset="0"/>
+              </a:rPr>
+              <a:t>…</a:t>
+            </a:r>
+            <a:r>
+              <a:rPr lang="en-US" sz="1800" b="0" i="0" u="none" strike="noStrike" baseline="0" dirty="0">
+                <a:latin typeface="LucidaSansTypewriter"/>
+              </a:rPr>
+              <a:t>while</a:t>
+            </a:r>
+            <a:r>
+              <a:rPr lang="en-US" sz="1200" b="0" i="0" u="none" strike="noStrike" baseline="0" dirty="0">
+                <a:latin typeface="LucidaSansTypewriter"/>
+              </a:rPr>
+              <a:t> </a:t>
+            </a:r>
+            <a:r>
+              <a:rPr lang="en-US" sz="2000" b="0" i="0" u="none" strike="noStrike" baseline="0" dirty="0">
+                <a:latin typeface="AGaramond-Regular" panose="02020500000000000000" pitchFamily="18" charset="0"/>
+              </a:rPr>
+              <a:t>statement tests its loop-continuation condition after executing the loop</a:t>
+            </a:r>
+          </a:p>
+          <a:p>
+            <a:pPr marL="169863" indent="-169863" algn="l">
+              <a:lnSpc>
+                <a:spcPct val="100000"/>
+              </a:lnSpc>
+              <a:spcBef>
+                <a:spcPts val="0"/>
+              </a:spcBef>
+              <a:buFont typeface="Arial" panose="020B0604020202020204" pitchFamily="34" charset="0"/>
+              <a:buChar char="•"/>
+            </a:pPr>
+            <a:r>
+              <a:rPr lang="en-US" sz="2000" b="0" i="0" u="none" strike="noStrike" baseline="0" dirty="0">
+                <a:latin typeface="AGaramond-Regular" panose="02020500000000000000" pitchFamily="18" charset="0"/>
+              </a:rPr>
+              <a:t>body, so the loop body always executes at least once.</a:t>
+            </a:r>
+            <a:endParaRPr lang="en-US" sz="1400" dirty="0"/>
+          </a:p>
+          <a:p>
+            <a:pPr marL="0" indent="0">
+              <a:buNone/>
+            </a:pPr>
+            <a:endParaRPr lang="en-US" sz="2000" dirty="0"/>
+          </a:p>
+        </p:txBody>
+      </p:sp>
+      <p:pic>
+        <p:nvPicPr>
+          <p:cNvPr id="8" name="Picture 7">
+            <a:extLst>
+              <a:ext uri="{FF2B5EF4-FFF2-40B4-BE49-F238E27FC236}">
+                <a16:creationId xmlns:a16="http://schemas.microsoft.com/office/drawing/2014/main" id="{5F604E89-7710-C105-A1AE-78864518AECA}"/>
+              </a:ext>
+            </a:extLst>
+          </p:cNvPr>
+          <p:cNvPicPr>
+            <a:picLocks noChangeAspect="1"/>
+          </p:cNvPicPr>
+          <p:nvPr/>
+        </p:nvPicPr>
+        <p:blipFill>
+          <a:blip r:embed="rId2"/>
+          <a:stretch>
+            <a:fillRect/>
+          </a:stretch>
+        </p:blipFill>
+        <p:spPr>
+          <a:xfrm>
+            <a:off x="282388" y="2989362"/>
+            <a:ext cx="5725206" cy="2642900"/>
+          </a:xfrm>
+          <a:prstGeom prst="rect">
+            <a:avLst/>
+          </a:prstGeom>
+        </p:spPr>
+      </p:pic>
+      <p:pic>
+        <p:nvPicPr>
+          <p:cNvPr id="10" name="Picture 9">
+            <a:extLst>
+              <a:ext uri="{FF2B5EF4-FFF2-40B4-BE49-F238E27FC236}">
+                <a16:creationId xmlns:a16="http://schemas.microsoft.com/office/drawing/2014/main" id="{DBA79458-EDAB-D4E0-AD21-27E9E2FAFA2F}"/>
+              </a:ext>
+            </a:extLst>
+          </p:cNvPr>
+          <p:cNvPicPr>
+            <a:picLocks noChangeAspect="1"/>
+          </p:cNvPicPr>
+          <p:nvPr/>
+        </p:nvPicPr>
+        <p:blipFill>
+          <a:blip r:embed="rId3"/>
+          <a:stretch>
+            <a:fillRect/>
+          </a:stretch>
+        </p:blipFill>
+        <p:spPr>
+          <a:xfrm>
+            <a:off x="616958" y="5719312"/>
+            <a:ext cx="2090383" cy="791505"/>
+          </a:xfrm>
+          <a:prstGeom prst="rect">
+            <a:avLst/>
+          </a:prstGeom>
+        </p:spPr>
+      </p:pic>
+      <p:sp>
+        <p:nvSpPr>
+          <p:cNvPr id="11" name="Content Placeholder 2">
+            <a:extLst>
+              <a:ext uri="{FF2B5EF4-FFF2-40B4-BE49-F238E27FC236}">
+                <a16:creationId xmlns:a16="http://schemas.microsoft.com/office/drawing/2014/main" id="{34F9FA66-38E4-BA12-30D8-4D6FCF83958C}"/>
+              </a:ext>
+            </a:extLst>
+          </p:cNvPr>
+          <p:cNvSpPr txBox="1">
+            <a:spLocks/>
+          </p:cNvSpPr>
+          <p:nvPr/>
+        </p:nvSpPr>
+        <p:spPr>
+          <a:xfrm>
+            <a:off x="6315636" y="2729753"/>
+            <a:ext cx="4419420" cy="334869"/>
+          </a:xfrm>
+          <a:prstGeom prst="rect">
+            <a:avLst/>
+          </a:prstGeom>
+        </p:spPr>
+        <p:txBody>
+          <a:bodyPr vert="horz" lIns="91440" tIns="45720" rIns="91440" bIns="45720" rtlCol="0">
+            <a:normAutofit fontScale="92500" lnSpcReduction="10000"/>
+          </a:bodyPr>
+          <a:lstStyle>
+            <a:lvl1pPr marL="228600" indent="-228600" algn="l" defTabSz="914400" rtl="0" eaLnBrk="1" latinLnBrk="0" hangingPunct="1">
+              <a:lnSpc>
+                <a:spcPct val="90000"/>
+              </a:lnSpc>
+              <a:spcBef>
+                <a:spcPts val="1000"/>
+              </a:spcBef>
+              <a:buFont typeface="Arial" panose="020B0604020202020204" pitchFamily="34" charset="0"/>
+              <a:buChar char="•"/>
+              <a:defRPr sz="2800" kern="1200">
+                <a:solidFill>
+                  <a:schemeClr val="tx1"/>
+                </a:solidFill>
+                <a:latin typeface="+mn-lt"/>
+                <a:ea typeface="+mn-ea"/>
+                <a:cs typeface="+mn-cs"/>
+              </a:defRPr>
+            </a:lvl1pPr>
+            <a:lvl2pPr marL="685800" indent="-228600" algn="l" defTabSz="914400" rtl="0" eaLnBrk="1" latinLnBrk="0" hangingPunct="1">
+              <a:lnSpc>
+                <a:spcPct val="90000"/>
+              </a:lnSpc>
+              <a:spcBef>
+                <a:spcPts val="500"/>
+              </a:spcBef>
+              <a:buFont typeface="Arial" panose="020B0604020202020204" pitchFamily="34" charset="0"/>
+              <a:buChar char="•"/>
+              <a:defRPr sz="2400" kern="1200">
+                <a:solidFill>
+                  <a:schemeClr val="tx1"/>
+                </a:solidFill>
+                <a:latin typeface="+mn-lt"/>
+                <a:ea typeface="+mn-ea"/>
+                <a:cs typeface="+mn-cs"/>
+              </a:defRPr>
+            </a:lvl2pPr>
+            <a:lvl3pPr marL="1143000" indent="-228600" algn="l" defTabSz="914400" rtl="0" eaLnBrk="1" latinLnBrk="0" hangingPunct="1">
+              <a:lnSpc>
+                <a:spcPct val="90000"/>
+              </a:lnSpc>
+              <a:spcBef>
+                <a:spcPts val="500"/>
+              </a:spcBef>
+              <a:buFont typeface="Arial" panose="020B0604020202020204" pitchFamily="34" charset="0"/>
+              <a:buChar char="•"/>
+              <a:defRPr sz="2000" kern="1200">
+                <a:solidFill>
+                  <a:schemeClr val="tx1"/>
+                </a:solidFill>
+                <a:latin typeface="+mn-lt"/>
+                <a:ea typeface="+mn-ea"/>
+                <a:cs typeface="+mn-cs"/>
+              </a:defRPr>
+            </a:lvl3pPr>
+            <a:lvl4pPr marL="1600200" indent="-228600" algn="l" defTabSz="914400" rtl="0" eaLnBrk="1" latinLnBrk="0" hangingPunct="1">
+              <a:lnSpc>
+                <a:spcPct val="90000"/>
+              </a:lnSpc>
+              <a:spcBef>
+                <a:spcPts val="500"/>
+              </a:spcBef>
+              <a:buFont typeface="Arial" panose="020B0604020202020204" pitchFamily="34" charset="0"/>
+              <a:buChar char="•"/>
+              <a:defRPr sz="1800" kern="1200">
+                <a:solidFill>
+                  <a:schemeClr val="tx1"/>
+                </a:solidFill>
+                <a:latin typeface="+mn-lt"/>
+                <a:ea typeface="+mn-ea"/>
+                <a:cs typeface="+mn-cs"/>
+              </a:defRPr>
+            </a:lvl4pPr>
+            <a:lvl5pPr marL="2057400" indent="-228600" algn="l" defTabSz="914400" rtl="0" eaLnBrk="1" latinLnBrk="0" hangingPunct="1">
+              <a:lnSpc>
+                <a:spcPct val="90000"/>
+              </a:lnSpc>
+              <a:spcBef>
+                <a:spcPts val="500"/>
+              </a:spcBef>
+              <a:buFont typeface="Arial" panose="020B0604020202020204" pitchFamily="34" charset="0"/>
+              <a:buChar char="•"/>
+              <a:defRPr sz="1800" kern="1200">
+                <a:solidFill>
+                  <a:schemeClr val="tx1"/>
+                </a:solidFill>
+                <a:latin typeface="+mn-lt"/>
+                <a:ea typeface="+mn-ea"/>
+                <a:cs typeface="+mn-cs"/>
+              </a:defRPr>
+            </a:lvl5pPr>
+            <a:lvl6pPr marL="2514600" indent="-228600" algn="l" defTabSz="914400" rtl="0" eaLnBrk="1" latinLnBrk="0" hangingPunct="1">
+              <a:lnSpc>
+                <a:spcPct val="90000"/>
+              </a:lnSpc>
+              <a:spcBef>
+                <a:spcPts val="500"/>
+              </a:spcBef>
+              <a:buFont typeface="Arial" panose="020B0604020202020204" pitchFamily="34" charset="0"/>
+              <a:buChar char="•"/>
+              <a:defRPr sz="1800" kern="1200">
+                <a:solidFill>
+                  <a:schemeClr val="tx1"/>
+                </a:solidFill>
+                <a:latin typeface="+mn-lt"/>
+                <a:ea typeface="+mn-ea"/>
+                <a:cs typeface="+mn-cs"/>
+              </a:defRPr>
+            </a:lvl6pPr>
+            <a:lvl7pPr marL="2971800" indent="-228600" algn="l" defTabSz="914400" rtl="0" eaLnBrk="1" latinLnBrk="0" hangingPunct="1">
+              <a:lnSpc>
+                <a:spcPct val="90000"/>
+              </a:lnSpc>
+              <a:spcBef>
+                <a:spcPts val="500"/>
+              </a:spcBef>
+              <a:buFont typeface="Arial" panose="020B0604020202020204" pitchFamily="34" charset="0"/>
+              <a:buChar char="•"/>
+              <a:defRPr sz="1800" kern="1200">
+                <a:solidFill>
+                  <a:schemeClr val="tx1"/>
+                </a:solidFill>
+                <a:latin typeface="+mn-lt"/>
+                <a:ea typeface="+mn-ea"/>
+                <a:cs typeface="+mn-cs"/>
+              </a:defRPr>
+            </a:lvl7pPr>
+            <a:lvl8pPr marL="3429000" indent="-228600" algn="l" defTabSz="914400" rtl="0" eaLnBrk="1" latinLnBrk="0" hangingPunct="1">
+              <a:lnSpc>
+                <a:spcPct val="90000"/>
+              </a:lnSpc>
+              <a:spcBef>
+                <a:spcPts val="500"/>
+              </a:spcBef>
+              <a:buFont typeface="Arial" panose="020B0604020202020204" pitchFamily="34" charset="0"/>
+              <a:buChar char="•"/>
+              <a:defRPr sz="1800" kern="1200">
+                <a:solidFill>
+                  <a:schemeClr val="tx1"/>
+                </a:solidFill>
+                <a:latin typeface="+mn-lt"/>
+                <a:ea typeface="+mn-ea"/>
+                <a:cs typeface="+mn-cs"/>
+              </a:defRPr>
+            </a:lvl8pPr>
+            <a:lvl9pPr marL="3886200" indent="-228600" algn="l" defTabSz="914400" rtl="0" eaLnBrk="1" latinLnBrk="0" hangingPunct="1">
+              <a:lnSpc>
+                <a:spcPct val="90000"/>
+              </a:lnSpc>
+              <a:spcBef>
+                <a:spcPts val="500"/>
+              </a:spcBef>
+              <a:buFont typeface="Arial" panose="020B0604020202020204" pitchFamily="34" charset="0"/>
+              <a:buChar char="•"/>
+              <a:defRPr sz="1800" kern="1200">
+                <a:solidFill>
+                  <a:schemeClr val="tx1"/>
+                </a:solidFill>
+                <a:latin typeface="+mn-lt"/>
+                <a:ea typeface="+mn-ea"/>
+                <a:cs typeface="+mn-cs"/>
+              </a:defRPr>
+            </a:lvl9pPr>
+          </a:lstStyle>
+          <a:p>
+            <a:pPr marL="0" indent="0">
+              <a:buFont typeface="Arial" panose="020B0604020202020204" pitchFamily="34" charset="0"/>
+              <a:buNone/>
+            </a:pPr>
+            <a:r>
+              <a:rPr lang="en-US" sz="2000" b="1" dirty="0">
+                <a:solidFill>
+                  <a:srgbClr val="2FA9FF"/>
+                </a:solidFill>
+                <a:latin typeface="Georgia" panose="02040502050405020303" pitchFamily="18" charset="0"/>
+              </a:rPr>
+              <a:t>do…while Statement Flowchart</a:t>
+            </a:r>
+            <a:endParaRPr lang="en-US" sz="2000" dirty="0"/>
+          </a:p>
+        </p:txBody>
+      </p:sp>
+      <p:pic>
+        <p:nvPicPr>
+          <p:cNvPr id="13" name="Picture 12">
+            <a:extLst>
+              <a:ext uri="{FF2B5EF4-FFF2-40B4-BE49-F238E27FC236}">
+                <a16:creationId xmlns:a16="http://schemas.microsoft.com/office/drawing/2014/main" id="{079B461F-ADDE-4C19-85B0-3C23200CECDD}"/>
+              </a:ext>
+            </a:extLst>
+          </p:cNvPr>
+          <p:cNvPicPr>
+            <a:picLocks noChangeAspect="1"/>
+          </p:cNvPicPr>
+          <p:nvPr/>
+        </p:nvPicPr>
+        <p:blipFill>
+          <a:blip r:embed="rId4"/>
+          <a:stretch>
+            <a:fillRect/>
+          </a:stretch>
+        </p:blipFill>
+        <p:spPr>
+          <a:xfrm>
+            <a:off x="7274707" y="3429000"/>
+            <a:ext cx="2501278" cy="2964044"/>
+          </a:xfrm>
+          <a:prstGeom prst="rect">
+            <a:avLst/>
+          </a:prstGeom>
+        </p:spPr>
+      </p:pic>
+    </p:spTree>
+    <p:extLst>
+      <p:ext uri="{BB962C8B-B14F-4D97-AF65-F5344CB8AC3E}">
+        <p14:creationId xmlns:p14="http://schemas.microsoft.com/office/powerpoint/2010/main" val="1494977934"/>
+      </p:ext>
+    </p:extLst>
+  </p:cSld>
+  <p:clrMapOvr>
+    <a:masterClrMapping/>
+  </p:clrMapOvr>
+  <mc:AlternateContent xmlns:mc="http://schemas.openxmlformats.org/markup-compatibility/2006">
+    <mc:Choice xmlns:p159="http://schemas.microsoft.com/office/powerpoint/2015/09/main" Requires="p159">
+      <p:transition xmlns:p14="http://schemas.microsoft.com/office/powerpoint/2010/main" spd="slow" p14:dur="2000" advClick="0">
+        <p159:morph option="byObject"/>
+      </p:transition>
+    </mc:Choice>
+    <mc:Fallback>
+      <p:transition spd="slow" advClick="0">
+        <p:fade/>
+      </p:transition>
+    </mc:Fallback>
+  </mc:AlternateContent>
+</p:sld>
+</file>
+
+<file path=ppt/slides/slide32.xml><?xml version="1.0" encoding="utf-8"?>
+<p:sld xmlns:a="http://schemas.openxmlformats.org/drawingml/2006/main" xmlns:r="http://schemas.openxmlformats.org/officeDocument/2006/relationships" xmlns:p="http://schemas.openxmlformats.org/presentationml/2006/main">
+  <p:cSld>
+    <p:spTree>
+      <p:nvGrpSpPr>
+        <p:cNvPr id="1" name=""/>
+        <p:cNvGrpSpPr/>
+        <p:nvPr/>
+      </p:nvGrpSpPr>
+      <p:grpSpPr>
+        <a:xfrm>
+          <a:off x="0" y="0"/>
+          <a:ext cx="0" cy="0"/>
+          <a:chOff x="0" y="0"/>
+          <a:chExt cx="0" cy="0"/>
+        </a:xfrm>
+      </p:grpSpPr>
+      <p:sp>
+        <p:nvSpPr>
+          <p:cNvPr id="6" name="Title 1">
+            <a:extLst>
+              <a:ext uri="{FF2B5EF4-FFF2-40B4-BE49-F238E27FC236}">
+                <a16:creationId xmlns:a16="http://schemas.microsoft.com/office/drawing/2014/main" id="{190D3095-8030-4D63-B587-B30805D8C0AA}"/>
+              </a:ext>
+            </a:extLst>
+          </p:cNvPr>
+          <p:cNvSpPr>
+            <a:spLocks noGrp="1"/>
+          </p:cNvSpPr>
+          <p:nvPr>
+            <p:ph type="title"/>
+          </p:nvPr>
+        </p:nvSpPr>
+        <p:spPr>
+          <a:xfrm>
+            <a:off x="838200" y="365126"/>
+            <a:ext cx="10515600" cy="773562"/>
+          </a:xfrm>
+        </p:spPr>
+        <p:txBody>
+          <a:bodyPr>
+            <a:normAutofit/>
+          </a:bodyPr>
+          <a:lstStyle/>
+          <a:p>
+            <a:r>
+              <a:rPr lang="en-US" sz="4400" b="1" i="0" u="none" strike="noStrike" baseline="0" dirty="0">
+                <a:solidFill>
+                  <a:srgbClr val="A245C7"/>
+                </a:solidFill>
+                <a:latin typeface="GoudySans-Bold"/>
+              </a:rPr>
+              <a:t>4.8</a:t>
+            </a:r>
+            <a:r>
+              <a:rPr lang="en-US" sz="4400" b="1" i="0" u="none" strike="noStrike" baseline="0" dirty="0">
+                <a:solidFill>
+                  <a:srgbClr val="5200FF"/>
+                </a:solidFill>
+                <a:latin typeface="GoudySans-Bold"/>
+              </a:rPr>
+              <a:t> </a:t>
+            </a:r>
+            <a:r>
+              <a:rPr lang="en-US" b="1" dirty="0">
+                <a:solidFill>
+                  <a:srgbClr val="FF0A44"/>
+                </a:solidFill>
+                <a:latin typeface="GoudySans-Bold"/>
+              </a:rPr>
+              <a:t>break and continue Statements</a:t>
+            </a:r>
+            <a:endParaRPr lang="en-US" dirty="0"/>
+          </a:p>
+        </p:txBody>
+      </p:sp>
+      <p:sp>
+        <p:nvSpPr>
+          <p:cNvPr id="3" name="Content Placeholder 2">
+            <a:extLst>
+              <a:ext uri="{FF2B5EF4-FFF2-40B4-BE49-F238E27FC236}">
+                <a16:creationId xmlns:a16="http://schemas.microsoft.com/office/drawing/2014/main" id="{D5663879-FD33-3BC2-ABB2-C5B4108385CD}"/>
+              </a:ext>
+            </a:extLst>
+          </p:cNvPr>
+          <p:cNvSpPr>
+            <a:spLocks noGrp="1"/>
+          </p:cNvSpPr>
+          <p:nvPr>
+            <p:ph idx="1"/>
+          </p:nvPr>
+        </p:nvSpPr>
+        <p:spPr>
+          <a:xfrm>
+            <a:off x="282388" y="1138689"/>
+            <a:ext cx="11712388" cy="406647"/>
+          </a:xfrm>
+        </p:spPr>
+        <p:txBody>
+          <a:bodyPr>
+            <a:normAutofit/>
+          </a:bodyPr>
+          <a:lstStyle/>
+          <a:p>
+            <a:pPr marL="0" indent="0" algn="l">
+              <a:lnSpc>
+                <a:spcPct val="100000"/>
+              </a:lnSpc>
+              <a:spcBef>
+                <a:spcPts val="0"/>
+              </a:spcBef>
+              <a:buNone/>
+            </a:pPr>
+            <a:r>
+              <a:rPr lang="en-US" sz="2000" b="0" i="0" u="none" strike="noStrike" baseline="0" dirty="0">
+                <a:latin typeface="AGaramond-Regular" panose="02020500000000000000" pitchFamily="18" charset="0"/>
+              </a:rPr>
+              <a:t>The </a:t>
+            </a:r>
+            <a:r>
+              <a:rPr lang="en-US" sz="2000" b="0" i="0" u="none" strike="noStrike" baseline="0" dirty="0">
+                <a:latin typeface="LucidaSansTypewriter"/>
+              </a:rPr>
+              <a:t>break </a:t>
+            </a:r>
+            <a:r>
+              <a:rPr lang="en-US" sz="2000" b="0" i="0" u="none" strike="noStrike" baseline="0" dirty="0">
+                <a:latin typeface="AGaramond-Regular" panose="02020500000000000000" pitchFamily="18" charset="0"/>
+              </a:rPr>
+              <a:t>and </a:t>
+            </a:r>
+            <a:r>
+              <a:rPr lang="en-US" sz="2000" b="0" i="0" u="none" strike="noStrike" baseline="0" dirty="0">
+                <a:latin typeface="LucidaSansTypewriter"/>
+              </a:rPr>
+              <a:t>continue </a:t>
+            </a:r>
+            <a:r>
+              <a:rPr lang="en-US" sz="2000" b="0" i="0" u="none" strike="noStrike" baseline="0" dirty="0">
+                <a:latin typeface="AGaramond-Regular" panose="02020500000000000000" pitchFamily="18" charset="0"/>
+              </a:rPr>
+              <a:t>statements are used to alter the flow of control.</a:t>
+            </a:r>
+          </a:p>
+        </p:txBody>
+      </p:sp>
+      <p:pic>
+        <p:nvPicPr>
+          <p:cNvPr id="4" name="Picture 3">
+            <a:extLst>
+              <a:ext uri="{FF2B5EF4-FFF2-40B4-BE49-F238E27FC236}">
+                <a16:creationId xmlns:a16="http://schemas.microsoft.com/office/drawing/2014/main" id="{4345E802-3455-0EE0-EC83-90752A9B44CA}"/>
+              </a:ext>
+            </a:extLst>
+          </p:cNvPr>
+          <p:cNvPicPr>
+            <a:picLocks noChangeAspect="1"/>
+          </p:cNvPicPr>
+          <p:nvPr/>
+        </p:nvPicPr>
+        <p:blipFill>
+          <a:blip r:embed="rId2"/>
+          <a:stretch>
+            <a:fillRect/>
+          </a:stretch>
+        </p:blipFill>
+        <p:spPr>
+          <a:xfrm>
+            <a:off x="282388" y="2644589"/>
+            <a:ext cx="5423647" cy="3263437"/>
+          </a:xfrm>
+          <a:prstGeom prst="rect">
+            <a:avLst/>
+          </a:prstGeom>
+        </p:spPr>
+      </p:pic>
+      <p:sp>
+        <p:nvSpPr>
+          <p:cNvPr id="5" name="Content Placeholder 2">
+            <a:extLst>
+              <a:ext uri="{FF2B5EF4-FFF2-40B4-BE49-F238E27FC236}">
+                <a16:creationId xmlns:a16="http://schemas.microsoft.com/office/drawing/2014/main" id="{A4BB1770-DB84-EDAE-EAED-A60138459AA6}"/>
+              </a:ext>
+            </a:extLst>
+          </p:cNvPr>
+          <p:cNvSpPr txBox="1">
+            <a:spLocks/>
+          </p:cNvSpPr>
+          <p:nvPr/>
+        </p:nvSpPr>
+        <p:spPr>
+          <a:xfrm>
+            <a:off x="282389" y="1616088"/>
+            <a:ext cx="4110318" cy="1008450"/>
+          </a:xfrm>
+          <a:prstGeom prst="rect">
+            <a:avLst/>
+          </a:prstGeom>
+        </p:spPr>
+        <p:txBody>
+          <a:bodyPr vert="horz" lIns="91440" tIns="45720" rIns="91440" bIns="45720" rtlCol="0">
+            <a:normAutofit fontScale="92500" lnSpcReduction="20000"/>
+          </a:bodyPr>
+          <a:lstStyle>
+            <a:lvl1pPr marL="228600" indent="-228600" algn="l" defTabSz="914400" rtl="0" eaLnBrk="1" latinLnBrk="0" hangingPunct="1">
+              <a:lnSpc>
+                <a:spcPct val="90000"/>
+              </a:lnSpc>
+              <a:spcBef>
+                <a:spcPts val="1000"/>
+              </a:spcBef>
+              <a:buFont typeface="Arial" panose="020B0604020202020204" pitchFamily="34" charset="0"/>
+              <a:buChar char="•"/>
+              <a:defRPr sz="2800" kern="1200">
+                <a:solidFill>
+                  <a:schemeClr val="tx1"/>
+                </a:solidFill>
+                <a:latin typeface="+mn-lt"/>
+                <a:ea typeface="+mn-ea"/>
+                <a:cs typeface="+mn-cs"/>
+              </a:defRPr>
+            </a:lvl1pPr>
+            <a:lvl2pPr marL="685800" indent="-228600" algn="l" defTabSz="914400" rtl="0" eaLnBrk="1" latinLnBrk="0" hangingPunct="1">
+              <a:lnSpc>
+                <a:spcPct val="90000"/>
+              </a:lnSpc>
+              <a:spcBef>
+                <a:spcPts val="500"/>
+              </a:spcBef>
+              <a:buFont typeface="Arial" panose="020B0604020202020204" pitchFamily="34" charset="0"/>
+              <a:buChar char="•"/>
+              <a:defRPr sz="2400" kern="1200">
+                <a:solidFill>
+                  <a:schemeClr val="tx1"/>
+                </a:solidFill>
+                <a:latin typeface="+mn-lt"/>
+                <a:ea typeface="+mn-ea"/>
+                <a:cs typeface="+mn-cs"/>
+              </a:defRPr>
+            </a:lvl2pPr>
+            <a:lvl3pPr marL="1143000" indent="-228600" algn="l" defTabSz="914400" rtl="0" eaLnBrk="1" latinLnBrk="0" hangingPunct="1">
+              <a:lnSpc>
+                <a:spcPct val="90000"/>
+              </a:lnSpc>
+              <a:spcBef>
+                <a:spcPts val="500"/>
+              </a:spcBef>
+              <a:buFont typeface="Arial" panose="020B0604020202020204" pitchFamily="34" charset="0"/>
+              <a:buChar char="•"/>
+              <a:defRPr sz="2000" kern="1200">
+                <a:solidFill>
+                  <a:schemeClr val="tx1"/>
+                </a:solidFill>
+                <a:latin typeface="+mn-lt"/>
+                <a:ea typeface="+mn-ea"/>
+                <a:cs typeface="+mn-cs"/>
+              </a:defRPr>
+            </a:lvl3pPr>
+            <a:lvl4pPr marL="1600200" indent="-228600" algn="l" defTabSz="914400" rtl="0" eaLnBrk="1" latinLnBrk="0" hangingPunct="1">
+              <a:lnSpc>
+                <a:spcPct val="90000"/>
+              </a:lnSpc>
+              <a:spcBef>
+                <a:spcPts val="500"/>
+              </a:spcBef>
+              <a:buFont typeface="Arial" panose="020B0604020202020204" pitchFamily="34" charset="0"/>
+              <a:buChar char="•"/>
+              <a:defRPr sz="1800" kern="1200">
+                <a:solidFill>
+                  <a:schemeClr val="tx1"/>
+                </a:solidFill>
+                <a:latin typeface="+mn-lt"/>
+                <a:ea typeface="+mn-ea"/>
+                <a:cs typeface="+mn-cs"/>
+              </a:defRPr>
+            </a:lvl4pPr>
+            <a:lvl5pPr marL="2057400" indent="-228600" algn="l" defTabSz="914400" rtl="0" eaLnBrk="1" latinLnBrk="0" hangingPunct="1">
+              <a:lnSpc>
+                <a:spcPct val="90000"/>
+              </a:lnSpc>
+              <a:spcBef>
+                <a:spcPts val="500"/>
+              </a:spcBef>
+              <a:buFont typeface="Arial" panose="020B0604020202020204" pitchFamily="34" charset="0"/>
+              <a:buChar char="•"/>
+              <a:defRPr sz="1800" kern="1200">
+                <a:solidFill>
+                  <a:schemeClr val="tx1"/>
+                </a:solidFill>
+                <a:latin typeface="+mn-lt"/>
+                <a:ea typeface="+mn-ea"/>
+                <a:cs typeface="+mn-cs"/>
+              </a:defRPr>
+            </a:lvl5pPr>
+            <a:lvl6pPr marL="2514600" indent="-228600" algn="l" defTabSz="914400" rtl="0" eaLnBrk="1" latinLnBrk="0" hangingPunct="1">
+              <a:lnSpc>
+                <a:spcPct val="90000"/>
+              </a:lnSpc>
+              <a:spcBef>
+                <a:spcPts val="500"/>
+              </a:spcBef>
+              <a:buFont typeface="Arial" panose="020B0604020202020204" pitchFamily="34" charset="0"/>
+              <a:buChar char="•"/>
+              <a:defRPr sz="1800" kern="1200">
+                <a:solidFill>
+                  <a:schemeClr val="tx1"/>
+                </a:solidFill>
+                <a:latin typeface="+mn-lt"/>
+                <a:ea typeface="+mn-ea"/>
+                <a:cs typeface="+mn-cs"/>
+              </a:defRPr>
+            </a:lvl6pPr>
+            <a:lvl7pPr marL="2971800" indent="-228600" algn="l" defTabSz="914400" rtl="0" eaLnBrk="1" latinLnBrk="0" hangingPunct="1">
+              <a:lnSpc>
+                <a:spcPct val="90000"/>
+              </a:lnSpc>
+              <a:spcBef>
+                <a:spcPts val="500"/>
+              </a:spcBef>
+              <a:buFont typeface="Arial" panose="020B0604020202020204" pitchFamily="34" charset="0"/>
+              <a:buChar char="•"/>
+              <a:defRPr sz="1800" kern="1200">
+                <a:solidFill>
+                  <a:schemeClr val="tx1"/>
+                </a:solidFill>
+                <a:latin typeface="+mn-lt"/>
+                <a:ea typeface="+mn-ea"/>
+                <a:cs typeface="+mn-cs"/>
+              </a:defRPr>
+            </a:lvl7pPr>
+            <a:lvl8pPr marL="3429000" indent="-228600" algn="l" defTabSz="914400" rtl="0" eaLnBrk="1" latinLnBrk="0" hangingPunct="1">
+              <a:lnSpc>
+                <a:spcPct val="90000"/>
+              </a:lnSpc>
+              <a:spcBef>
+                <a:spcPts val="500"/>
+              </a:spcBef>
+              <a:buFont typeface="Arial" panose="020B0604020202020204" pitchFamily="34" charset="0"/>
+              <a:buChar char="•"/>
+              <a:defRPr sz="1800" kern="1200">
+                <a:solidFill>
+                  <a:schemeClr val="tx1"/>
+                </a:solidFill>
+                <a:latin typeface="+mn-lt"/>
+                <a:ea typeface="+mn-ea"/>
+                <a:cs typeface="+mn-cs"/>
+              </a:defRPr>
+            </a:lvl8pPr>
+            <a:lvl9pPr marL="3886200" indent="-228600" algn="l" defTabSz="914400" rtl="0" eaLnBrk="1" latinLnBrk="0" hangingPunct="1">
+              <a:lnSpc>
+                <a:spcPct val="90000"/>
+              </a:lnSpc>
+              <a:spcBef>
+                <a:spcPts val="500"/>
+              </a:spcBef>
+              <a:buFont typeface="Arial" panose="020B0604020202020204" pitchFamily="34" charset="0"/>
+              <a:buChar char="•"/>
+              <a:defRPr sz="1800" kern="1200">
+                <a:solidFill>
+                  <a:schemeClr val="tx1"/>
+                </a:solidFill>
+                <a:latin typeface="+mn-lt"/>
+                <a:ea typeface="+mn-ea"/>
+                <a:cs typeface="+mn-cs"/>
+              </a:defRPr>
+            </a:lvl9pPr>
+          </a:lstStyle>
+          <a:p>
+            <a:pPr marL="0" indent="0">
+              <a:lnSpc>
+                <a:spcPct val="100000"/>
+              </a:lnSpc>
+              <a:spcBef>
+                <a:spcPts val="0"/>
+              </a:spcBef>
+              <a:buFont typeface="Arial" panose="020B0604020202020204" pitchFamily="34" charset="0"/>
+              <a:buNone/>
+              <a:defRPr/>
+            </a:pPr>
+            <a:r>
+              <a:rPr lang="en-US" sz="1900" b="1" dirty="0">
+                <a:solidFill>
+                  <a:srgbClr val="2FA9FF"/>
+                </a:solidFill>
+                <a:latin typeface="Georgia" panose="02040502050405020303" pitchFamily="18" charset="0"/>
+              </a:rPr>
+              <a:t>break Statement</a:t>
+            </a:r>
+          </a:p>
+          <a:p>
+            <a:pPr marL="0" indent="0">
+              <a:buFont typeface="Arial" panose="020B0604020202020204" pitchFamily="34" charset="0"/>
+              <a:buNone/>
+            </a:pPr>
+            <a:r>
+              <a:rPr lang="en-US" sz="1800" dirty="0">
+                <a:latin typeface="AGaramond-Regular" panose="02020500000000000000" pitchFamily="18" charset="0"/>
+              </a:rPr>
+              <a:t>The </a:t>
+            </a:r>
+            <a:r>
+              <a:rPr lang="en-US" sz="1800" dirty="0">
+                <a:latin typeface="LucidaSansTypewriter"/>
+              </a:rPr>
+              <a:t>break </a:t>
+            </a:r>
+            <a:r>
+              <a:rPr lang="en-US" sz="1800" dirty="0">
+                <a:latin typeface="AGaramond-Regular" panose="02020500000000000000" pitchFamily="18" charset="0"/>
+              </a:rPr>
+              <a:t>statement, when executed in a </a:t>
+            </a:r>
+            <a:r>
+              <a:rPr lang="en-US" sz="1800" dirty="0">
+                <a:latin typeface="LucidaSansTypewriter"/>
+              </a:rPr>
+              <a:t>while</a:t>
+            </a:r>
+            <a:r>
+              <a:rPr lang="en-US" sz="1800" dirty="0">
+                <a:latin typeface="AGaramond-Regular" panose="02020500000000000000" pitchFamily="18" charset="0"/>
+              </a:rPr>
+              <a:t>, </a:t>
+            </a:r>
+            <a:r>
+              <a:rPr lang="en-US" sz="1800" dirty="0">
+                <a:latin typeface="LucidaSansTypewriter"/>
+              </a:rPr>
+              <a:t>for</a:t>
+            </a:r>
+            <a:r>
+              <a:rPr lang="en-US" sz="1800" dirty="0">
+                <a:latin typeface="AGaramond-Regular" panose="02020500000000000000" pitchFamily="18" charset="0"/>
+              </a:rPr>
+              <a:t>, </a:t>
+            </a:r>
+            <a:r>
+              <a:rPr lang="en-US" sz="1800" dirty="0">
+                <a:latin typeface="LucidaSansTypewriter"/>
+              </a:rPr>
+              <a:t>do</a:t>
+            </a:r>
+            <a:r>
+              <a:rPr lang="en-US" sz="1800" dirty="0">
+                <a:latin typeface="AGaramond-Regular" panose="02020500000000000000" pitchFamily="18" charset="0"/>
+              </a:rPr>
+              <a:t>…</a:t>
+            </a:r>
+            <a:r>
+              <a:rPr lang="en-US" sz="1800" dirty="0">
+                <a:latin typeface="LucidaSansTypewriter"/>
+              </a:rPr>
+              <a:t>while </a:t>
+            </a:r>
+            <a:r>
+              <a:rPr lang="en-US" sz="1800" dirty="0">
+                <a:latin typeface="AGaramond-Regular" panose="02020500000000000000" pitchFamily="18" charset="0"/>
+              </a:rPr>
+              <a:t>or </a:t>
+            </a:r>
+            <a:r>
+              <a:rPr lang="en-US" sz="1800" dirty="0">
+                <a:latin typeface="LucidaSansTypewriter"/>
+              </a:rPr>
+              <a:t>switch </a:t>
+            </a:r>
+            <a:r>
+              <a:rPr lang="en-US" sz="1800" dirty="0">
+                <a:latin typeface="AGaramond-Regular" panose="02020500000000000000" pitchFamily="18" charset="0"/>
+              </a:rPr>
+              <a:t>statement, causes an immediate exit from that statement.</a:t>
+            </a:r>
+            <a:endParaRPr lang="en-US" sz="2000" dirty="0"/>
+          </a:p>
+        </p:txBody>
+      </p:sp>
+      <p:pic>
+        <p:nvPicPr>
+          <p:cNvPr id="9" name="Picture 8">
+            <a:extLst>
+              <a:ext uri="{FF2B5EF4-FFF2-40B4-BE49-F238E27FC236}">
+                <a16:creationId xmlns:a16="http://schemas.microsoft.com/office/drawing/2014/main" id="{CA61ABCA-E80B-D123-33AD-1D9740FF2AB4}"/>
+              </a:ext>
+            </a:extLst>
+          </p:cNvPr>
+          <p:cNvPicPr>
+            <a:picLocks noChangeAspect="1"/>
+          </p:cNvPicPr>
+          <p:nvPr/>
+        </p:nvPicPr>
+        <p:blipFill>
+          <a:blip r:embed="rId3"/>
+          <a:stretch>
+            <a:fillRect/>
+          </a:stretch>
+        </p:blipFill>
+        <p:spPr>
+          <a:xfrm>
+            <a:off x="838200" y="5908026"/>
+            <a:ext cx="3314410" cy="816357"/>
+          </a:xfrm>
+          <a:prstGeom prst="rect">
+            <a:avLst/>
+          </a:prstGeom>
+        </p:spPr>
+      </p:pic>
+      <p:sp>
+        <p:nvSpPr>
+          <p:cNvPr id="12" name="Content Placeholder 2">
+            <a:extLst>
+              <a:ext uri="{FF2B5EF4-FFF2-40B4-BE49-F238E27FC236}">
+                <a16:creationId xmlns:a16="http://schemas.microsoft.com/office/drawing/2014/main" id="{6EBF0A3D-01B4-76BE-3AF3-8DFDD0AF2E65}"/>
+              </a:ext>
+            </a:extLst>
+          </p:cNvPr>
+          <p:cNvSpPr txBox="1">
+            <a:spLocks/>
+          </p:cNvSpPr>
+          <p:nvPr/>
+        </p:nvSpPr>
+        <p:spPr>
+          <a:xfrm>
+            <a:off x="6405281" y="1464008"/>
+            <a:ext cx="5723963" cy="1180900"/>
+          </a:xfrm>
+          <a:prstGeom prst="rect">
+            <a:avLst/>
+          </a:prstGeom>
+        </p:spPr>
+        <p:txBody>
+          <a:bodyPr vert="horz" lIns="91440" tIns="45720" rIns="91440" bIns="45720" rtlCol="0">
+            <a:normAutofit fontScale="92500" lnSpcReduction="20000"/>
+          </a:bodyPr>
+          <a:lstStyle>
+            <a:lvl1pPr marL="228600" indent="-228600" algn="l" defTabSz="914400" rtl="0" eaLnBrk="1" latinLnBrk="0" hangingPunct="1">
+              <a:lnSpc>
+                <a:spcPct val="90000"/>
+              </a:lnSpc>
+              <a:spcBef>
+                <a:spcPts val="1000"/>
+              </a:spcBef>
+              <a:buFont typeface="Arial" panose="020B0604020202020204" pitchFamily="34" charset="0"/>
+              <a:buChar char="•"/>
+              <a:defRPr sz="2800" kern="1200">
+                <a:solidFill>
+                  <a:schemeClr val="tx1"/>
+                </a:solidFill>
+                <a:latin typeface="+mn-lt"/>
+                <a:ea typeface="+mn-ea"/>
+                <a:cs typeface="+mn-cs"/>
+              </a:defRPr>
+            </a:lvl1pPr>
+            <a:lvl2pPr marL="685800" indent="-228600" algn="l" defTabSz="914400" rtl="0" eaLnBrk="1" latinLnBrk="0" hangingPunct="1">
+              <a:lnSpc>
+                <a:spcPct val="90000"/>
+              </a:lnSpc>
+              <a:spcBef>
+                <a:spcPts val="500"/>
+              </a:spcBef>
+              <a:buFont typeface="Arial" panose="020B0604020202020204" pitchFamily="34" charset="0"/>
+              <a:buChar char="•"/>
+              <a:defRPr sz="2400" kern="1200">
+                <a:solidFill>
+                  <a:schemeClr val="tx1"/>
+                </a:solidFill>
+                <a:latin typeface="+mn-lt"/>
+                <a:ea typeface="+mn-ea"/>
+                <a:cs typeface="+mn-cs"/>
+              </a:defRPr>
+            </a:lvl2pPr>
+            <a:lvl3pPr marL="1143000" indent="-228600" algn="l" defTabSz="914400" rtl="0" eaLnBrk="1" latinLnBrk="0" hangingPunct="1">
+              <a:lnSpc>
+                <a:spcPct val="90000"/>
+              </a:lnSpc>
+              <a:spcBef>
+                <a:spcPts val="500"/>
+              </a:spcBef>
+              <a:buFont typeface="Arial" panose="020B0604020202020204" pitchFamily="34" charset="0"/>
+              <a:buChar char="•"/>
+              <a:defRPr sz="2000" kern="1200">
+                <a:solidFill>
+                  <a:schemeClr val="tx1"/>
+                </a:solidFill>
+                <a:latin typeface="+mn-lt"/>
+                <a:ea typeface="+mn-ea"/>
+                <a:cs typeface="+mn-cs"/>
+              </a:defRPr>
+            </a:lvl3pPr>
+            <a:lvl4pPr marL="1600200" indent="-228600" algn="l" defTabSz="914400" rtl="0" eaLnBrk="1" latinLnBrk="0" hangingPunct="1">
+              <a:lnSpc>
+                <a:spcPct val="90000"/>
+              </a:lnSpc>
+              <a:spcBef>
+                <a:spcPts val="500"/>
+              </a:spcBef>
+              <a:buFont typeface="Arial" panose="020B0604020202020204" pitchFamily="34" charset="0"/>
+              <a:buChar char="•"/>
+              <a:defRPr sz="1800" kern="1200">
+                <a:solidFill>
+                  <a:schemeClr val="tx1"/>
+                </a:solidFill>
+                <a:latin typeface="+mn-lt"/>
+                <a:ea typeface="+mn-ea"/>
+                <a:cs typeface="+mn-cs"/>
+              </a:defRPr>
+            </a:lvl4pPr>
+            <a:lvl5pPr marL="2057400" indent="-228600" algn="l" defTabSz="914400" rtl="0" eaLnBrk="1" latinLnBrk="0" hangingPunct="1">
+              <a:lnSpc>
+                <a:spcPct val="90000"/>
+              </a:lnSpc>
+              <a:spcBef>
+                <a:spcPts val="500"/>
+              </a:spcBef>
+              <a:buFont typeface="Arial" panose="020B0604020202020204" pitchFamily="34" charset="0"/>
+              <a:buChar char="•"/>
+              <a:defRPr sz="1800" kern="1200">
+                <a:solidFill>
+                  <a:schemeClr val="tx1"/>
+                </a:solidFill>
+                <a:latin typeface="+mn-lt"/>
+                <a:ea typeface="+mn-ea"/>
+                <a:cs typeface="+mn-cs"/>
+              </a:defRPr>
+            </a:lvl5pPr>
+            <a:lvl6pPr marL="2514600" indent="-228600" algn="l" defTabSz="914400" rtl="0" eaLnBrk="1" latinLnBrk="0" hangingPunct="1">
+              <a:lnSpc>
+                <a:spcPct val="90000"/>
+              </a:lnSpc>
+              <a:spcBef>
+                <a:spcPts val="500"/>
+              </a:spcBef>
+              <a:buFont typeface="Arial" panose="020B0604020202020204" pitchFamily="34" charset="0"/>
+              <a:buChar char="•"/>
+              <a:defRPr sz="1800" kern="1200">
+                <a:solidFill>
+                  <a:schemeClr val="tx1"/>
+                </a:solidFill>
+                <a:latin typeface="+mn-lt"/>
+                <a:ea typeface="+mn-ea"/>
+                <a:cs typeface="+mn-cs"/>
+              </a:defRPr>
+            </a:lvl6pPr>
+            <a:lvl7pPr marL="2971800" indent="-228600" algn="l" defTabSz="914400" rtl="0" eaLnBrk="1" latinLnBrk="0" hangingPunct="1">
+              <a:lnSpc>
+                <a:spcPct val="90000"/>
+              </a:lnSpc>
+              <a:spcBef>
+                <a:spcPts val="500"/>
+              </a:spcBef>
+              <a:buFont typeface="Arial" panose="020B0604020202020204" pitchFamily="34" charset="0"/>
+              <a:buChar char="•"/>
+              <a:defRPr sz="1800" kern="1200">
+                <a:solidFill>
+                  <a:schemeClr val="tx1"/>
+                </a:solidFill>
+                <a:latin typeface="+mn-lt"/>
+                <a:ea typeface="+mn-ea"/>
+                <a:cs typeface="+mn-cs"/>
+              </a:defRPr>
+            </a:lvl7pPr>
+            <a:lvl8pPr marL="3429000" indent="-228600" algn="l" defTabSz="914400" rtl="0" eaLnBrk="1" latinLnBrk="0" hangingPunct="1">
+              <a:lnSpc>
+                <a:spcPct val="90000"/>
+              </a:lnSpc>
+              <a:spcBef>
+                <a:spcPts val="500"/>
+              </a:spcBef>
+              <a:buFont typeface="Arial" panose="020B0604020202020204" pitchFamily="34" charset="0"/>
+              <a:buChar char="•"/>
+              <a:defRPr sz="1800" kern="1200">
+                <a:solidFill>
+                  <a:schemeClr val="tx1"/>
+                </a:solidFill>
+                <a:latin typeface="+mn-lt"/>
+                <a:ea typeface="+mn-ea"/>
+                <a:cs typeface="+mn-cs"/>
+              </a:defRPr>
+            </a:lvl8pPr>
+            <a:lvl9pPr marL="3886200" indent="-228600" algn="l" defTabSz="914400" rtl="0" eaLnBrk="1" latinLnBrk="0" hangingPunct="1">
+              <a:lnSpc>
+                <a:spcPct val="90000"/>
+              </a:lnSpc>
+              <a:spcBef>
+                <a:spcPts val="500"/>
+              </a:spcBef>
+              <a:buFont typeface="Arial" panose="020B0604020202020204" pitchFamily="34" charset="0"/>
+              <a:buChar char="•"/>
+              <a:defRPr sz="1800" kern="1200">
+                <a:solidFill>
+                  <a:schemeClr val="tx1"/>
+                </a:solidFill>
+                <a:latin typeface="+mn-lt"/>
+                <a:ea typeface="+mn-ea"/>
+                <a:cs typeface="+mn-cs"/>
+              </a:defRPr>
+            </a:lvl9pPr>
+          </a:lstStyle>
+          <a:p>
+            <a:pPr marL="0" indent="0">
+              <a:lnSpc>
+                <a:spcPct val="100000"/>
+              </a:lnSpc>
+              <a:spcBef>
+                <a:spcPts val="0"/>
+              </a:spcBef>
+              <a:buFont typeface="Arial" panose="020B0604020202020204" pitchFamily="34" charset="0"/>
+              <a:buNone/>
+              <a:defRPr/>
+            </a:pPr>
+            <a:r>
+              <a:rPr lang="en-US" sz="1900" b="1" dirty="0">
+                <a:solidFill>
+                  <a:srgbClr val="2FA9FF"/>
+                </a:solidFill>
+                <a:latin typeface="Georgia" panose="02040502050405020303" pitchFamily="18" charset="0"/>
+              </a:rPr>
+              <a:t>continue Statement</a:t>
+            </a:r>
+          </a:p>
+          <a:p>
+            <a:pPr marL="0" indent="0">
+              <a:buFont typeface="Arial" panose="020B0604020202020204" pitchFamily="34" charset="0"/>
+              <a:buNone/>
+            </a:pPr>
+            <a:r>
+              <a:rPr lang="en-US" sz="1800" dirty="0">
+                <a:latin typeface="AGaramond-Regular" panose="02020500000000000000" pitchFamily="18" charset="0"/>
+              </a:rPr>
+              <a:t>The continue statement, when executed in a while, for or do…while statement, skips the remaining statements in that control statement’s body and performs the next iteration of the loop.</a:t>
+            </a:r>
+            <a:endParaRPr lang="en-US" sz="2000" dirty="0"/>
+          </a:p>
+        </p:txBody>
+      </p:sp>
+      <p:pic>
+        <p:nvPicPr>
+          <p:cNvPr id="15" name="Picture 14">
+            <a:extLst>
+              <a:ext uri="{FF2B5EF4-FFF2-40B4-BE49-F238E27FC236}">
+                <a16:creationId xmlns:a16="http://schemas.microsoft.com/office/drawing/2014/main" id="{BFC2CBFC-0688-E3D4-B301-14CC5512F2DC}"/>
+              </a:ext>
+            </a:extLst>
+          </p:cNvPr>
+          <p:cNvPicPr>
+            <a:picLocks noChangeAspect="1"/>
+          </p:cNvPicPr>
+          <p:nvPr/>
+        </p:nvPicPr>
+        <p:blipFill>
+          <a:blip r:embed="rId4"/>
+          <a:stretch>
+            <a:fillRect/>
+          </a:stretch>
+        </p:blipFill>
+        <p:spPr>
+          <a:xfrm>
+            <a:off x="6096000" y="2644589"/>
+            <a:ext cx="5870822" cy="3263437"/>
+          </a:xfrm>
+          <a:prstGeom prst="rect">
+            <a:avLst/>
+          </a:prstGeom>
+        </p:spPr>
+      </p:pic>
+      <p:pic>
+        <p:nvPicPr>
+          <p:cNvPr id="17" name="Picture 16">
+            <a:extLst>
+              <a:ext uri="{FF2B5EF4-FFF2-40B4-BE49-F238E27FC236}">
+                <a16:creationId xmlns:a16="http://schemas.microsoft.com/office/drawing/2014/main" id="{4D5F6D16-09FB-F4AB-6536-12505DA6B60C}"/>
+              </a:ext>
+            </a:extLst>
+          </p:cNvPr>
+          <p:cNvPicPr>
+            <a:picLocks noChangeAspect="1"/>
+          </p:cNvPicPr>
+          <p:nvPr/>
+        </p:nvPicPr>
+        <p:blipFill>
+          <a:blip r:embed="rId5"/>
+          <a:stretch>
+            <a:fillRect/>
+          </a:stretch>
+        </p:blipFill>
+        <p:spPr>
+          <a:xfrm>
+            <a:off x="6702539" y="5821794"/>
+            <a:ext cx="5129445" cy="671080"/>
+          </a:xfrm>
+          <a:prstGeom prst="rect">
+            <a:avLst/>
+          </a:prstGeom>
+        </p:spPr>
+      </p:pic>
+    </p:spTree>
+    <p:extLst>
+      <p:ext uri="{BB962C8B-B14F-4D97-AF65-F5344CB8AC3E}">
+        <p14:creationId xmlns:p14="http://schemas.microsoft.com/office/powerpoint/2010/main" val="3969264511"/>
+      </p:ext>
+    </p:extLst>
+  </p:cSld>
+  <p:clrMapOvr>
+    <a:masterClrMapping/>
+  </p:clrMapOvr>
+  <mc:AlternateContent xmlns:mc="http://schemas.openxmlformats.org/markup-compatibility/2006">
+    <mc:Choice xmlns:p159="http://schemas.microsoft.com/office/powerpoint/2015/09/main" Requires="p159">
+      <p:transition xmlns:p14="http://schemas.microsoft.com/office/powerpoint/2010/main" spd="slow" p14:dur="2000" advClick="0">
+        <p159:morph option="byObject"/>
+      </p:transition>
+    </mc:Choice>
+    <mc:Fallback>
+      <p:transition spd="slow" advClick="0">
+        <p:fade/>
+      </p:transition>
+    </mc:Fallback>
+  </mc:AlternateContent>
+</p:sld>
+</file>
+
+<file path=ppt/slides/slide33.xml><?xml version="1.0" encoding="utf-8"?>
+<p:sld xmlns:a="http://schemas.openxmlformats.org/drawingml/2006/main" xmlns:r="http://schemas.openxmlformats.org/officeDocument/2006/relationships" xmlns:p="http://schemas.openxmlformats.org/presentationml/2006/main">
+  <p:cSld>
+    <p:spTree>
+      <p:nvGrpSpPr>
+        <p:cNvPr id="1" name=""/>
+        <p:cNvGrpSpPr/>
+        <p:nvPr/>
+      </p:nvGrpSpPr>
+      <p:grpSpPr>
+        <a:xfrm>
+          <a:off x="0" y="0"/>
+          <a:ext cx="0" cy="0"/>
+          <a:chOff x="0" y="0"/>
+          <a:chExt cx="0" cy="0"/>
+        </a:xfrm>
+      </p:grpSpPr>
+      <p:pic>
+        <p:nvPicPr>
+          <p:cNvPr id="7" name="Picture 6">
+            <a:extLst>
+              <a:ext uri="{FF2B5EF4-FFF2-40B4-BE49-F238E27FC236}">
+                <a16:creationId xmlns:a16="http://schemas.microsoft.com/office/drawing/2014/main" id="{FF1A73AB-B555-DFB6-1ED5-8B95CE1F6724}"/>
+              </a:ext>
+            </a:extLst>
+          </p:cNvPr>
+          <p:cNvPicPr>
+            <a:picLocks noChangeAspect="1"/>
+          </p:cNvPicPr>
+          <p:nvPr/>
+        </p:nvPicPr>
+        <p:blipFill>
+          <a:blip r:embed="rId2"/>
+          <a:stretch>
+            <a:fillRect/>
+          </a:stretch>
+        </p:blipFill>
+        <p:spPr>
+          <a:xfrm>
+            <a:off x="753298" y="1512387"/>
+            <a:ext cx="4602458" cy="990664"/>
+          </a:xfrm>
+          <a:prstGeom prst="rect">
+            <a:avLst/>
+          </a:prstGeom>
+        </p:spPr>
+      </p:pic>
+      <p:sp>
+        <p:nvSpPr>
+          <p:cNvPr id="6" name="Title 1">
+            <a:extLst>
+              <a:ext uri="{FF2B5EF4-FFF2-40B4-BE49-F238E27FC236}">
+                <a16:creationId xmlns:a16="http://schemas.microsoft.com/office/drawing/2014/main" id="{190D3095-8030-4D63-B587-B30805D8C0AA}"/>
+              </a:ext>
+            </a:extLst>
+          </p:cNvPr>
+          <p:cNvSpPr>
+            <a:spLocks noGrp="1"/>
+          </p:cNvSpPr>
+          <p:nvPr>
+            <p:ph type="title"/>
+          </p:nvPr>
+        </p:nvSpPr>
+        <p:spPr>
+          <a:xfrm>
+            <a:off x="838200" y="365126"/>
+            <a:ext cx="10515600" cy="773562"/>
+          </a:xfrm>
+        </p:spPr>
+        <p:txBody>
+          <a:bodyPr>
+            <a:normAutofit/>
+          </a:bodyPr>
+          <a:lstStyle/>
+          <a:p>
+            <a:r>
+              <a:rPr lang="en-US" sz="4400" b="1" i="0" u="none" strike="noStrike" baseline="0" dirty="0">
+                <a:solidFill>
+                  <a:srgbClr val="A245C7"/>
+                </a:solidFill>
+                <a:latin typeface="GoudySans-Bold"/>
+              </a:rPr>
+              <a:t>4.9</a:t>
+            </a:r>
+            <a:r>
+              <a:rPr lang="en-US" sz="4400" b="1" i="0" u="none" strike="noStrike" baseline="0" dirty="0">
+                <a:solidFill>
+                  <a:srgbClr val="5200FF"/>
+                </a:solidFill>
+                <a:latin typeface="GoudySans-Bold"/>
+              </a:rPr>
+              <a:t> </a:t>
+            </a:r>
+            <a:r>
+              <a:rPr lang="en-US" b="1" dirty="0">
+                <a:solidFill>
+                  <a:srgbClr val="FF0A44"/>
+                </a:solidFill>
+                <a:latin typeface="GoudySans-Bold"/>
+              </a:rPr>
+              <a:t>Logical Operators</a:t>
+            </a:r>
+            <a:endParaRPr lang="en-US" dirty="0"/>
+          </a:p>
+        </p:txBody>
+      </p:sp>
+      <p:sp>
+        <p:nvSpPr>
+          <p:cNvPr id="3" name="Content Placeholder 2">
+            <a:extLst>
+              <a:ext uri="{FF2B5EF4-FFF2-40B4-BE49-F238E27FC236}">
+                <a16:creationId xmlns:a16="http://schemas.microsoft.com/office/drawing/2014/main" id="{E81E1C12-EABB-9F58-304C-4ACD10015F12}"/>
+              </a:ext>
+            </a:extLst>
+          </p:cNvPr>
+          <p:cNvSpPr>
+            <a:spLocks noGrp="1"/>
+          </p:cNvSpPr>
+          <p:nvPr>
+            <p:ph idx="1"/>
+          </p:nvPr>
+        </p:nvSpPr>
+        <p:spPr>
+          <a:xfrm>
+            <a:off x="838200" y="1253331"/>
+            <a:ext cx="5098858" cy="4351338"/>
+          </a:xfrm>
+        </p:spPr>
+        <p:txBody>
+          <a:bodyPr>
+            <a:normAutofit/>
+          </a:bodyPr>
+          <a:lstStyle/>
+          <a:p>
+            <a:pPr marL="0" indent="0">
+              <a:buNone/>
+            </a:pPr>
+            <a:r>
+              <a:rPr lang="en-US" sz="2000" b="1" dirty="0">
+                <a:solidFill>
+                  <a:srgbClr val="2FA9FF"/>
+                </a:solidFill>
+                <a:latin typeface="Georgia" panose="02040502050405020303" pitchFamily="18" charset="0"/>
+              </a:rPr>
+              <a:t>Logical AND (&amp;&amp;) Operator</a:t>
+            </a:r>
+          </a:p>
+          <a:p>
+            <a:pPr marL="0" indent="0">
+              <a:buNone/>
+            </a:pPr>
+            <a:endParaRPr lang="en-US" sz="2000" b="1" dirty="0">
+              <a:solidFill>
+                <a:srgbClr val="2FA9FF"/>
+              </a:solidFill>
+              <a:latin typeface="Georgia" panose="02040502050405020303" pitchFamily="18" charset="0"/>
+            </a:endParaRPr>
+          </a:p>
+          <a:p>
+            <a:pPr marL="0" indent="0">
+              <a:buNone/>
+            </a:pPr>
+            <a:endParaRPr lang="en-US" sz="2000" b="1" dirty="0">
+              <a:solidFill>
+                <a:srgbClr val="2FA9FF"/>
+              </a:solidFill>
+              <a:latin typeface="Georgia" panose="02040502050405020303" pitchFamily="18" charset="0"/>
+            </a:endParaRPr>
+          </a:p>
+          <a:p>
+            <a:pPr marL="0" indent="0">
+              <a:buNone/>
+            </a:pPr>
+            <a:endParaRPr lang="en-US" sz="2000" b="1" dirty="0">
+              <a:solidFill>
+                <a:srgbClr val="2FA9FF"/>
+              </a:solidFill>
+              <a:latin typeface="Georgia" panose="02040502050405020303" pitchFamily="18" charset="0"/>
+            </a:endParaRPr>
+          </a:p>
+          <a:p>
+            <a:pPr marL="0" indent="0">
+              <a:buNone/>
+            </a:pPr>
+            <a:endParaRPr lang="en-US" sz="2000" b="1" dirty="0">
+              <a:solidFill>
+                <a:srgbClr val="2FA9FF"/>
+              </a:solidFill>
+              <a:latin typeface="Georgia" panose="02040502050405020303" pitchFamily="18" charset="0"/>
+            </a:endParaRPr>
+          </a:p>
+          <a:p>
+            <a:pPr marL="0" indent="0">
+              <a:buNone/>
+            </a:pPr>
+            <a:endParaRPr lang="en-US" sz="2000" b="1" dirty="0">
+              <a:solidFill>
+                <a:srgbClr val="2FA9FF"/>
+              </a:solidFill>
+              <a:latin typeface="Georgia" panose="02040502050405020303" pitchFamily="18" charset="0"/>
+            </a:endParaRPr>
+          </a:p>
+          <a:p>
+            <a:pPr marL="0" indent="0">
+              <a:buNone/>
+            </a:pPr>
+            <a:endParaRPr lang="en-US" sz="2000" b="1" dirty="0">
+              <a:solidFill>
+                <a:srgbClr val="2FA9FF"/>
+              </a:solidFill>
+              <a:latin typeface="Georgia" panose="02040502050405020303" pitchFamily="18" charset="0"/>
+            </a:endParaRPr>
+          </a:p>
+          <a:p>
+            <a:pPr marL="0" indent="0">
+              <a:buNone/>
+            </a:pPr>
+            <a:endParaRPr lang="en-US" sz="2000" b="1" dirty="0">
+              <a:solidFill>
+                <a:srgbClr val="2FA9FF"/>
+              </a:solidFill>
+              <a:latin typeface="Georgia" panose="02040502050405020303" pitchFamily="18" charset="0"/>
+            </a:endParaRPr>
+          </a:p>
+          <a:p>
+            <a:pPr marL="0" indent="0">
+              <a:buNone/>
+            </a:pPr>
+            <a:endParaRPr lang="en-US" sz="2000" b="1" dirty="0">
+              <a:solidFill>
+                <a:srgbClr val="2FA9FF"/>
+              </a:solidFill>
+              <a:latin typeface="Georgia" panose="02040502050405020303" pitchFamily="18" charset="0"/>
+            </a:endParaRPr>
+          </a:p>
+          <a:p>
+            <a:pPr marL="0" indent="0">
+              <a:buNone/>
+            </a:pPr>
+            <a:r>
+              <a:rPr lang="en-US" sz="2000" b="1" dirty="0">
+                <a:solidFill>
+                  <a:srgbClr val="2FA9FF"/>
+                </a:solidFill>
+                <a:latin typeface="Georgia" panose="02040502050405020303" pitchFamily="18" charset="0"/>
+              </a:rPr>
+              <a:t>Logical Negation (!) Operator</a:t>
+            </a:r>
+          </a:p>
+        </p:txBody>
+      </p:sp>
+      <p:pic>
+        <p:nvPicPr>
+          <p:cNvPr id="11" name="Picture 10">
+            <a:extLst>
+              <a:ext uri="{FF2B5EF4-FFF2-40B4-BE49-F238E27FC236}">
+                <a16:creationId xmlns:a16="http://schemas.microsoft.com/office/drawing/2014/main" id="{4ADD2DC4-037A-8970-33C3-F6CE15216998}"/>
+              </a:ext>
+            </a:extLst>
+          </p:cNvPr>
+          <p:cNvPicPr>
+            <a:picLocks noChangeAspect="1"/>
+          </p:cNvPicPr>
+          <p:nvPr/>
+        </p:nvPicPr>
+        <p:blipFill>
+          <a:blip r:embed="rId3"/>
+          <a:stretch>
+            <a:fillRect/>
+          </a:stretch>
+        </p:blipFill>
+        <p:spPr>
+          <a:xfrm>
+            <a:off x="972871" y="2617694"/>
+            <a:ext cx="4706007" cy="2048161"/>
+          </a:xfrm>
+          <a:prstGeom prst="rect">
+            <a:avLst/>
+          </a:prstGeom>
+        </p:spPr>
+      </p:pic>
+      <p:sp>
+        <p:nvSpPr>
+          <p:cNvPr id="12" name="Content Placeholder 2">
+            <a:extLst>
+              <a:ext uri="{FF2B5EF4-FFF2-40B4-BE49-F238E27FC236}">
+                <a16:creationId xmlns:a16="http://schemas.microsoft.com/office/drawing/2014/main" id="{9603C1FB-4220-C6C4-5844-048F9B8FA89B}"/>
+              </a:ext>
+            </a:extLst>
+          </p:cNvPr>
+          <p:cNvSpPr txBox="1">
+            <a:spLocks/>
+          </p:cNvSpPr>
+          <p:nvPr/>
+        </p:nvSpPr>
+        <p:spPr>
+          <a:xfrm>
+            <a:off x="6096000" y="1197444"/>
+            <a:ext cx="6109447" cy="3607644"/>
+          </a:xfrm>
+          <a:prstGeom prst="rect">
+            <a:avLst/>
+          </a:prstGeom>
+        </p:spPr>
+        <p:txBody>
+          <a:bodyPr vert="horz" lIns="91440" tIns="45720" rIns="91440" bIns="45720" rtlCol="0">
+            <a:normAutofit/>
+          </a:bodyPr>
+          <a:lstStyle>
+            <a:lvl1pPr marL="228600" indent="-228600" algn="l" defTabSz="914400" rtl="0" eaLnBrk="1" latinLnBrk="0" hangingPunct="1">
+              <a:lnSpc>
+                <a:spcPct val="90000"/>
+              </a:lnSpc>
+              <a:spcBef>
+                <a:spcPts val="1000"/>
+              </a:spcBef>
+              <a:buFont typeface="Arial" panose="020B0604020202020204" pitchFamily="34" charset="0"/>
+              <a:buChar char="•"/>
+              <a:defRPr sz="2800" kern="1200">
+                <a:solidFill>
+                  <a:schemeClr val="tx1"/>
+                </a:solidFill>
+                <a:latin typeface="+mn-lt"/>
+                <a:ea typeface="+mn-ea"/>
+                <a:cs typeface="+mn-cs"/>
+              </a:defRPr>
+            </a:lvl1pPr>
+            <a:lvl2pPr marL="685800" indent="-228600" algn="l" defTabSz="914400" rtl="0" eaLnBrk="1" latinLnBrk="0" hangingPunct="1">
+              <a:lnSpc>
+                <a:spcPct val="90000"/>
+              </a:lnSpc>
+              <a:spcBef>
+                <a:spcPts val="500"/>
+              </a:spcBef>
+              <a:buFont typeface="Arial" panose="020B0604020202020204" pitchFamily="34" charset="0"/>
+              <a:buChar char="•"/>
+              <a:defRPr sz="2400" kern="1200">
+                <a:solidFill>
+                  <a:schemeClr val="tx1"/>
+                </a:solidFill>
+                <a:latin typeface="+mn-lt"/>
+                <a:ea typeface="+mn-ea"/>
+                <a:cs typeface="+mn-cs"/>
+              </a:defRPr>
+            </a:lvl2pPr>
+            <a:lvl3pPr marL="1143000" indent="-228600" algn="l" defTabSz="914400" rtl="0" eaLnBrk="1" latinLnBrk="0" hangingPunct="1">
+              <a:lnSpc>
+                <a:spcPct val="90000"/>
+              </a:lnSpc>
+              <a:spcBef>
+                <a:spcPts val="500"/>
+              </a:spcBef>
+              <a:buFont typeface="Arial" panose="020B0604020202020204" pitchFamily="34" charset="0"/>
+              <a:buChar char="•"/>
+              <a:defRPr sz="2000" kern="1200">
+                <a:solidFill>
+                  <a:schemeClr val="tx1"/>
+                </a:solidFill>
+                <a:latin typeface="+mn-lt"/>
+                <a:ea typeface="+mn-ea"/>
+                <a:cs typeface="+mn-cs"/>
+              </a:defRPr>
+            </a:lvl3pPr>
+            <a:lvl4pPr marL="1600200" indent="-228600" algn="l" defTabSz="914400" rtl="0" eaLnBrk="1" latinLnBrk="0" hangingPunct="1">
+              <a:lnSpc>
+                <a:spcPct val="90000"/>
+              </a:lnSpc>
+              <a:spcBef>
+                <a:spcPts val="500"/>
+              </a:spcBef>
+              <a:buFont typeface="Arial" panose="020B0604020202020204" pitchFamily="34" charset="0"/>
+              <a:buChar char="•"/>
+              <a:defRPr sz="1800" kern="1200">
+                <a:solidFill>
+                  <a:schemeClr val="tx1"/>
+                </a:solidFill>
+                <a:latin typeface="+mn-lt"/>
+                <a:ea typeface="+mn-ea"/>
+                <a:cs typeface="+mn-cs"/>
+              </a:defRPr>
+            </a:lvl4pPr>
+            <a:lvl5pPr marL="2057400" indent="-228600" algn="l" defTabSz="914400" rtl="0" eaLnBrk="1" latinLnBrk="0" hangingPunct="1">
+              <a:lnSpc>
+                <a:spcPct val="90000"/>
+              </a:lnSpc>
+              <a:spcBef>
+                <a:spcPts val="500"/>
+              </a:spcBef>
+              <a:buFont typeface="Arial" panose="020B0604020202020204" pitchFamily="34" charset="0"/>
+              <a:buChar char="•"/>
+              <a:defRPr sz="1800" kern="1200">
+                <a:solidFill>
+                  <a:schemeClr val="tx1"/>
+                </a:solidFill>
+                <a:latin typeface="+mn-lt"/>
+                <a:ea typeface="+mn-ea"/>
+                <a:cs typeface="+mn-cs"/>
+              </a:defRPr>
+            </a:lvl5pPr>
+            <a:lvl6pPr marL="2514600" indent="-228600" algn="l" defTabSz="914400" rtl="0" eaLnBrk="1" latinLnBrk="0" hangingPunct="1">
+              <a:lnSpc>
+                <a:spcPct val="90000"/>
+              </a:lnSpc>
+              <a:spcBef>
+                <a:spcPts val="500"/>
+              </a:spcBef>
+              <a:buFont typeface="Arial" panose="020B0604020202020204" pitchFamily="34" charset="0"/>
+              <a:buChar char="•"/>
+              <a:defRPr sz="1800" kern="1200">
+                <a:solidFill>
+                  <a:schemeClr val="tx1"/>
+                </a:solidFill>
+                <a:latin typeface="+mn-lt"/>
+                <a:ea typeface="+mn-ea"/>
+                <a:cs typeface="+mn-cs"/>
+              </a:defRPr>
+            </a:lvl6pPr>
+            <a:lvl7pPr marL="2971800" indent="-228600" algn="l" defTabSz="914400" rtl="0" eaLnBrk="1" latinLnBrk="0" hangingPunct="1">
+              <a:lnSpc>
+                <a:spcPct val="90000"/>
+              </a:lnSpc>
+              <a:spcBef>
+                <a:spcPts val="500"/>
+              </a:spcBef>
+              <a:buFont typeface="Arial" panose="020B0604020202020204" pitchFamily="34" charset="0"/>
+              <a:buChar char="•"/>
+              <a:defRPr sz="1800" kern="1200">
+                <a:solidFill>
+                  <a:schemeClr val="tx1"/>
+                </a:solidFill>
+                <a:latin typeface="+mn-lt"/>
+                <a:ea typeface="+mn-ea"/>
+                <a:cs typeface="+mn-cs"/>
+              </a:defRPr>
+            </a:lvl7pPr>
+            <a:lvl8pPr marL="3429000" indent="-228600" algn="l" defTabSz="914400" rtl="0" eaLnBrk="1" latinLnBrk="0" hangingPunct="1">
+              <a:lnSpc>
+                <a:spcPct val="90000"/>
+              </a:lnSpc>
+              <a:spcBef>
+                <a:spcPts val="500"/>
+              </a:spcBef>
+              <a:buFont typeface="Arial" panose="020B0604020202020204" pitchFamily="34" charset="0"/>
+              <a:buChar char="•"/>
+              <a:defRPr sz="1800" kern="1200">
+                <a:solidFill>
+                  <a:schemeClr val="tx1"/>
+                </a:solidFill>
+                <a:latin typeface="+mn-lt"/>
+                <a:ea typeface="+mn-ea"/>
+                <a:cs typeface="+mn-cs"/>
+              </a:defRPr>
+            </a:lvl8pPr>
+            <a:lvl9pPr marL="3886200" indent="-228600" algn="l" defTabSz="914400" rtl="0" eaLnBrk="1" latinLnBrk="0" hangingPunct="1">
+              <a:lnSpc>
+                <a:spcPct val="90000"/>
+              </a:lnSpc>
+              <a:spcBef>
+                <a:spcPts val="500"/>
+              </a:spcBef>
+              <a:buFont typeface="Arial" panose="020B0604020202020204" pitchFamily="34" charset="0"/>
+              <a:buChar char="•"/>
+              <a:defRPr sz="1800" kern="1200">
+                <a:solidFill>
+                  <a:schemeClr val="tx1"/>
+                </a:solidFill>
+                <a:latin typeface="+mn-lt"/>
+                <a:ea typeface="+mn-ea"/>
+                <a:cs typeface="+mn-cs"/>
+              </a:defRPr>
+            </a:lvl9pPr>
+          </a:lstStyle>
+          <a:p>
+            <a:pPr marL="0" indent="0">
+              <a:buFont typeface="Arial" panose="020B0604020202020204" pitchFamily="34" charset="0"/>
+              <a:buNone/>
+            </a:pPr>
+            <a:r>
+              <a:rPr lang="en-US" sz="2000" b="1" dirty="0">
+                <a:solidFill>
+                  <a:srgbClr val="2FA9FF"/>
+                </a:solidFill>
+                <a:latin typeface="Georgia" panose="02040502050405020303" pitchFamily="18" charset="0"/>
+              </a:rPr>
+              <a:t>Logical OR (||) Operator</a:t>
+            </a:r>
+          </a:p>
+        </p:txBody>
+      </p:sp>
+      <p:pic>
+        <p:nvPicPr>
+          <p:cNvPr id="14" name="Picture 13">
+            <a:extLst>
+              <a:ext uri="{FF2B5EF4-FFF2-40B4-BE49-F238E27FC236}">
+                <a16:creationId xmlns:a16="http://schemas.microsoft.com/office/drawing/2014/main" id="{8BCE8C6F-370E-CF02-62AE-0A4A7EC417B3}"/>
+              </a:ext>
+            </a:extLst>
+          </p:cNvPr>
+          <p:cNvPicPr>
+            <a:picLocks noChangeAspect="1"/>
+          </p:cNvPicPr>
+          <p:nvPr/>
+        </p:nvPicPr>
+        <p:blipFill>
+          <a:blip r:embed="rId4"/>
+          <a:stretch>
+            <a:fillRect/>
+          </a:stretch>
+        </p:blipFill>
+        <p:spPr>
+          <a:xfrm>
+            <a:off x="6160959" y="1604242"/>
+            <a:ext cx="5820587" cy="733527"/>
+          </a:xfrm>
+          <a:prstGeom prst="rect">
+            <a:avLst/>
+          </a:prstGeom>
+        </p:spPr>
+      </p:pic>
+      <p:pic>
+        <p:nvPicPr>
+          <p:cNvPr id="16" name="Picture 15">
+            <a:extLst>
+              <a:ext uri="{FF2B5EF4-FFF2-40B4-BE49-F238E27FC236}">
+                <a16:creationId xmlns:a16="http://schemas.microsoft.com/office/drawing/2014/main" id="{291A86CE-A380-1710-A4BB-2BF8C647DF90}"/>
+              </a:ext>
+            </a:extLst>
+          </p:cNvPr>
+          <p:cNvPicPr>
+            <a:picLocks noChangeAspect="1"/>
+          </p:cNvPicPr>
+          <p:nvPr/>
+        </p:nvPicPr>
+        <p:blipFill>
+          <a:blip r:embed="rId5"/>
+          <a:stretch>
+            <a:fillRect/>
+          </a:stretch>
+        </p:blipFill>
+        <p:spPr>
+          <a:xfrm>
+            <a:off x="6277501" y="2411512"/>
+            <a:ext cx="4925112" cy="2200582"/>
+          </a:xfrm>
+          <a:prstGeom prst="rect">
+            <a:avLst/>
+          </a:prstGeom>
+        </p:spPr>
+      </p:pic>
+      <p:pic>
+        <p:nvPicPr>
+          <p:cNvPr id="18" name="Picture 17">
+            <a:extLst>
+              <a:ext uri="{FF2B5EF4-FFF2-40B4-BE49-F238E27FC236}">
+                <a16:creationId xmlns:a16="http://schemas.microsoft.com/office/drawing/2014/main" id="{4C151CA2-1751-73B6-4B07-85B8F44E8526}"/>
+              </a:ext>
+            </a:extLst>
+          </p:cNvPr>
+          <p:cNvPicPr>
+            <a:picLocks noChangeAspect="1"/>
+          </p:cNvPicPr>
+          <p:nvPr/>
+        </p:nvPicPr>
+        <p:blipFill>
+          <a:blip r:embed="rId6"/>
+          <a:stretch>
+            <a:fillRect/>
+          </a:stretch>
+        </p:blipFill>
+        <p:spPr>
+          <a:xfrm>
+            <a:off x="838200" y="5328732"/>
+            <a:ext cx="5725324" cy="781159"/>
+          </a:xfrm>
+          <a:prstGeom prst="rect">
+            <a:avLst/>
+          </a:prstGeom>
+        </p:spPr>
+      </p:pic>
+      <p:pic>
+        <p:nvPicPr>
+          <p:cNvPr id="20" name="Picture 19">
+            <a:extLst>
+              <a:ext uri="{FF2B5EF4-FFF2-40B4-BE49-F238E27FC236}">
+                <a16:creationId xmlns:a16="http://schemas.microsoft.com/office/drawing/2014/main" id="{273F193A-7A4F-2272-1E92-49BD4A55E1C1}"/>
+              </a:ext>
+            </a:extLst>
+          </p:cNvPr>
+          <p:cNvPicPr>
+            <a:picLocks noChangeAspect="1"/>
+          </p:cNvPicPr>
+          <p:nvPr/>
+        </p:nvPicPr>
+        <p:blipFill>
+          <a:blip r:embed="rId7"/>
+          <a:srcRect r="37561"/>
+          <a:stretch/>
+        </p:blipFill>
+        <p:spPr>
+          <a:xfrm>
+            <a:off x="7010693" y="4925391"/>
+            <a:ext cx="3200107" cy="1333686"/>
+          </a:xfrm>
+          <a:prstGeom prst="rect">
+            <a:avLst/>
+          </a:prstGeom>
+        </p:spPr>
+      </p:pic>
+    </p:spTree>
+    <p:extLst>
+      <p:ext uri="{BB962C8B-B14F-4D97-AF65-F5344CB8AC3E}">
+        <p14:creationId xmlns:p14="http://schemas.microsoft.com/office/powerpoint/2010/main" val="1393930469"/>
+      </p:ext>
+    </p:extLst>
+  </p:cSld>
+  <p:clrMapOvr>
+    <a:masterClrMapping/>
+  </p:clrMapOvr>
+  <mc:AlternateContent xmlns:mc="http://schemas.openxmlformats.org/markup-compatibility/2006" xmlns:p159="http://schemas.microsoft.com/office/powerpoint/2015/09/main">
+    <mc:Choice Requires="p159">
+      <p:transition xmlns:p14="http://schemas.microsoft.com/office/powerpoint/2010/main" spd="slow" p14:dur="2000" advClick="0">
+        <p159:morph option="byObject"/>
+      </p:transition>
+    </mc:Choice>
+    <mc:Fallback xmlns="">
+      <p:transition spd="slow" advClick="0">
+        <p:fade/>
+      </p:transition>
+    </mc:Fallback>
+  </mc:AlternateContent>
+  <p:timing>
+    <p:tnLst>
+      <p:par>
+        <p:cTn id="1" dur="indefinite" restart="never" nodeType="tmRoot">
+          <p:childTnLst>
+            <p:seq concurrent="1" nextAc="seek">
+              <p:cTn id="2" dur="indefinite" nodeType="mainSeq">
+                <p:childTnLst>
+                  <p:par>
+                    <p:cTn id="3" fill="hold">
+                      <p:stCondLst>
+                        <p:cond delay="indefinite"/>
+                      </p:stCondLst>
+                      <p:childTnLst>
+                        <p:par>
+                          <p:cTn id="4" fill="hold">
+                            <p:stCondLst>
+                              <p:cond delay="0"/>
+                            </p:stCondLst>
+                            <p:childTnLst>
+                              <p:par>
+                                <p:cTn id="5" presetID="2" presetClass="entr" presetSubtype="4" fill="hold" nodeType="clickEffect">
+                                  <p:stCondLst>
+                                    <p:cond delay="0"/>
+                                  </p:stCondLst>
+                                  <p:childTnLst>
+                                    <p:set>
+                                      <p:cBhvr>
+                                        <p:cTn id="6" dur="1" fill="hold">
+                                          <p:stCondLst>
+                                            <p:cond delay="0"/>
+                                          </p:stCondLst>
+                                        </p:cTn>
+                                        <p:tgtEl>
+                                          <p:spTgt spid="3">
+                                            <p:txEl>
+                                              <p:pRg st="0" end="0"/>
+                                            </p:txEl>
+                                          </p:spTgt>
+                                        </p:tgtEl>
+                                        <p:attrNameLst>
+                                          <p:attrName>style.visibility</p:attrName>
+                                        </p:attrNameLst>
+                                      </p:cBhvr>
+                                      <p:to>
+                                        <p:strVal val="visible"/>
+                                      </p:to>
+                                    </p:set>
+                                    <p:anim calcmode="lin" valueType="num">
+                                      <p:cBhvr additive="base">
+                                        <p:cTn id="7" dur="500" fill="hold"/>
+                                        <p:tgtEl>
+                                          <p:spTgt spid="3">
+                                            <p:txEl>
+                                              <p:pRg st="0" end="0"/>
+                                            </p:txEl>
+                                          </p:spTgt>
+                                        </p:tgtEl>
+                                        <p:attrNameLst>
+                                          <p:attrName>ppt_x</p:attrName>
+                                        </p:attrNameLst>
+                                      </p:cBhvr>
+                                      <p:tavLst>
+                                        <p:tav tm="0">
+                                          <p:val>
+                                            <p:strVal val="#ppt_x"/>
+                                          </p:val>
+                                        </p:tav>
+                                        <p:tav tm="100000">
+                                          <p:val>
+                                            <p:strVal val="#ppt_x"/>
+                                          </p:val>
+                                        </p:tav>
+                                      </p:tavLst>
+                                    </p:anim>
+                                    <p:anim calcmode="lin" valueType="num">
+                                      <p:cBhvr additive="base">
+                                        <p:cTn id="8" dur="500" fill="hold"/>
+                                        <p:tgtEl>
+                                          <p:spTgt spid="3">
+                                            <p:txEl>
+                                              <p:pRg st="0" end="0"/>
+                                            </p:txEl>
+                                          </p:spTgt>
+                                        </p:tgtEl>
+                                        <p:attrNameLst>
+                                          <p:attrName>ppt_y</p:attrName>
+                                        </p:attrNameLst>
+                                      </p:cBhvr>
+                                      <p:tavLst>
+                                        <p:tav tm="0">
+                                          <p:val>
+                                            <p:strVal val="1+#ppt_h/2"/>
+                                          </p:val>
+                                        </p:tav>
+                                        <p:tav tm="100000">
+                                          <p:val>
+                                            <p:strVal val="#ppt_y"/>
+                                          </p:val>
+                                        </p:tav>
+                                      </p:tavLst>
+                                    </p:anim>
+                                  </p:childTnLst>
+                                </p:cTn>
+                              </p:par>
+                            </p:childTnLst>
+                          </p:cTn>
+                        </p:par>
+                      </p:childTnLst>
+                    </p:cTn>
+                  </p:par>
+                  <p:par>
+                    <p:cTn id="9" fill="hold">
+                      <p:stCondLst>
+                        <p:cond delay="indefinite"/>
+                      </p:stCondLst>
+                      <p:childTnLst>
+                        <p:par>
+                          <p:cTn id="10" fill="hold">
+                            <p:stCondLst>
+                              <p:cond delay="0"/>
+                            </p:stCondLst>
+                            <p:childTnLst>
+                              <p:par>
+                                <p:cTn id="11" presetID="2" presetClass="entr" presetSubtype="4" fill="hold" nodeType="clickEffect">
+                                  <p:stCondLst>
+                                    <p:cond delay="0"/>
+                                  </p:stCondLst>
+                                  <p:childTnLst>
+                                    <p:set>
+                                      <p:cBhvr>
+                                        <p:cTn id="12" dur="1" fill="hold">
+                                          <p:stCondLst>
+                                            <p:cond delay="0"/>
+                                          </p:stCondLst>
+                                        </p:cTn>
+                                        <p:tgtEl>
+                                          <p:spTgt spid="7"/>
+                                        </p:tgtEl>
+                                        <p:attrNameLst>
+                                          <p:attrName>style.visibility</p:attrName>
+                                        </p:attrNameLst>
+                                      </p:cBhvr>
+                                      <p:to>
+                                        <p:strVal val="visible"/>
+                                      </p:to>
+                                    </p:set>
+                                    <p:anim calcmode="lin" valueType="num">
+                                      <p:cBhvr additive="base">
+                                        <p:cTn id="13" dur="500" fill="hold"/>
+                                        <p:tgtEl>
+                                          <p:spTgt spid="7"/>
+                                        </p:tgtEl>
+                                        <p:attrNameLst>
+                                          <p:attrName>ppt_x</p:attrName>
+                                        </p:attrNameLst>
+                                      </p:cBhvr>
+                                      <p:tavLst>
+                                        <p:tav tm="0">
+                                          <p:val>
+                                            <p:strVal val="#ppt_x"/>
+                                          </p:val>
+                                        </p:tav>
+                                        <p:tav tm="100000">
+                                          <p:val>
+                                            <p:strVal val="#ppt_x"/>
+                                          </p:val>
+                                        </p:tav>
+                                      </p:tavLst>
+                                    </p:anim>
+                                    <p:anim calcmode="lin" valueType="num">
+                                      <p:cBhvr additive="base">
+                                        <p:cTn id="14" dur="500" fill="hold"/>
+                                        <p:tgtEl>
+                                          <p:spTgt spid="7"/>
+                                        </p:tgtEl>
+                                        <p:attrNameLst>
+                                          <p:attrName>ppt_y</p:attrName>
+                                        </p:attrNameLst>
+                                      </p:cBhvr>
+                                      <p:tavLst>
+                                        <p:tav tm="0">
+                                          <p:val>
+                                            <p:strVal val="1+#ppt_h/2"/>
+                                          </p:val>
+                                        </p:tav>
+                                        <p:tav tm="100000">
+                                          <p:val>
+                                            <p:strVal val="#ppt_y"/>
+                                          </p:val>
+                                        </p:tav>
+                                      </p:tavLst>
+                                    </p:anim>
+                                  </p:childTnLst>
+                                </p:cTn>
+                              </p:par>
+                            </p:childTnLst>
+                          </p:cTn>
+                        </p:par>
+                      </p:childTnLst>
+                    </p:cTn>
+                  </p:par>
+                  <p:par>
+                    <p:cTn id="15" fill="hold">
+                      <p:stCondLst>
+                        <p:cond delay="indefinite"/>
+                      </p:stCondLst>
+                      <p:childTnLst>
+                        <p:par>
+                          <p:cTn id="16" fill="hold">
+                            <p:stCondLst>
+                              <p:cond delay="0"/>
+                            </p:stCondLst>
+                            <p:childTnLst>
+                              <p:par>
+                                <p:cTn id="17" presetID="2" presetClass="entr" presetSubtype="4" fill="hold" nodeType="clickEffect">
+                                  <p:stCondLst>
+                                    <p:cond delay="0"/>
+                                  </p:stCondLst>
+                                  <p:childTnLst>
+                                    <p:set>
+                                      <p:cBhvr>
+                                        <p:cTn id="18" dur="1" fill="hold">
+                                          <p:stCondLst>
+                                            <p:cond delay="0"/>
+                                          </p:stCondLst>
+                                        </p:cTn>
+                                        <p:tgtEl>
+                                          <p:spTgt spid="11"/>
+                                        </p:tgtEl>
+                                        <p:attrNameLst>
+                                          <p:attrName>style.visibility</p:attrName>
+                                        </p:attrNameLst>
+                                      </p:cBhvr>
+                                      <p:to>
+                                        <p:strVal val="visible"/>
+                                      </p:to>
+                                    </p:set>
+                                    <p:anim calcmode="lin" valueType="num">
+                                      <p:cBhvr additive="base">
+                                        <p:cTn id="19" dur="500" fill="hold"/>
+                                        <p:tgtEl>
+                                          <p:spTgt spid="11"/>
+                                        </p:tgtEl>
+                                        <p:attrNameLst>
+                                          <p:attrName>ppt_x</p:attrName>
+                                        </p:attrNameLst>
+                                      </p:cBhvr>
+                                      <p:tavLst>
+                                        <p:tav tm="0">
+                                          <p:val>
+                                            <p:strVal val="#ppt_x"/>
+                                          </p:val>
+                                        </p:tav>
+                                        <p:tav tm="100000">
+                                          <p:val>
+                                            <p:strVal val="#ppt_x"/>
+                                          </p:val>
+                                        </p:tav>
+                                      </p:tavLst>
+                                    </p:anim>
+                                    <p:anim calcmode="lin" valueType="num">
+                                      <p:cBhvr additive="base">
+                                        <p:cTn id="20" dur="500" fill="hold"/>
+                                        <p:tgtEl>
+                                          <p:spTgt spid="11"/>
+                                        </p:tgtEl>
+                                        <p:attrNameLst>
+                                          <p:attrName>ppt_y</p:attrName>
+                                        </p:attrNameLst>
+                                      </p:cBhvr>
+                                      <p:tavLst>
+                                        <p:tav tm="0">
+                                          <p:val>
+                                            <p:strVal val="1+#ppt_h/2"/>
+                                          </p:val>
+                                        </p:tav>
+                                        <p:tav tm="100000">
+                                          <p:val>
+                                            <p:strVal val="#ppt_y"/>
+                                          </p:val>
+                                        </p:tav>
+                                      </p:tavLst>
+                                    </p:anim>
+                                  </p:childTnLst>
+                                </p:cTn>
+                              </p:par>
+                            </p:childTnLst>
+                          </p:cTn>
+                        </p:par>
+                      </p:childTnLst>
+                    </p:cTn>
+                  </p:par>
+                  <p:par>
+                    <p:cTn id="21" fill="hold">
+                      <p:stCondLst>
+                        <p:cond delay="indefinite"/>
+                      </p:stCondLst>
+                      <p:childTnLst>
+                        <p:par>
+                          <p:cTn id="22" fill="hold">
+                            <p:stCondLst>
+                              <p:cond delay="0"/>
+                            </p:stCondLst>
+                            <p:childTnLst>
+                              <p:par>
+                                <p:cTn id="23" presetID="2" presetClass="entr" presetSubtype="2" fill="hold" nodeType="clickEffect">
+                                  <p:stCondLst>
+                                    <p:cond delay="0"/>
+                                  </p:stCondLst>
+                                  <p:childTnLst>
+                                    <p:set>
+                                      <p:cBhvr>
+                                        <p:cTn id="24" dur="1" fill="hold">
+                                          <p:stCondLst>
+                                            <p:cond delay="0"/>
+                                          </p:stCondLst>
+                                        </p:cTn>
+                                        <p:tgtEl>
+                                          <p:spTgt spid="12">
+                                            <p:txEl>
+                                              <p:pRg st="0" end="0"/>
+                                            </p:txEl>
+                                          </p:spTgt>
+                                        </p:tgtEl>
+                                        <p:attrNameLst>
+                                          <p:attrName>style.visibility</p:attrName>
+                                        </p:attrNameLst>
+                                      </p:cBhvr>
+                                      <p:to>
+                                        <p:strVal val="visible"/>
+                                      </p:to>
+                                    </p:set>
+                                    <p:anim calcmode="lin" valueType="num">
+                                      <p:cBhvr additive="base">
+                                        <p:cTn id="25" dur="500" fill="hold"/>
+                                        <p:tgtEl>
+                                          <p:spTgt spid="12">
+                                            <p:txEl>
+                                              <p:pRg st="0" end="0"/>
+                                            </p:txEl>
+                                          </p:spTgt>
+                                        </p:tgtEl>
+                                        <p:attrNameLst>
+                                          <p:attrName>ppt_x</p:attrName>
+                                        </p:attrNameLst>
+                                      </p:cBhvr>
+                                      <p:tavLst>
+                                        <p:tav tm="0">
+                                          <p:val>
+                                            <p:strVal val="1+#ppt_w/2"/>
+                                          </p:val>
+                                        </p:tav>
+                                        <p:tav tm="100000">
+                                          <p:val>
+                                            <p:strVal val="#ppt_x"/>
+                                          </p:val>
+                                        </p:tav>
+                                      </p:tavLst>
+                                    </p:anim>
+                                    <p:anim calcmode="lin" valueType="num">
+                                      <p:cBhvr additive="base">
+                                        <p:cTn id="26" dur="500" fill="hold"/>
+                                        <p:tgtEl>
+                                          <p:spTgt spid="12">
+                                            <p:txEl>
+                                              <p:pRg st="0" end="0"/>
+                                            </p:txEl>
+                                          </p:spTgt>
+                                        </p:tgtEl>
+                                        <p:attrNameLst>
+                                          <p:attrName>ppt_y</p:attrName>
+                                        </p:attrNameLst>
+                                      </p:cBhvr>
+                                      <p:tavLst>
+                                        <p:tav tm="0">
+                                          <p:val>
+                                            <p:strVal val="#ppt_y"/>
+                                          </p:val>
+                                        </p:tav>
+                                        <p:tav tm="100000">
+                                          <p:val>
+                                            <p:strVal val="#ppt_y"/>
+                                          </p:val>
+                                        </p:tav>
+                                      </p:tavLst>
+                                    </p:anim>
+                                  </p:childTnLst>
+                                </p:cTn>
+                              </p:par>
+                            </p:childTnLst>
+                          </p:cTn>
+                        </p:par>
+                      </p:childTnLst>
+                    </p:cTn>
+                  </p:par>
+                  <p:par>
+                    <p:cTn id="27" fill="hold">
+                      <p:stCondLst>
+                        <p:cond delay="indefinite"/>
+                      </p:stCondLst>
+                      <p:childTnLst>
+                        <p:par>
+                          <p:cTn id="28" fill="hold">
+                            <p:stCondLst>
+                              <p:cond delay="0"/>
+                            </p:stCondLst>
+                            <p:childTnLst>
+                              <p:par>
+                                <p:cTn id="29" presetID="2" presetClass="entr" presetSubtype="2" fill="hold" nodeType="clickEffect">
+                                  <p:stCondLst>
+                                    <p:cond delay="0"/>
+                                  </p:stCondLst>
+                                  <p:childTnLst>
+                                    <p:set>
+                                      <p:cBhvr>
+                                        <p:cTn id="30" dur="1" fill="hold">
+                                          <p:stCondLst>
+                                            <p:cond delay="0"/>
+                                          </p:stCondLst>
+                                        </p:cTn>
+                                        <p:tgtEl>
+                                          <p:spTgt spid="14"/>
+                                        </p:tgtEl>
+                                        <p:attrNameLst>
+                                          <p:attrName>style.visibility</p:attrName>
+                                        </p:attrNameLst>
+                                      </p:cBhvr>
+                                      <p:to>
+                                        <p:strVal val="visible"/>
+                                      </p:to>
+                                    </p:set>
+                                    <p:anim calcmode="lin" valueType="num">
+                                      <p:cBhvr additive="base">
+                                        <p:cTn id="31" dur="500" fill="hold"/>
+                                        <p:tgtEl>
+                                          <p:spTgt spid="14"/>
+                                        </p:tgtEl>
+                                        <p:attrNameLst>
+                                          <p:attrName>ppt_x</p:attrName>
+                                        </p:attrNameLst>
+                                      </p:cBhvr>
+                                      <p:tavLst>
+                                        <p:tav tm="0">
+                                          <p:val>
+                                            <p:strVal val="1+#ppt_w/2"/>
+                                          </p:val>
+                                        </p:tav>
+                                        <p:tav tm="100000">
+                                          <p:val>
+                                            <p:strVal val="#ppt_x"/>
+                                          </p:val>
+                                        </p:tav>
+                                      </p:tavLst>
+                                    </p:anim>
+                                    <p:anim calcmode="lin" valueType="num">
+                                      <p:cBhvr additive="base">
+                                        <p:cTn id="32" dur="500" fill="hold"/>
+                                        <p:tgtEl>
+                                          <p:spTgt spid="14"/>
+                                        </p:tgtEl>
+                                        <p:attrNameLst>
+                                          <p:attrName>ppt_y</p:attrName>
+                                        </p:attrNameLst>
+                                      </p:cBhvr>
+                                      <p:tavLst>
+                                        <p:tav tm="0">
+                                          <p:val>
+                                            <p:strVal val="#ppt_y"/>
+                                          </p:val>
+                                        </p:tav>
+                                        <p:tav tm="100000">
+                                          <p:val>
+                                            <p:strVal val="#ppt_y"/>
+                                          </p:val>
+                                        </p:tav>
+                                      </p:tavLst>
+                                    </p:anim>
+                                  </p:childTnLst>
+                                </p:cTn>
+                              </p:par>
+                            </p:childTnLst>
+                          </p:cTn>
+                        </p:par>
+                      </p:childTnLst>
+                    </p:cTn>
+                  </p:par>
+                  <p:par>
+                    <p:cTn id="33" fill="hold">
+                      <p:stCondLst>
+                        <p:cond delay="indefinite"/>
+                      </p:stCondLst>
+                      <p:childTnLst>
+                        <p:par>
+                          <p:cTn id="34" fill="hold">
+                            <p:stCondLst>
+                              <p:cond delay="0"/>
+                            </p:stCondLst>
+                            <p:childTnLst>
+                              <p:par>
+                                <p:cTn id="35" presetID="2" presetClass="entr" presetSubtype="2" fill="hold" nodeType="clickEffect">
+                                  <p:stCondLst>
+                                    <p:cond delay="0"/>
+                                  </p:stCondLst>
+                                  <p:childTnLst>
+                                    <p:set>
+                                      <p:cBhvr>
+                                        <p:cTn id="36" dur="1" fill="hold">
+                                          <p:stCondLst>
+                                            <p:cond delay="0"/>
+                                          </p:stCondLst>
+                                        </p:cTn>
+                                        <p:tgtEl>
+                                          <p:spTgt spid="16"/>
+                                        </p:tgtEl>
+                                        <p:attrNameLst>
+                                          <p:attrName>style.visibility</p:attrName>
+                                        </p:attrNameLst>
+                                      </p:cBhvr>
+                                      <p:to>
+                                        <p:strVal val="visible"/>
+                                      </p:to>
+                                    </p:set>
+                                    <p:anim calcmode="lin" valueType="num">
+                                      <p:cBhvr additive="base">
+                                        <p:cTn id="37" dur="500" fill="hold"/>
+                                        <p:tgtEl>
+                                          <p:spTgt spid="16"/>
+                                        </p:tgtEl>
+                                        <p:attrNameLst>
+                                          <p:attrName>ppt_x</p:attrName>
+                                        </p:attrNameLst>
+                                      </p:cBhvr>
+                                      <p:tavLst>
+                                        <p:tav tm="0">
+                                          <p:val>
+                                            <p:strVal val="1+#ppt_w/2"/>
+                                          </p:val>
+                                        </p:tav>
+                                        <p:tav tm="100000">
+                                          <p:val>
+                                            <p:strVal val="#ppt_x"/>
+                                          </p:val>
+                                        </p:tav>
+                                      </p:tavLst>
+                                    </p:anim>
+                                    <p:anim calcmode="lin" valueType="num">
+                                      <p:cBhvr additive="base">
+                                        <p:cTn id="38" dur="500" fill="hold"/>
+                                        <p:tgtEl>
+                                          <p:spTgt spid="16"/>
+                                        </p:tgtEl>
+                                        <p:attrNameLst>
+                                          <p:attrName>ppt_y</p:attrName>
+                                        </p:attrNameLst>
+                                      </p:cBhvr>
+                                      <p:tavLst>
+                                        <p:tav tm="0">
+                                          <p:val>
+                                            <p:strVal val="#ppt_y"/>
+                                          </p:val>
+                                        </p:tav>
+                                        <p:tav tm="100000">
+                                          <p:val>
+                                            <p:strVal val="#ppt_y"/>
+                                          </p:val>
+                                        </p:tav>
+                                      </p:tavLst>
+                                    </p:anim>
+                                  </p:childTnLst>
+                                </p:cTn>
+                              </p:par>
+                            </p:childTnLst>
+                          </p:cTn>
+                        </p:par>
+                      </p:childTnLst>
+                    </p:cTn>
+                  </p:par>
+                  <p:par>
+                    <p:cTn id="39" fill="hold">
+                      <p:stCondLst>
+                        <p:cond delay="indefinite"/>
+                      </p:stCondLst>
+                      <p:childTnLst>
+                        <p:par>
+                          <p:cTn id="40" fill="hold">
+                            <p:stCondLst>
+                              <p:cond delay="0"/>
+                            </p:stCondLst>
+                            <p:childTnLst>
+                              <p:par>
+                                <p:cTn id="41" presetID="2" presetClass="entr" presetSubtype="8" fill="hold" nodeType="clickEffect">
+                                  <p:stCondLst>
+                                    <p:cond delay="0"/>
+                                  </p:stCondLst>
+                                  <p:childTnLst>
+                                    <p:set>
+                                      <p:cBhvr>
+                                        <p:cTn id="42" dur="1" fill="hold">
+                                          <p:stCondLst>
+                                            <p:cond delay="0"/>
+                                          </p:stCondLst>
+                                        </p:cTn>
+                                        <p:tgtEl>
+                                          <p:spTgt spid="3">
+                                            <p:txEl>
+                                              <p:pRg st="9" end="9"/>
+                                            </p:txEl>
+                                          </p:spTgt>
+                                        </p:tgtEl>
+                                        <p:attrNameLst>
+                                          <p:attrName>style.visibility</p:attrName>
+                                        </p:attrNameLst>
+                                      </p:cBhvr>
+                                      <p:to>
+                                        <p:strVal val="visible"/>
+                                      </p:to>
+                                    </p:set>
+                                    <p:anim calcmode="lin" valueType="num">
+                                      <p:cBhvr additive="base">
+                                        <p:cTn id="43" dur="500" fill="hold"/>
+                                        <p:tgtEl>
+                                          <p:spTgt spid="3">
+                                            <p:txEl>
+                                              <p:pRg st="9" end="9"/>
+                                            </p:txEl>
+                                          </p:spTgt>
+                                        </p:tgtEl>
+                                        <p:attrNameLst>
+                                          <p:attrName>ppt_x</p:attrName>
+                                        </p:attrNameLst>
+                                      </p:cBhvr>
+                                      <p:tavLst>
+                                        <p:tav tm="0">
+                                          <p:val>
+                                            <p:strVal val="0-#ppt_w/2"/>
+                                          </p:val>
+                                        </p:tav>
+                                        <p:tav tm="100000">
+                                          <p:val>
+                                            <p:strVal val="#ppt_x"/>
+                                          </p:val>
+                                        </p:tav>
+                                      </p:tavLst>
+                                    </p:anim>
+                                    <p:anim calcmode="lin" valueType="num">
+                                      <p:cBhvr additive="base">
+                                        <p:cTn id="44" dur="500" fill="hold"/>
+                                        <p:tgtEl>
+                                          <p:spTgt spid="3">
+                                            <p:txEl>
+                                              <p:pRg st="9" end="9"/>
+                                            </p:txEl>
+                                          </p:spTgt>
+                                        </p:tgtEl>
+                                        <p:attrNameLst>
+                                          <p:attrName>ppt_y</p:attrName>
+                                        </p:attrNameLst>
+                                      </p:cBhvr>
+                                      <p:tavLst>
+                                        <p:tav tm="0">
+                                          <p:val>
+                                            <p:strVal val="#ppt_y"/>
+                                          </p:val>
+                                        </p:tav>
+                                        <p:tav tm="100000">
+                                          <p:val>
+                                            <p:strVal val="#ppt_y"/>
+                                          </p:val>
+                                        </p:tav>
+                                      </p:tavLst>
+                                    </p:anim>
+                                  </p:childTnLst>
+                                </p:cTn>
+                              </p:par>
+                            </p:childTnLst>
+                          </p:cTn>
+                        </p:par>
+                      </p:childTnLst>
+                    </p:cTn>
+                  </p:par>
+                  <p:par>
+                    <p:cTn id="45" fill="hold">
+                      <p:stCondLst>
+                        <p:cond delay="indefinite"/>
+                      </p:stCondLst>
+                      <p:childTnLst>
+                        <p:par>
+                          <p:cTn id="46" fill="hold">
+                            <p:stCondLst>
+                              <p:cond delay="0"/>
+                            </p:stCondLst>
+                            <p:childTnLst>
+                              <p:par>
+                                <p:cTn id="47" presetID="2" presetClass="entr" presetSubtype="8" fill="hold" nodeType="clickEffect">
+                                  <p:stCondLst>
+                                    <p:cond delay="0"/>
+                                  </p:stCondLst>
+                                  <p:childTnLst>
+                                    <p:set>
+                                      <p:cBhvr>
+                                        <p:cTn id="48" dur="1" fill="hold">
+                                          <p:stCondLst>
+                                            <p:cond delay="0"/>
+                                          </p:stCondLst>
+                                        </p:cTn>
+                                        <p:tgtEl>
+                                          <p:spTgt spid="18"/>
+                                        </p:tgtEl>
+                                        <p:attrNameLst>
+                                          <p:attrName>style.visibility</p:attrName>
+                                        </p:attrNameLst>
+                                      </p:cBhvr>
+                                      <p:to>
+                                        <p:strVal val="visible"/>
+                                      </p:to>
+                                    </p:set>
+                                    <p:anim calcmode="lin" valueType="num">
+                                      <p:cBhvr additive="base">
+                                        <p:cTn id="49" dur="500" fill="hold"/>
+                                        <p:tgtEl>
+                                          <p:spTgt spid="18"/>
+                                        </p:tgtEl>
+                                        <p:attrNameLst>
+                                          <p:attrName>ppt_x</p:attrName>
+                                        </p:attrNameLst>
+                                      </p:cBhvr>
+                                      <p:tavLst>
+                                        <p:tav tm="0">
+                                          <p:val>
+                                            <p:strVal val="0-#ppt_w/2"/>
+                                          </p:val>
+                                        </p:tav>
+                                        <p:tav tm="100000">
+                                          <p:val>
+                                            <p:strVal val="#ppt_x"/>
+                                          </p:val>
+                                        </p:tav>
+                                      </p:tavLst>
+                                    </p:anim>
+                                    <p:anim calcmode="lin" valueType="num">
+                                      <p:cBhvr additive="base">
+                                        <p:cTn id="50" dur="500" fill="hold"/>
+                                        <p:tgtEl>
+                                          <p:spTgt spid="18"/>
+                                        </p:tgtEl>
+                                        <p:attrNameLst>
+                                          <p:attrName>ppt_y</p:attrName>
+                                        </p:attrNameLst>
+                                      </p:cBhvr>
+                                      <p:tavLst>
+                                        <p:tav tm="0">
+                                          <p:val>
+                                            <p:strVal val="#ppt_y"/>
+                                          </p:val>
+                                        </p:tav>
+                                        <p:tav tm="100000">
+                                          <p:val>
+                                            <p:strVal val="#ppt_y"/>
+                                          </p:val>
+                                        </p:tav>
+                                      </p:tavLst>
+                                    </p:anim>
+                                  </p:childTnLst>
+                                </p:cTn>
+                              </p:par>
+                            </p:childTnLst>
+                          </p:cTn>
+                        </p:par>
+                      </p:childTnLst>
+                    </p:cTn>
+                  </p:par>
+                  <p:par>
+                    <p:cTn id="51" fill="hold">
+                      <p:stCondLst>
+                        <p:cond delay="indefinite"/>
+                      </p:stCondLst>
+                      <p:childTnLst>
+                        <p:par>
+                          <p:cTn id="52" fill="hold">
+                            <p:stCondLst>
+                              <p:cond delay="0"/>
+                            </p:stCondLst>
+                            <p:childTnLst>
+                              <p:par>
+                                <p:cTn id="53" presetID="2" presetClass="entr" presetSubtype="2" fill="hold" nodeType="clickEffect">
+                                  <p:stCondLst>
+                                    <p:cond delay="0"/>
+                                  </p:stCondLst>
+                                  <p:childTnLst>
+                                    <p:set>
+                                      <p:cBhvr>
+                                        <p:cTn id="54" dur="1" fill="hold">
+                                          <p:stCondLst>
+                                            <p:cond delay="0"/>
+                                          </p:stCondLst>
+                                        </p:cTn>
+                                        <p:tgtEl>
+                                          <p:spTgt spid="20"/>
+                                        </p:tgtEl>
+                                        <p:attrNameLst>
+                                          <p:attrName>style.visibility</p:attrName>
+                                        </p:attrNameLst>
+                                      </p:cBhvr>
+                                      <p:to>
+                                        <p:strVal val="visible"/>
+                                      </p:to>
+                                    </p:set>
+                                    <p:anim calcmode="lin" valueType="num">
+                                      <p:cBhvr additive="base">
+                                        <p:cTn id="55" dur="500" fill="hold"/>
+                                        <p:tgtEl>
+                                          <p:spTgt spid="20"/>
+                                        </p:tgtEl>
+                                        <p:attrNameLst>
+                                          <p:attrName>ppt_x</p:attrName>
+                                        </p:attrNameLst>
+                                      </p:cBhvr>
+                                      <p:tavLst>
+                                        <p:tav tm="0">
+                                          <p:val>
+                                            <p:strVal val="1+#ppt_w/2"/>
+                                          </p:val>
+                                        </p:tav>
+                                        <p:tav tm="100000">
+                                          <p:val>
+                                            <p:strVal val="#ppt_x"/>
+                                          </p:val>
+                                        </p:tav>
+                                      </p:tavLst>
+                                    </p:anim>
+                                    <p:anim calcmode="lin" valueType="num">
+                                      <p:cBhvr additive="base">
+                                        <p:cTn id="56" dur="500" fill="hold"/>
+                                        <p:tgtEl>
+                                          <p:spTgt spid="20"/>
+                                        </p:tgtEl>
+                                        <p:attrNameLst>
+                                          <p:attrName>ppt_y</p:attrName>
+                                        </p:attrNameLst>
+                                      </p:cBhvr>
+                                      <p:tavLst>
+                                        <p:tav tm="0">
+                                          <p:val>
+                                            <p:strVal val="#ppt_y"/>
+                                          </p:val>
+                                        </p:tav>
+                                        <p:tav tm="100000">
+                                          <p:val>
+                                            <p:strVal val="#ppt_y"/>
+                                          </p:val>
+                                        </p:tav>
+                                      </p:tavLst>
+                                    </p:anim>
+                                  </p:childTnLst>
+                                </p:cTn>
+                              </p:par>
+                            </p:childTnLst>
+                          </p:cTn>
+                        </p:par>
+                      </p:childTnLst>
+                    </p:cTn>
+                  </p:par>
+                </p:childTnLst>
+              </p:cTn>
+              <p:prevCondLst>
+                <p:cond evt="onPrev" delay="0">
+                  <p:tgtEl>
+                    <p:sldTgt/>
+                  </p:tgtEl>
+                </p:cond>
+              </p:prevCondLst>
+              <p:nextCondLst>
+                <p:cond evt="onNext" delay="0">
+                  <p:tgtEl>
+                    <p:sldTgt/>
+                  </p:tgtEl>
+                </p:cond>
+              </p:nextCondLst>
+            </p:seq>
+          </p:childTnLst>
+        </p:cTn>
+      </p:par>
+    </p:tnLst>
+  </p:timing>
+</p:sld>
+</file>
+
+<file path=ppt/slides/slide34.xml><?xml version="1.0" encoding="utf-8"?>
+<p:sld xmlns:a="http://schemas.openxmlformats.org/drawingml/2006/main" xmlns:r="http://schemas.openxmlformats.org/officeDocument/2006/relationships" xmlns:p="http://schemas.openxmlformats.org/presentationml/2006/main">
+  <p:cSld>
+    <p:spTree>
+      <p:nvGrpSpPr>
+        <p:cNvPr id="1" name=""/>
+        <p:cNvGrpSpPr/>
+        <p:nvPr/>
+      </p:nvGrpSpPr>
+      <p:grpSpPr>
+        <a:xfrm>
+          <a:off x="0" y="0"/>
+          <a:ext cx="0" cy="0"/>
+          <a:chOff x="0" y="0"/>
+          <a:chExt cx="0" cy="0"/>
+        </a:xfrm>
+      </p:grpSpPr>
+      <p:sp>
+        <p:nvSpPr>
+          <p:cNvPr id="4" name="Content Placeholder 2">
+            <a:extLst>
+              <a:ext uri="{FF2B5EF4-FFF2-40B4-BE49-F238E27FC236}">
+                <a16:creationId xmlns:a16="http://schemas.microsoft.com/office/drawing/2014/main" id="{934F630D-8AA2-36D6-ECAE-14A153FC846E}"/>
+              </a:ext>
+            </a:extLst>
+          </p:cNvPr>
+          <p:cNvSpPr>
+            <a:spLocks noGrp="1"/>
+          </p:cNvSpPr>
+          <p:nvPr>
+            <p:ph idx="1"/>
+          </p:nvPr>
+        </p:nvSpPr>
+        <p:spPr>
+          <a:xfrm>
+            <a:off x="1994647" y="824924"/>
+            <a:ext cx="10515600" cy="636323"/>
+          </a:xfrm>
+        </p:spPr>
+        <p:txBody>
+          <a:bodyPr>
+            <a:normAutofit/>
+          </a:bodyPr>
+          <a:lstStyle/>
+          <a:p>
+            <a:pPr marL="0" lvl="0" indent="0" algn="just">
+              <a:lnSpc>
+                <a:spcPct val="150000"/>
+              </a:lnSpc>
+              <a:buNone/>
+            </a:pPr>
+            <a:r>
+              <a:rPr lang="en-US" sz="2000" b="1" dirty="0">
+                <a:solidFill>
+                  <a:srgbClr val="2FA9FF"/>
+                </a:solidFill>
+                <a:latin typeface="Georgia" panose="02040502050405020303" pitchFamily="18" charset="0"/>
+              </a:rPr>
+              <a:t>Summary of Operator Precedence and Grouping</a:t>
+            </a:r>
+            <a:endParaRPr lang="en-US" sz="2000" dirty="0">
+              <a:latin typeface="Georgia" panose="02040502050405020303" pitchFamily="18" charset="0"/>
+            </a:endParaRPr>
+          </a:p>
+        </p:txBody>
+      </p:sp>
+      <p:pic>
+        <p:nvPicPr>
+          <p:cNvPr id="6" name="Picture 5">
+            <a:extLst>
+              <a:ext uri="{FF2B5EF4-FFF2-40B4-BE49-F238E27FC236}">
+                <a16:creationId xmlns:a16="http://schemas.microsoft.com/office/drawing/2014/main" id="{9CBDF537-DD5E-BBE5-BE0B-EA854C22DE17}"/>
+              </a:ext>
+            </a:extLst>
+          </p:cNvPr>
+          <p:cNvPicPr>
+            <a:picLocks noChangeAspect="1"/>
+          </p:cNvPicPr>
+          <p:nvPr/>
+        </p:nvPicPr>
+        <p:blipFill>
+          <a:blip r:embed="rId2"/>
+          <a:stretch>
+            <a:fillRect/>
+          </a:stretch>
+        </p:blipFill>
+        <p:spPr>
+          <a:xfrm>
+            <a:off x="1913401" y="1752010"/>
+            <a:ext cx="8078327" cy="4429743"/>
+          </a:xfrm>
+          <a:prstGeom prst="rect">
+            <a:avLst/>
+          </a:prstGeom>
+        </p:spPr>
+      </p:pic>
+    </p:spTree>
+    <p:extLst>
+      <p:ext uri="{BB962C8B-B14F-4D97-AF65-F5344CB8AC3E}">
+        <p14:creationId xmlns:p14="http://schemas.microsoft.com/office/powerpoint/2010/main" val="1020874355"/>
+      </p:ext>
+    </p:extLst>
+  </p:cSld>
+  <p:clrMapOvr>
+    <a:masterClrMapping/>
+  </p:clrMapOvr>
+  <p:timing>
+    <p:tnLst>
+      <p:par>
+        <p:cTn id="1" dur="indefinite" restart="never" nodeType="tmRoot">
+          <p:childTnLst>
+            <p:seq concurrent="1" nextAc="seek">
+              <p:cTn id="2" dur="indefinite" nodeType="mainSeq">
+                <p:childTnLst>
+                  <p:par>
+                    <p:cTn id="3" fill="hold">
+                      <p:stCondLst>
+                        <p:cond delay="indefinite"/>
+                      </p:stCondLst>
+                      <p:childTnLst>
+                        <p:par>
+                          <p:cTn id="4" fill="hold">
+                            <p:stCondLst>
+                              <p:cond delay="0"/>
+                            </p:stCondLst>
+                            <p:childTnLst>
+                              <p:par>
+                                <p:cTn id="5" presetID="10" presetClass="entr" presetSubtype="0" fill="hold" nodeType="clickEffect">
+                                  <p:stCondLst>
+                                    <p:cond delay="0"/>
+                                  </p:stCondLst>
+                                  <p:childTnLst>
+                                    <p:set>
+                                      <p:cBhvr>
+                                        <p:cTn id="6" dur="1" fill="hold">
+                                          <p:stCondLst>
+                                            <p:cond delay="0"/>
+                                          </p:stCondLst>
+                                        </p:cTn>
+                                        <p:tgtEl>
+                                          <p:spTgt spid="6"/>
+                                        </p:tgtEl>
+                                        <p:attrNameLst>
+                                          <p:attrName>style.visibility</p:attrName>
+                                        </p:attrNameLst>
+                                      </p:cBhvr>
+                                      <p:to>
+                                        <p:strVal val="visible"/>
+                                      </p:to>
+                                    </p:set>
+                                    <p:animEffect transition="in" filter="fade">
+                                      <p:cBhvr>
+                                        <p:cTn id="7" dur="500"/>
+                                        <p:tgtEl>
+                                          <p:spTgt spid="6"/>
+                                        </p:tgtEl>
+                                      </p:cBhvr>
+                                    </p:animEffect>
+                                  </p:childTnLst>
+                                </p:cTn>
+                              </p:par>
+                            </p:childTnLst>
+                          </p:cTn>
+                        </p:par>
+                      </p:childTnLst>
+                    </p:cTn>
+                  </p:par>
+                </p:childTnLst>
+              </p:cTn>
+              <p:prevCondLst>
+                <p:cond evt="onPrev" delay="0">
+                  <p:tgtEl>
+                    <p:sldTgt/>
+                  </p:tgtEl>
+                </p:cond>
+              </p:prevCondLst>
+              <p:nextCondLst>
+                <p:cond evt="onNext" delay="0">
+                  <p:tgtEl>
+                    <p:sldTgt/>
+                  </p:tgtEl>
+                </p:cond>
+              </p:nextCondLst>
+            </p:seq>
+          </p:childTnLst>
+        </p:cTn>
+      </p:par>
+    </p:tnLst>
+  </p:timing>
+</p:sld>
+</file>
+
+<file path=ppt/slides/slide35.xml><?xml version="1.0" encoding="utf-8"?>
+<p:sld xmlns:a="http://schemas.openxmlformats.org/drawingml/2006/main" xmlns:r="http://schemas.openxmlformats.org/officeDocument/2006/relationships" xmlns:p="http://schemas.openxmlformats.org/presentationml/2006/main">
+  <p:cSld>
+    <p:spTree>
+      <p:nvGrpSpPr>
+        <p:cNvPr id="1" name=""/>
+        <p:cNvGrpSpPr/>
+        <p:nvPr/>
+      </p:nvGrpSpPr>
+      <p:grpSpPr>
+        <a:xfrm>
+          <a:off x="0" y="0"/>
+          <a:ext cx="0" cy="0"/>
+          <a:chOff x="0" y="0"/>
+          <a:chExt cx="0" cy="0"/>
+        </a:xfrm>
+      </p:grpSpPr>
+      <p:pic>
+        <p:nvPicPr>
+          <p:cNvPr id="3" name="Picture 2">
+            <a:extLst>
+              <a:ext uri="{FF2B5EF4-FFF2-40B4-BE49-F238E27FC236}">
+                <a16:creationId xmlns:a16="http://schemas.microsoft.com/office/drawing/2014/main" id="{17DB27B7-ADA9-0C9C-D97F-82F0A3BFBD32}"/>
+              </a:ext>
+            </a:extLst>
+          </p:cNvPr>
+          <p:cNvPicPr>
+            <a:picLocks noChangeAspect="1"/>
+          </p:cNvPicPr>
+          <p:nvPr/>
+        </p:nvPicPr>
+        <p:blipFill>
+          <a:blip r:embed="rId2"/>
+          <a:srcRect t="2" b="792"/>
+          <a:stretch/>
+        </p:blipFill>
+        <p:spPr>
+          <a:xfrm>
+            <a:off x="740894" y="1138688"/>
+            <a:ext cx="1260716" cy="5354186"/>
+          </a:xfrm>
+          <a:prstGeom prst="rect">
+            <a:avLst/>
+          </a:prstGeom>
+        </p:spPr>
+      </p:pic>
+      <p:sp>
+        <p:nvSpPr>
+          <p:cNvPr id="5" name="Title 1">
+            <a:extLst>
+              <a:ext uri="{FF2B5EF4-FFF2-40B4-BE49-F238E27FC236}">
+                <a16:creationId xmlns:a16="http://schemas.microsoft.com/office/drawing/2014/main" id="{36B9A626-7F99-485C-C3E4-59C57BB605EC}"/>
+              </a:ext>
+            </a:extLst>
+          </p:cNvPr>
+          <p:cNvSpPr>
+            <a:spLocks noGrp="1"/>
+          </p:cNvSpPr>
+          <p:nvPr>
+            <p:ph type="title"/>
+          </p:nvPr>
+        </p:nvSpPr>
+        <p:spPr>
+          <a:xfrm>
+            <a:off x="838200" y="365126"/>
+            <a:ext cx="10515600" cy="773562"/>
+          </a:xfrm>
+        </p:spPr>
+        <p:txBody>
+          <a:bodyPr>
+            <a:normAutofit/>
+          </a:bodyPr>
+          <a:lstStyle/>
+          <a:p>
+            <a:r>
+              <a:rPr lang="en-US" sz="4400" b="1" i="0" u="none" strike="noStrike" baseline="0" dirty="0">
+                <a:solidFill>
+                  <a:srgbClr val="A245C7"/>
+                </a:solidFill>
+                <a:latin typeface="GoudySans-Bold"/>
+              </a:rPr>
+              <a:t>4.11</a:t>
+            </a:r>
+            <a:r>
+              <a:rPr lang="en-US" sz="4400" b="1" i="0" u="none" strike="noStrike" baseline="0" dirty="0">
+                <a:solidFill>
+                  <a:srgbClr val="5200FF"/>
+                </a:solidFill>
+                <a:latin typeface="GoudySans-Bold"/>
+              </a:rPr>
+              <a:t> </a:t>
+            </a:r>
+            <a:r>
+              <a:rPr lang="en-US" b="1" dirty="0">
+                <a:solidFill>
+                  <a:srgbClr val="FF0A44"/>
+                </a:solidFill>
+                <a:latin typeface="GoudySans-Bold"/>
+              </a:rPr>
+              <a:t>Structured-Programming Summary</a:t>
+            </a:r>
+            <a:endParaRPr lang="en-US" dirty="0"/>
+          </a:p>
+        </p:txBody>
+      </p:sp>
+      <p:pic>
+        <p:nvPicPr>
+          <p:cNvPr id="7" name="Picture 6">
+            <a:extLst>
+              <a:ext uri="{FF2B5EF4-FFF2-40B4-BE49-F238E27FC236}">
+                <a16:creationId xmlns:a16="http://schemas.microsoft.com/office/drawing/2014/main" id="{F2C27667-3A82-BEA5-5B0F-443FC7D25B72}"/>
+              </a:ext>
+            </a:extLst>
+          </p:cNvPr>
+          <p:cNvPicPr>
+            <a:picLocks noChangeAspect="1"/>
+          </p:cNvPicPr>
+          <p:nvPr/>
+        </p:nvPicPr>
+        <p:blipFill>
+          <a:blip r:embed="rId3"/>
+          <a:stretch>
+            <a:fillRect/>
+          </a:stretch>
+        </p:blipFill>
+        <p:spPr>
+          <a:xfrm>
+            <a:off x="3856263" y="1539774"/>
+            <a:ext cx="1905266" cy="1986240"/>
+          </a:xfrm>
+          <a:prstGeom prst="rect">
+            <a:avLst/>
+          </a:prstGeom>
+        </p:spPr>
+      </p:pic>
+      <p:pic>
+        <p:nvPicPr>
+          <p:cNvPr id="9" name="Picture 8">
+            <a:extLst>
+              <a:ext uri="{FF2B5EF4-FFF2-40B4-BE49-F238E27FC236}">
+                <a16:creationId xmlns:a16="http://schemas.microsoft.com/office/drawing/2014/main" id="{46D471B0-9EBA-AC48-8F68-175688077852}"/>
+              </a:ext>
+            </a:extLst>
+          </p:cNvPr>
+          <p:cNvPicPr>
+            <a:picLocks noChangeAspect="1"/>
+          </p:cNvPicPr>
+          <p:nvPr/>
+        </p:nvPicPr>
+        <p:blipFill>
+          <a:blip r:embed="rId4"/>
+          <a:stretch>
+            <a:fillRect/>
+          </a:stretch>
+        </p:blipFill>
+        <p:spPr>
+          <a:xfrm>
+            <a:off x="2727751" y="3526014"/>
+            <a:ext cx="3839111" cy="3019847"/>
+          </a:xfrm>
+          <a:prstGeom prst="rect">
+            <a:avLst/>
+          </a:prstGeom>
+        </p:spPr>
+      </p:pic>
+      <p:pic>
+        <p:nvPicPr>
+          <p:cNvPr id="11" name="Picture 10">
+            <a:extLst>
+              <a:ext uri="{FF2B5EF4-FFF2-40B4-BE49-F238E27FC236}">
+                <a16:creationId xmlns:a16="http://schemas.microsoft.com/office/drawing/2014/main" id="{58BC08E8-72EC-2598-D8C7-EF9DCDCA2299}"/>
+              </a:ext>
+            </a:extLst>
+          </p:cNvPr>
+          <p:cNvPicPr>
+            <a:picLocks noChangeAspect="1"/>
+          </p:cNvPicPr>
+          <p:nvPr/>
+        </p:nvPicPr>
+        <p:blipFill>
+          <a:blip r:embed="rId5"/>
+          <a:stretch>
+            <a:fillRect/>
+          </a:stretch>
+        </p:blipFill>
+        <p:spPr>
+          <a:xfrm>
+            <a:off x="7077422" y="1539774"/>
+            <a:ext cx="3766732" cy="4975412"/>
+          </a:xfrm>
+          <a:prstGeom prst="rect">
+            <a:avLst/>
+          </a:prstGeom>
+        </p:spPr>
+      </p:pic>
+      <p:pic>
+        <p:nvPicPr>
+          <p:cNvPr id="13" name="Picture 12">
+            <a:extLst>
+              <a:ext uri="{FF2B5EF4-FFF2-40B4-BE49-F238E27FC236}">
+                <a16:creationId xmlns:a16="http://schemas.microsoft.com/office/drawing/2014/main" id="{110615FB-3F1D-A68C-4CA4-E3D5D2FFB815}"/>
+              </a:ext>
+            </a:extLst>
+          </p:cNvPr>
+          <p:cNvPicPr>
+            <a:picLocks noChangeAspect="1"/>
+          </p:cNvPicPr>
+          <p:nvPr/>
+        </p:nvPicPr>
+        <p:blipFill>
+          <a:blip r:embed="rId6"/>
+          <a:stretch>
+            <a:fillRect/>
+          </a:stretch>
+        </p:blipFill>
+        <p:spPr>
+          <a:xfrm>
+            <a:off x="6192698" y="1151052"/>
+            <a:ext cx="1095271" cy="252755"/>
+          </a:xfrm>
+          <a:prstGeom prst="rect">
+            <a:avLst/>
+          </a:prstGeom>
+        </p:spPr>
+      </p:pic>
+      <p:cxnSp>
+        <p:nvCxnSpPr>
+          <p:cNvPr id="15" name="Straight Connector 14">
+            <a:extLst>
+              <a:ext uri="{FF2B5EF4-FFF2-40B4-BE49-F238E27FC236}">
+                <a16:creationId xmlns:a16="http://schemas.microsoft.com/office/drawing/2014/main" id="{36F2331C-BA7D-9E1B-1D04-FD6A38218E19}"/>
+              </a:ext>
+            </a:extLst>
+          </p:cNvPr>
+          <p:cNvCxnSpPr/>
+          <p:nvPr/>
+        </p:nvCxnSpPr>
+        <p:spPr>
+          <a:xfrm>
+            <a:off x="2393577" y="1274614"/>
+            <a:ext cx="0" cy="5271247"/>
+          </a:xfrm>
+          <a:prstGeom prst="line">
+            <a:avLst/>
+          </a:prstGeom>
+          <a:ln w="19050">
+            <a:prstDash val="dash"/>
+          </a:ln>
+        </p:spPr>
+        <p:style>
+          <a:lnRef idx="1">
+            <a:schemeClr val="dk1"/>
+          </a:lnRef>
+          <a:fillRef idx="0">
+            <a:schemeClr val="dk1"/>
+          </a:fillRef>
+          <a:effectRef idx="0">
+            <a:schemeClr val="dk1"/>
+          </a:effectRef>
+          <a:fontRef idx="minor">
+            <a:schemeClr val="tx1"/>
+          </a:fontRef>
+        </p:style>
+      </p:cxnSp>
+    </p:spTree>
+    <p:extLst>
+      <p:ext uri="{BB962C8B-B14F-4D97-AF65-F5344CB8AC3E}">
+        <p14:creationId xmlns:p14="http://schemas.microsoft.com/office/powerpoint/2010/main" val="2270417494"/>
+      </p:ext>
+    </p:extLst>
+  </p:cSld>
+  <p:clrMapOvr>
+    <a:masterClrMapping/>
+  </p:clrMapOvr>
+  <mc:AlternateContent xmlns:mc="http://schemas.openxmlformats.org/markup-compatibility/2006" xmlns:p159="http://schemas.microsoft.com/office/powerpoint/2015/09/main">
+    <mc:Choice Requires="p159">
+      <p:transition xmlns:p14="http://schemas.microsoft.com/office/powerpoint/2010/main" spd="slow" p14:dur="2000">
+        <p159:morph option="byObject"/>
+      </p:transition>
+    </mc:Choice>
+    <mc:Fallback xmlns="">
+      <p:transition spd="slow">
+        <p:fade/>
+      </p:transition>
+    </mc:Fallback>
+  </mc:AlternateContent>
+  <p:timing>
+    <p:tnLst>
+      <p:par>
+        <p:cTn id="1" dur="indefinite" restart="never" nodeType="tmRoot">
+          <p:childTnLst>
+            <p:seq concurrent="1" nextAc="seek">
+              <p:cTn id="2" dur="indefinite" nodeType="mainSeq">
+                <p:childTnLst>
+                  <p:par>
+                    <p:cTn id="3" fill="hold">
+                      <p:stCondLst>
+                        <p:cond delay="indefinite"/>
+                      </p:stCondLst>
+                      <p:childTnLst>
+                        <p:par>
+                          <p:cTn id="4" fill="hold">
+                            <p:stCondLst>
+                              <p:cond delay="0"/>
+                            </p:stCondLst>
+                            <p:childTnLst>
+                              <p:par>
+                                <p:cTn id="5" presetID="22" presetClass="entr" presetSubtype="1" fill="hold" nodeType="clickEffect">
+                                  <p:stCondLst>
+                                    <p:cond delay="0"/>
+                                  </p:stCondLst>
+                                  <p:childTnLst>
+                                    <p:set>
+                                      <p:cBhvr>
+                                        <p:cTn id="6" dur="1" fill="hold">
+                                          <p:stCondLst>
+                                            <p:cond delay="0"/>
+                                          </p:stCondLst>
+                                        </p:cTn>
+                                        <p:tgtEl>
+                                          <p:spTgt spid="3"/>
+                                        </p:tgtEl>
+                                        <p:attrNameLst>
+                                          <p:attrName>style.visibility</p:attrName>
+                                        </p:attrNameLst>
+                                      </p:cBhvr>
+                                      <p:to>
+                                        <p:strVal val="visible"/>
+                                      </p:to>
+                                    </p:set>
+                                    <p:animEffect transition="in" filter="wipe(up)">
+                                      <p:cBhvr>
+                                        <p:cTn id="7" dur="500"/>
+                                        <p:tgtEl>
+                                          <p:spTgt spid="3"/>
+                                        </p:tgtEl>
+                                      </p:cBhvr>
+                                    </p:animEffect>
+                                  </p:childTnLst>
+                                </p:cTn>
+                              </p:par>
+                            </p:childTnLst>
+                          </p:cTn>
+                        </p:par>
+                      </p:childTnLst>
+                    </p:cTn>
+                  </p:par>
+                  <p:par>
+                    <p:cTn id="8" fill="hold">
+                      <p:stCondLst>
+                        <p:cond delay="indefinite"/>
+                      </p:stCondLst>
+                      <p:childTnLst>
+                        <p:par>
+                          <p:cTn id="9" fill="hold">
+                            <p:stCondLst>
+                              <p:cond delay="0"/>
+                            </p:stCondLst>
+                            <p:childTnLst>
+                              <p:par>
+                                <p:cTn id="10" presetID="1" presetClass="entr" presetSubtype="0" fill="hold" nodeType="clickEffect">
+                                  <p:stCondLst>
+                                    <p:cond delay="0"/>
+                                  </p:stCondLst>
+                                  <p:childTnLst>
+                                    <p:set>
+                                      <p:cBhvr>
+                                        <p:cTn id="11" dur="1" fill="hold">
+                                          <p:stCondLst>
+                                            <p:cond delay="0"/>
+                                          </p:stCondLst>
+                                        </p:cTn>
+                                        <p:tgtEl>
+                                          <p:spTgt spid="15"/>
+                                        </p:tgtEl>
+                                        <p:attrNameLst>
+                                          <p:attrName>style.visibility</p:attrName>
+                                        </p:attrNameLst>
+                                      </p:cBhvr>
+                                      <p:to>
+                                        <p:strVal val="visible"/>
+                                      </p:to>
+                                    </p:set>
+                                  </p:childTnLst>
+                                </p:cTn>
+                              </p:par>
+                            </p:childTnLst>
+                          </p:cTn>
+                        </p:par>
+                      </p:childTnLst>
+                    </p:cTn>
+                  </p:par>
+                  <p:par>
+                    <p:cTn id="12" fill="hold">
+                      <p:stCondLst>
+                        <p:cond delay="indefinite"/>
+                      </p:stCondLst>
+                      <p:childTnLst>
+                        <p:par>
+                          <p:cTn id="13" fill="hold">
+                            <p:stCondLst>
+                              <p:cond delay="0"/>
+                            </p:stCondLst>
+                            <p:childTnLst>
+                              <p:par>
+                                <p:cTn id="14" presetID="1" presetClass="entr" presetSubtype="0" fill="hold" nodeType="clickEffect">
+                                  <p:stCondLst>
+                                    <p:cond delay="0"/>
+                                  </p:stCondLst>
+                                  <p:childTnLst>
+                                    <p:set>
+                                      <p:cBhvr>
+                                        <p:cTn id="15" dur="1" fill="hold">
+                                          <p:stCondLst>
+                                            <p:cond delay="0"/>
+                                          </p:stCondLst>
+                                        </p:cTn>
+                                        <p:tgtEl>
+                                          <p:spTgt spid="13"/>
+                                        </p:tgtEl>
+                                        <p:attrNameLst>
+                                          <p:attrName>style.visibility</p:attrName>
+                                        </p:attrNameLst>
+                                      </p:cBhvr>
+                                      <p:to>
+                                        <p:strVal val="visible"/>
+                                      </p:to>
+                                    </p:set>
+                                  </p:childTnLst>
+                                </p:cTn>
+                              </p:par>
+                            </p:childTnLst>
+                          </p:cTn>
+                        </p:par>
+                      </p:childTnLst>
+                    </p:cTn>
+                  </p:par>
+                  <p:par>
+                    <p:cTn id="16" fill="hold">
+                      <p:stCondLst>
+                        <p:cond delay="indefinite"/>
+                      </p:stCondLst>
+                      <p:childTnLst>
+                        <p:par>
+                          <p:cTn id="17" fill="hold">
+                            <p:stCondLst>
+                              <p:cond delay="0"/>
+                            </p:stCondLst>
+                            <p:childTnLst>
+                              <p:par>
+                                <p:cTn id="18" presetID="22" presetClass="entr" presetSubtype="1" fill="hold" nodeType="clickEffect">
+                                  <p:stCondLst>
+                                    <p:cond delay="0"/>
+                                  </p:stCondLst>
+                                  <p:childTnLst>
+                                    <p:set>
+                                      <p:cBhvr>
+                                        <p:cTn id="19" dur="1" fill="hold">
+                                          <p:stCondLst>
+                                            <p:cond delay="0"/>
+                                          </p:stCondLst>
+                                        </p:cTn>
+                                        <p:tgtEl>
+                                          <p:spTgt spid="7"/>
+                                        </p:tgtEl>
+                                        <p:attrNameLst>
+                                          <p:attrName>style.visibility</p:attrName>
+                                        </p:attrNameLst>
+                                      </p:cBhvr>
+                                      <p:to>
+                                        <p:strVal val="visible"/>
+                                      </p:to>
+                                    </p:set>
+                                    <p:animEffect transition="in" filter="wipe(up)">
+                                      <p:cBhvr>
+                                        <p:cTn id="20" dur="1000"/>
+                                        <p:tgtEl>
+                                          <p:spTgt spid="7"/>
+                                        </p:tgtEl>
+                                      </p:cBhvr>
+                                    </p:animEffect>
+                                  </p:childTnLst>
+                                </p:cTn>
+                              </p:par>
+                            </p:childTnLst>
+                          </p:cTn>
+                        </p:par>
+                      </p:childTnLst>
+                    </p:cTn>
+                  </p:par>
+                  <p:par>
+                    <p:cTn id="21" fill="hold">
+                      <p:stCondLst>
+                        <p:cond delay="indefinite"/>
+                      </p:stCondLst>
+                      <p:childTnLst>
+                        <p:par>
+                          <p:cTn id="22" fill="hold">
+                            <p:stCondLst>
+                              <p:cond delay="0"/>
+                            </p:stCondLst>
+                            <p:childTnLst>
+                              <p:par>
+                                <p:cTn id="23" presetID="22" presetClass="entr" presetSubtype="1" fill="hold" nodeType="clickEffect">
+                                  <p:stCondLst>
+                                    <p:cond delay="0"/>
+                                  </p:stCondLst>
+                                  <p:childTnLst>
+                                    <p:set>
+                                      <p:cBhvr>
+                                        <p:cTn id="24" dur="1" fill="hold">
+                                          <p:stCondLst>
+                                            <p:cond delay="0"/>
+                                          </p:stCondLst>
+                                        </p:cTn>
+                                        <p:tgtEl>
+                                          <p:spTgt spid="9"/>
+                                        </p:tgtEl>
+                                        <p:attrNameLst>
+                                          <p:attrName>style.visibility</p:attrName>
+                                        </p:attrNameLst>
+                                      </p:cBhvr>
+                                      <p:to>
+                                        <p:strVal val="visible"/>
+                                      </p:to>
+                                    </p:set>
+                                    <p:animEffect transition="in" filter="wipe(up)">
+                                      <p:cBhvr>
+                                        <p:cTn id="25" dur="500"/>
+                                        <p:tgtEl>
+                                          <p:spTgt spid="9"/>
+                                        </p:tgtEl>
+                                      </p:cBhvr>
+                                    </p:animEffect>
+                                  </p:childTnLst>
+                                </p:cTn>
+                              </p:par>
+                            </p:childTnLst>
+                          </p:cTn>
+                        </p:par>
+                      </p:childTnLst>
+                    </p:cTn>
+                  </p:par>
+                  <p:par>
+                    <p:cTn id="26" fill="hold">
+                      <p:stCondLst>
+                        <p:cond delay="indefinite"/>
+                      </p:stCondLst>
+                      <p:childTnLst>
+                        <p:par>
+                          <p:cTn id="27" fill="hold">
+                            <p:stCondLst>
+                              <p:cond delay="0"/>
+                            </p:stCondLst>
+                            <p:childTnLst>
+                              <p:par>
+                                <p:cTn id="28" presetID="22" presetClass="entr" presetSubtype="1" fill="hold" nodeType="clickEffect">
+                                  <p:stCondLst>
+                                    <p:cond delay="0"/>
+                                  </p:stCondLst>
+                                  <p:childTnLst>
+                                    <p:set>
+                                      <p:cBhvr>
+                                        <p:cTn id="29" dur="1" fill="hold">
+                                          <p:stCondLst>
+                                            <p:cond delay="0"/>
+                                          </p:stCondLst>
+                                        </p:cTn>
+                                        <p:tgtEl>
+                                          <p:spTgt spid="11"/>
+                                        </p:tgtEl>
+                                        <p:attrNameLst>
+                                          <p:attrName>style.visibility</p:attrName>
+                                        </p:attrNameLst>
+                                      </p:cBhvr>
+                                      <p:to>
+                                        <p:strVal val="visible"/>
+                                      </p:to>
+                                    </p:set>
+                                    <p:animEffect transition="in" filter="wipe(up)">
+                                      <p:cBhvr>
+                                        <p:cTn id="30" dur="500"/>
+                                        <p:tgtEl>
+                                          <p:spTgt spid="11"/>
+                                        </p:tgtEl>
+                                      </p:cBhvr>
+                                    </p:animEffect>
+                                  </p:childTnLst>
+                                </p:cTn>
+                              </p:par>
+                            </p:childTnLst>
+                          </p:cTn>
+                        </p:par>
+                      </p:childTnLst>
+                    </p:cTn>
+                  </p:par>
+                </p:childTnLst>
+              </p:cTn>
+              <p:prevCondLst>
+                <p:cond evt="onPrev" delay="0">
+                  <p:tgtEl>
+                    <p:sldTgt/>
+                  </p:tgtEl>
+                </p:cond>
+              </p:prevCondLst>
+              <p:nextCondLst>
+                <p:cond evt="onNext" delay="0">
+                  <p:tgtEl>
+                    <p:sldTgt/>
+                  </p:tgtEl>
+                </p:cond>
+              </p:nextCondLst>
+            </p:seq>
+          </p:childTnLst>
+        </p:cTn>
+      </p:par>
+    </p:tnLst>
   </p:timing>
 </p:sld>
 </file>
